--- a/ppt/2_PANDAS.pptx
+++ b/ppt/2_PANDAS.pptx
@@ -5,7 +5,7 @@
     <p:sldMasterId id="2147483648" r:id="rId1"/>
   </p:sldMasterIdLst>
   <p:notesMasterIdLst>
-    <p:notesMasterId r:id="rId34"/>
+    <p:notesMasterId r:id="rId43"/>
   </p:notesMasterIdLst>
   <p:sldIdLst>
     <p:sldId id="256" r:id="rId2"/>
@@ -13,33 +13,42 @@
     <p:sldId id="257" r:id="rId4"/>
     <p:sldId id="259" r:id="rId5"/>
     <p:sldId id="260" r:id="rId6"/>
-    <p:sldId id="262" r:id="rId7"/>
-    <p:sldId id="263" r:id="rId8"/>
-    <p:sldId id="264" r:id="rId9"/>
-    <p:sldId id="265" r:id="rId10"/>
-    <p:sldId id="315" r:id="rId11"/>
-    <p:sldId id="334" r:id="rId12"/>
-    <p:sldId id="316" r:id="rId13"/>
-    <p:sldId id="317" r:id="rId14"/>
-    <p:sldId id="318" r:id="rId15"/>
-    <p:sldId id="319" r:id="rId16"/>
-    <p:sldId id="320" r:id="rId17"/>
-    <p:sldId id="321" r:id="rId18"/>
-    <p:sldId id="322" r:id="rId19"/>
-    <p:sldId id="323" r:id="rId20"/>
-    <p:sldId id="335" r:id="rId21"/>
-    <p:sldId id="324" r:id="rId22"/>
-    <p:sldId id="325" r:id="rId23"/>
-    <p:sldId id="326" r:id="rId24"/>
-    <p:sldId id="336" r:id="rId25"/>
-    <p:sldId id="327" r:id="rId26"/>
-    <p:sldId id="328" r:id="rId27"/>
-    <p:sldId id="329" r:id="rId28"/>
-    <p:sldId id="330" r:id="rId29"/>
-    <p:sldId id="331" r:id="rId30"/>
-    <p:sldId id="333" r:id="rId31"/>
-    <p:sldId id="337" r:id="rId32"/>
-    <p:sldId id="338" r:id="rId33"/>
+    <p:sldId id="339" r:id="rId7"/>
+    <p:sldId id="262" r:id="rId8"/>
+    <p:sldId id="263" r:id="rId9"/>
+    <p:sldId id="264" r:id="rId10"/>
+    <p:sldId id="265" r:id="rId11"/>
+    <p:sldId id="315" r:id="rId12"/>
+    <p:sldId id="334" r:id="rId13"/>
+    <p:sldId id="316" r:id="rId14"/>
+    <p:sldId id="317" r:id="rId15"/>
+    <p:sldId id="318" r:id="rId16"/>
+    <p:sldId id="319" r:id="rId17"/>
+    <p:sldId id="320" r:id="rId18"/>
+    <p:sldId id="321" r:id="rId19"/>
+    <p:sldId id="322" r:id="rId20"/>
+    <p:sldId id="323" r:id="rId21"/>
+    <p:sldId id="335" r:id="rId22"/>
+    <p:sldId id="324" r:id="rId23"/>
+    <p:sldId id="325" r:id="rId24"/>
+    <p:sldId id="326" r:id="rId25"/>
+    <p:sldId id="336" r:id="rId26"/>
+    <p:sldId id="327" r:id="rId27"/>
+    <p:sldId id="328" r:id="rId28"/>
+    <p:sldId id="329" r:id="rId29"/>
+    <p:sldId id="330" r:id="rId30"/>
+    <p:sldId id="331" r:id="rId31"/>
+    <p:sldId id="333" r:id="rId32"/>
+    <p:sldId id="337" r:id="rId33"/>
+    <p:sldId id="338" r:id="rId34"/>
+    <p:sldId id="340" r:id="rId35"/>
+    <p:sldId id="341" r:id="rId36"/>
+    <p:sldId id="342" r:id="rId37"/>
+    <p:sldId id="343" r:id="rId38"/>
+    <p:sldId id="344" r:id="rId39"/>
+    <p:sldId id="345" r:id="rId40"/>
+    <p:sldId id="346" r:id="rId41"/>
+    <p:sldId id="347" r:id="rId42"/>
   </p:sldIdLst>
   <p:sldSz cx="9144000" cy="6858000" type="screen4x3"/>
   <p:notesSz cx="6858000" cy="9144000"/>
@@ -239,7 +248,7 @@
           <a:p>
             <a:fld id="{A6093E05-331E-42E0-BD25-704127CAB61D}" type="datetimeFigureOut">
               <a:rPr lang="ko-KR" altLang="en-US" smtClean="0"/>
-              <a:t>2021-07-18</a:t>
+              <a:t>2021-07-20</a:t>
             </a:fld>
             <a:endParaRPr lang="ko-KR" altLang="en-US"/>
           </a:p>
@@ -303,38 +312,37 @@
           <a:p>
             <a:pPr lvl="0"/>
             <a:r>
-              <a:rPr lang="ko-KR" altLang="en-US" smtClean="0"/>
+              <a:rPr lang="ko-KR" altLang="en-US"/>
               <a:t>마스터 텍스트 스타일을 편집합니다</a:t>
             </a:r>
           </a:p>
           <a:p>
             <a:pPr lvl="1"/>
             <a:r>
-              <a:rPr lang="ko-KR" altLang="en-US" smtClean="0"/>
+              <a:rPr lang="ko-KR" altLang="en-US"/>
               <a:t>둘째 수준</a:t>
             </a:r>
           </a:p>
           <a:p>
             <a:pPr lvl="2"/>
             <a:r>
-              <a:rPr lang="ko-KR" altLang="en-US" smtClean="0"/>
+              <a:rPr lang="ko-KR" altLang="en-US"/>
               <a:t>셋째 수준</a:t>
             </a:r>
           </a:p>
           <a:p>
             <a:pPr lvl="3"/>
             <a:r>
-              <a:rPr lang="ko-KR" altLang="en-US" smtClean="0"/>
+              <a:rPr lang="ko-KR" altLang="en-US"/>
               <a:t>넷째 수준</a:t>
             </a:r>
           </a:p>
           <a:p>
             <a:pPr lvl="4"/>
             <a:r>
-              <a:rPr lang="ko-KR" altLang="en-US" smtClean="0"/>
+              <a:rPr lang="ko-KR" altLang="en-US"/>
               <a:t>다섯째 수준</a:t>
             </a:r>
-            <a:endParaRPr lang="ko-KR" altLang="en-US"/>
           </a:p>
         </p:txBody>
       </p:sp>
@@ -545,10 +553,9 @@
           <a:lstStyle/>
           <a:p>
             <a:r>
-              <a:rPr lang="ko-KR" altLang="en-US" smtClean="0"/>
+              <a:rPr lang="ko-KR" altLang="en-US"/>
               <a:t>마스터 제목 스타일 편집</a:t>
             </a:r>
-            <a:endParaRPr lang="ko-KR" altLang="en-US"/>
           </a:p>
         </p:txBody>
       </p:sp>
@@ -664,10 +671,9 @@
           </a:lstStyle>
           <a:p>
             <a:r>
-              <a:rPr lang="ko-KR" altLang="en-US" smtClean="0"/>
+              <a:rPr lang="ko-KR" altLang="en-US"/>
               <a:t>마스터 부제목 스타일 편집</a:t>
             </a:r>
-            <a:endParaRPr lang="ko-KR" altLang="en-US"/>
           </a:p>
         </p:txBody>
       </p:sp>
@@ -688,7 +694,7 @@
           <a:p>
             <a:fld id="{8A3E19D4-2F9B-485E-9945-39F9A44B484A}" type="datetime1">
               <a:rPr lang="ko-KR" altLang="en-US" smtClean="0"/>
-              <a:t>2021-07-18</a:t>
+              <a:t>2021-07-20</a:t>
             </a:fld>
             <a:endParaRPr lang="ko-KR" altLang="en-US"/>
           </a:p>
@@ -782,10 +788,9 @@
           <a:lstStyle/>
           <a:p>
             <a:r>
-              <a:rPr lang="ko-KR" altLang="en-US" smtClean="0"/>
+              <a:rPr lang="ko-KR" altLang="en-US"/>
               <a:t>마스터 제목 스타일 편집</a:t>
             </a:r>
-            <a:endParaRPr lang="ko-KR" altLang="en-US"/>
           </a:p>
         </p:txBody>
       </p:sp>
@@ -806,38 +811,37 @@
           <a:p>
             <a:pPr lvl="0"/>
             <a:r>
-              <a:rPr lang="ko-KR" altLang="en-US" smtClean="0"/>
+              <a:rPr lang="ko-KR" altLang="en-US"/>
               <a:t>마스터 텍스트 스타일을 편집합니다</a:t>
             </a:r>
           </a:p>
           <a:p>
             <a:pPr lvl="1"/>
             <a:r>
-              <a:rPr lang="ko-KR" altLang="en-US" smtClean="0"/>
+              <a:rPr lang="ko-KR" altLang="en-US"/>
               <a:t>둘째 수준</a:t>
             </a:r>
           </a:p>
           <a:p>
             <a:pPr lvl="2"/>
             <a:r>
-              <a:rPr lang="ko-KR" altLang="en-US" smtClean="0"/>
+              <a:rPr lang="ko-KR" altLang="en-US"/>
               <a:t>셋째 수준</a:t>
             </a:r>
           </a:p>
           <a:p>
             <a:pPr lvl="3"/>
             <a:r>
-              <a:rPr lang="ko-KR" altLang="en-US" smtClean="0"/>
+              <a:rPr lang="ko-KR" altLang="en-US"/>
               <a:t>넷째 수준</a:t>
             </a:r>
           </a:p>
           <a:p>
             <a:pPr lvl="4"/>
             <a:r>
-              <a:rPr lang="ko-KR" altLang="en-US" smtClean="0"/>
+              <a:rPr lang="ko-KR" altLang="en-US"/>
               <a:t>다섯째 수준</a:t>
             </a:r>
-            <a:endParaRPr lang="ko-KR" altLang="en-US"/>
           </a:p>
         </p:txBody>
       </p:sp>
@@ -858,7 +862,7 @@
           <a:p>
             <a:fld id="{A7908FF8-C817-4DDF-A928-742A13583BDC}" type="datetime1">
               <a:rPr lang="ko-KR" altLang="en-US" smtClean="0"/>
-              <a:t>2021-07-18</a:t>
+              <a:t>2021-07-20</a:t>
             </a:fld>
             <a:endParaRPr lang="ko-KR" altLang="en-US"/>
           </a:p>
@@ -957,10 +961,9 @@
           <a:lstStyle/>
           <a:p>
             <a:r>
-              <a:rPr lang="ko-KR" altLang="en-US" smtClean="0"/>
+              <a:rPr lang="ko-KR" altLang="en-US"/>
               <a:t>마스터 제목 스타일 편집</a:t>
             </a:r>
-            <a:endParaRPr lang="ko-KR" altLang="en-US"/>
           </a:p>
         </p:txBody>
       </p:sp>
@@ -986,38 +989,37 @@
           <a:p>
             <a:pPr lvl="0"/>
             <a:r>
-              <a:rPr lang="ko-KR" altLang="en-US" smtClean="0"/>
+              <a:rPr lang="ko-KR" altLang="en-US"/>
               <a:t>마스터 텍스트 스타일을 편집합니다</a:t>
             </a:r>
           </a:p>
           <a:p>
             <a:pPr lvl="1"/>
             <a:r>
-              <a:rPr lang="ko-KR" altLang="en-US" smtClean="0"/>
+              <a:rPr lang="ko-KR" altLang="en-US"/>
               <a:t>둘째 수준</a:t>
             </a:r>
           </a:p>
           <a:p>
             <a:pPr lvl="2"/>
             <a:r>
-              <a:rPr lang="ko-KR" altLang="en-US" smtClean="0"/>
+              <a:rPr lang="ko-KR" altLang="en-US"/>
               <a:t>셋째 수준</a:t>
             </a:r>
           </a:p>
           <a:p>
             <a:pPr lvl="3"/>
             <a:r>
-              <a:rPr lang="ko-KR" altLang="en-US" smtClean="0"/>
+              <a:rPr lang="ko-KR" altLang="en-US"/>
               <a:t>넷째 수준</a:t>
             </a:r>
           </a:p>
           <a:p>
             <a:pPr lvl="4"/>
             <a:r>
-              <a:rPr lang="ko-KR" altLang="en-US" smtClean="0"/>
+              <a:rPr lang="ko-KR" altLang="en-US"/>
               <a:t>다섯째 수준</a:t>
             </a:r>
-            <a:endParaRPr lang="ko-KR" altLang="en-US"/>
           </a:p>
         </p:txBody>
       </p:sp>
@@ -1038,7 +1040,7 @@
           <a:p>
             <a:fld id="{26A831D9-4548-4603-846B-0531D742C615}" type="datetime1">
               <a:rPr lang="ko-KR" altLang="en-US" smtClean="0"/>
-              <a:t>2021-07-18</a:t>
+              <a:t>2021-07-20</a:t>
             </a:fld>
             <a:endParaRPr lang="ko-KR" altLang="en-US"/>
           </a:p>
@@ -1132,10 +1134,9 @@
           <a:lstStyle/>
           <a:p>
             <a:r>
-              <a:rPr lang="ko-KR" altLang="en-US" smtClean="0"/>
+              <a:rPr lang="ko-KR" altLang="en-US"/>
               <a:t>마스터 제목 스타일 편집</a:t>
             </a:r>
-            <a:endParaRPr lang="ko-KR" altLang="en-US"/>
           </a:p>
         </p:txBody>
       </p:sp>
@@ -1156,38 +1157,37 @@
           <a:p>
             <a:pPr lvl="0"/>
             <a:r>
-              <a:rPr lang="ko-KR" altLang="en-US" smtClean="0"/>
+              <a:rPr lang="ko-KR" altLang="en-US"/>
               <a:t>마스터 텍스트 스타일을 편집합니다</a:t>
             </a:r>
           </a:p>
           <a:p>
             <a:pPr lvl="1"/>
             <a:r>
-              <a:rPr lang="ko-KR" altLang="en-US" smtClean="0"/>
+              <a:rPr lang="ko-KR" altLang="en-US"/>
               <a:t>둘째 수준</a:t>
             </a:r>
           </a:p>
           <a:p>
             <a:pPr lvl="2"/>
             <a:r>
-              <a:rPr lang="ko-KR" altLang="en-US" smtClean="0"/>
+              <a:rPr lang="ko-KR" altLang="en-US"/>
               <a:t>셋째 수준</a:t>
             </a:r>
           </a:p>
           <a:p>
             <a:pPr lvl="3"/>
             <a:r>
-              <a:rPr lang="ko-KR" altLang="en-US" smtClean="0"/>
+              <a:rPr lang="ko-KR" altLang="en-US"/>
               <a:t>넷째 수준</a:t>
             </a:r>
           </a:p>
           <a:p>
             <a:pPr lvl="4"/>
             <a:r>
-              <a:rPr lang="ko-KR" altLang="en-US" smtClean="0"/>
+              <a:rPr lang="ko-KR" altLang="en-US"/>
               <a:t>다섯째 수준</a:t>
             </a:r>
-            <a:endParaRPr lang="ko-KR" altLang="en-US"/>
           </a:p>
         </p:txBody>
       </p:sp>
@@ -1208,7 +1208,7 @@
           <a:p>
             <a:fld id="{26E4B544-1C1E-4471-9373-24678D81FCDC}" type="datetime1">
               <a:rPr lang="ko-KR" altLang="en-US" smtClean="0"/>
-              <a:t>2021-07-18</a:t>
+              <a:t>2021-07-20</a:t>
             </a:fld>
             <a:endParaRPr lang="ko-KR" altLang="en-US"/>
           </a:p>
@@ -1311,10 +1311,9 @@
           </a:lstStyle>
           <a:p>
             <a:r>
-              <a:rPr lang="ko-KR" altLang="en-US" smtClean="0"/>
+              <a:rPr lang="ko-KR" altLang="en-US"/>
               <a:t>마스터 제목 스타일 편집</a:t>
             </a:r>
-            <a:endParaRPr lang="ko-KR" altLang="en-US"/>
           </a:p>
         </p:txBody>
       </p:sp>
@@ -1431,7 +1430,7 @@
           <a:p>
             <a:pPr lvl="0"/>
             <a:r>
-              <a:rPr lang="ko-KR" altLang="en-US" smtClean="0"/>
+              <a:rPr lang="ko-KR" altLang="en-US"/>
               <a:t>마스터 텍스트 스타일을 편집합니다</a:t>
             </a:r>
           </a:p>
@@ -1454,7 +1453,7 @@
           <a:p>
             <a:fld id="{EBFE21EA-FB50-4201-81BA-79911C58E62E}" type="datetime1">
               <a:rPr lang="ko-KR" altLang="en-US" smtClean="0"/>
-              <a:t>2021-07-18</a:t>
+              <a:t>2021-07-20</a:t>
             </a:fld>
             <a:endParaRPr lang="ko-KR" altLang="en-US"/>
           </a:p>
@@ -1548,10 +1547,9 @@
           <a:lstStyle/>
           <a:p>
             <a:r>
-              <a:rPr lang="ko-KR" altLang="en-US" smtClean="0"/>
+              <a:rPr lang="ko-KR" altLang="en-US"/>
               <a:t>마스터 제목 스타일 편집</a:t>
             </a:r>
-            <a:endParaRPr lang="ko-KR" altLang="en-US"/>
           </a:p>
         </p:txBody>
       </p:sp>
@@ -1605,38 +1603,37 @@
           <a:p>
             <a:pPr lvl="0"/>
             <a:r>
-              <a:rPr lang="ko-KR" altLang="en-US" smtClean="0"/>
+              <a:rPr lang="ko-KR" altLang="en-US"/>
               <a:t>마스터 텍스트 스타일을 편집합니다</a:t>
             </a:r>
           </a:p>
           <a:p>
             <a:pPr lvl="1"/>
             <a:r>
-              <a:rPr lang="ko-KR" altLang="en-US" smtClean="0"/>
+              <a:rPr lang="ko-KR" altLang="en-US"/>
               <a:t>둘째 수준</a:t>
             </a:r>
           </a:p>
           <a:p>
             <a:pPr lvl="2"/>
             <a:r>
-              <a:rPr lang="ko-KR" altLang="en-US" smtClean="0"/>
+              <a:rPr lang="ko-KR" altLang="en-US"/>
               <a:t>셋째 수준</a:t>
             </a:r>
           </a:p>
           <a:p>
             <a:pPr lvl="3"/>
             <a:r>
-              <a:rPr lang="ko-KR" altLang="en-US" smtClean="0"/>
+              <a:rPr lang="ko-KR" altLang="en-US"/>
               <a:t>넷째 수준</a:t>
             </a:r>
           </a:p>
           <a:p>
             <a:pPr lvl="4"/>
             <a:r>
-              <a:rPr lang="ko-KR" altLang="en-US" smtClean="0"/>
+              <a:rPr lang="ko-KR" altLang="en-US"/>
               <a:t>다섯째 수준</a:t>
             </a:r>
-            <a:endParaRPr lang="ko-KR" altLang="en-US"/>
           </a:p>
         </p:txBody>
       </p:sp>
@@ -1690,38 +1687,37 @@
           <a:p>
             <a:pPr lvl="0"/>
             <a:r>
-              <a:rPr lang="ko-KR" altLang="en-US" smtClean="0"/>
+              <a:rPr lang="ko-KR" altLang="en-US"/>
               <a:t>마스터 텍스트 스타일을 편집합니다</a:t>
             </a:r>
           </a:p>
           <a:p>
             <a:pPr lvl="1"/>
             <a:r>
-              <a:rPr lang="ko-KR" altLang="en-US" smtClean="0"/>
+              <a:rPr lang="ko-KR" altLang="en-US"/>
               <a:t>둘째 수준</a:t>
             </a:r>
           </a:p>
           <a:p>
             <a:pPr lvl="2"/>
             <a:r>
-              <a:rPr lang="ko-KR" altLang="en-US" smtClean="0"/>
+              <a:rPr lang="ko-KR" altLang="en-US"/>
               <a:t>셋째 수준</a:t>
             </a:r>
           </a:p>
           <a:p>
             <a:pPr lvl="3"/>
             <a:r>
-              <a:rPr lang="ko-KR" altLang="en-US" smtClean="0"/>
+              <a:rPr lang="ko-KR" altLang="en-US"/>
               <a:t>넷째 수준</a:t>
             </a:r>
           </a:p>
           <a:p>
             <a:pPr lvl="4"/>
             <a:r>
-              <a:rPr lang="ko-KR" altLang="en-US" smtClean="0"/>
+              <a:rPr lang="ko-KR" altLang="en-US"/>
               <a:t>다섯째 수준</a:t>
             </a:r>
-            <a:endParaRPr lang="ko-KR" altLang="en-US"/>
           </a:p>
         </p:txBody>
       </p:sp>
@@ -1742,7 +1738,7 @@
           <a:p>
             <a:fld id="{6A255BFD-4360-4B84-A65F-184442E124E4}" type="datetime1">
               <a:rPr lang="ko-KR" altLang="en-US" smtClean="0"/>
-              <a:t>2021-07-18</a:t>
+              <a:t>2021-07-20</a:t>
             </a:fld>
             <a:endParaRPr lang="ko-KR" altLang="en-US"/>
           </a:p>
@@ -1840,10 +1836,9 @@
           </a:lstStyle>
           <a:p>
             <a:r>
-              <a:rPr lang="ko-KR" altLang="en-US" smtClean="0"/>
+              <a:rPr lang="ko-KR" altLang="en-US"/>
               <a:t>마스터 제목 스타일 편집</a:t>
             </a:r>
-            <a:endParaRPr lang="ko-KR" altLang="en-US"/>
           </a:p>
         </p:txBody>
       </p:sp>
@@ -1906,7 +1901,7 @@
           <a:p>
             <a:pPr lvl="0"/>
             <a:r>
-              <a:rPr lang="ko-KR" altLang="en-US" smtClean="0"/>
+              <a:rPr lang="ko-KR" altLang="en-US"/>
               <a:t>마스터 텍스트 스타일을 편집합니다</a:t>
             </a:r>
           </a:p>
@@ -1962,38 +1957,37 @@
           <a:p>
             <a:pPr lvl="0"/>
             <a:r>
-              <a:rPr lang="ko-KR" altLang="en-US" smtClean="0"/>
+              <a:rPr lang="ko-KR" altLang="en-US"/>
               <a:t>마스터 텍스트 스타일을 편집합니다</a:t>
             </a:r>
           </a:p>
           <a:p>
             <a:pPr lvl="1"/>
             <a:r>
-              <a:rPr lang="ko-KR" altLang="en-US" smtClean="0"/>
+              <a:rPr lang="ko-KR" altLang="en-US"/>
               <a:t>둘째 수준</a:t>
             </a:r>
           </a:p>
           <a:p>
             <a:pPr lvl="2"/>
             <a:r>
-              <a:rPr lang="ko-KR" altLang="en-US" smtClean="0"/>
+              <a:rPr lang="ko-KR" altLang="en-US"/>
               <a:t>셋째 수준</a:t>
             </a:r>
           </a:p>
           <a:p>
             <a:pPr lvl="3"/>
             <a:r>
-              <a:rPr lang="ko-KR" altLang="en-US" smtClean="0"/>
+              <a:rPr lang="ko-KR" altLang="en-US"/>
               <a:t>넷째 수준</a:t>
             </a:r>
           </a:p>
           <a:p>
             <a:pPr lvl="4"/>
             <a:r>
-              <a:rPr lang="ko-KR" altLang="en-US" smtClean="0"/>
+              <a:rPr lang="ko-KR" altLang="en-US"/>
               <a:t>다섯째 수준</a:t>
             </a:r>
-            <a:endParaRPr lang="ko-KR" altLang="en-US"/>
           </a:p>
         </p:txBody>
       </p:sp>
@@ -2056,7 +2050,7 @@
           <a:p>
             <a:pPr lvl="0"/>
             <a:r>
-              <a:rPr lang="ko-KR" altLang="en-US" smtClean="0"/>
+              <a:rPr lang="ko-KR" altLang="en-US"/>
               <a:t>마스터 텍스트 스타일을 편집합니다</a:t>
             </a:r>
           </a:p>
@@ -2112,38 +2106,37 @@
           <a:p>
             <a:pPr lvl="0"/>
             <a:r>
-              <a:rPr lang="ko-KR" altLang="en-US" smtClean="0"/>
+              <a:rPr lang="ko-KR" altLang="en-US"/>
               <a:t>마스터 텍스트 스타일을 편집합니다</a:t>
             </a:r>
           </a:p>
           <a:p>
             <a:pPr lvl="1"/>
             <a:r>
-              <a:rPr lang="ko-KR" altLang="en-US" smtClean="0"/>
+              <a:rPr lang="ko-KR" altLang="en-US"/>
               <a:t>둘째 수준</a:t>
             </a:r>
           </a:p>
           <a:p>
             <a:pPr lvl="2"/>
             <a:r>
-              <a:rPr lang="ko-KR" altLang="en-US" smtClean="0"/>
+              <a:rPr lang="ko-KR" altLang="en-US"/>
               <a:t>셋째 수준</a:t>
             </a:r>
           </a:p>
           <a:p>
             <a:pPr lvl="3"/>
             <a:r>
-              <a:rPr lang="ko-KR" altLang="en-US" smtClean="0"/>
+              <a:rPr lang="ko-KR" altLang="en-US"/>
               <a:t>넷째 수준</a:t>
             </a:r>
           </a:p>
           <a:p>
             <a:pPr lvl="4"/>
             <a:r>
-              <a:rPr lang="ko-KR" altLang="en-US" smtClean="0"/>
+              <a:rPr lang="ko-KR" altLang="en-US"/>
               <a:t>다섯째 수준</a:t>
             </a:r>
-            <a:endParaRPr lang="ko-KR" altLang="en-US"/>
           </a:p>
         </p:txBody>
       </p:sp>
@@ -2164,7 +2157,7 @@
           <a:p>
             <a:fld id="{848350BB-99A0-49B0-8D66-D3323B758E9D}" type="datetime1">
               <a:rPr lang="ko-KR" altLang="en-US" smtClean="0"/>
-              <a:t>2021-07-18</a:t>
+              <a:t>2021-07-20</a:t>
             </a:fld>
             <a:endParaRPr lang="ko-KR" altLang="en-US"/>
           </a:p>
@@ -2258,10 +2251,9 @@
           <a:lstStyle/>
           <a:p>
             <a:r>
-              <a:rPr lang="ko-KR" altLang="en-US" smtClean="0"/>
+              <a:rPr lang="ko-KR" altLang="en-US"/>
               <a:t>마스터 제목 스타일 편집</a:t>
             </a:r>
-            <a:endParaRPr lang="ko-KR" altLang="en-US"/>
           </a:p>
         </p:txBody>
       </p:sp>
@@ -2282,7 +2274,7 @@
           <a:p>
             <a:fld id="{946CAEDF-44D3-4B19-94A9-C5A791B7AAA3}" type="datetime1">
               <a:rPr lang="ko-KR" altLang="en-US" smtClean="0"/>
-              <a:t>2021-07-18</a:t>
+              <a:t>2021-07-20</a:t>
             </a:fld>
             <a:endParaRPr lang="ko-KR" altLang="en-US"/>
           </a:p>
@@ -2377,7 +2369,7 @@
           <a:p>
             <a:fld id="{5E15BDF7-8D3C-41C1-849C-E6931EC297ED}" type="datetime1">
               <a:rPr lang="ko-KR" altLang="en-US" smtClean="0"/>
-              <a:t>2021-07-18</a:t>
+              <a:t>2021-07-20</a:t>
             </a:fld>
             <a:endParaRPr lang="ko-KR" altLang="en-US"/>
           </a:p>
@@ -2480,10 +2472,9 @@
           </a:lstStyle>
           <a:p>
             <a:r>
-              <a:rPr lang="ko-KR" altLang="en-US" smtClean="0"/>
+              <a:rPr lang="ko-KR" altLang="en-US"/>
               <a:t>마스터 제목 스타일 편집</a:t>
             </a:r>
-            <a:endParaRPr lang="ko-KR" altLang="en-US"/>
           </a:p>
         </p:txBody>
       </p:sp>
@@ -2537,38 +2528,37 @@
           <a:p>
             <a:pPr lvl="0"/>
             <a:r>
-              <a:rPr lang="ko-KR" altLang="en-US" smtClean="0"/>
+              <a:rPr lang="ko-KR" altLang="en-US"/>
               <a:t>마스터 텍스트 스타일을 편집합니다</a:t>
             </a:r>
           </a:p>
           <a:p>
             <a:pPr lvl="1"/>
             <a:r>
-              <a:rPr lang="ko-KR" altLang="en-US" smtClean="0"/>
+              <a:rPr lang="ko-KR" altLang="en-US"/>
               <a:t>둘째 수준</a:t>
             </a:r>
           </a:p>
           <a:p>
             <a:pPr lvl="2"/>
             <a:r>
-              <a:rPr lang="ko-KR" altLang="en-US" smtClean="0"/>
+              <a:rPr lang="ko-KR" altLang="en-US"/>
               <a:t>셋째 수준</a:t>
             </a:r>
           </a:p>
           <a:p>
             <a:pPr lvl="3"/>
             <a:r>
-              <a:rPr lang="ko-KR" altLang="en-US" smtClean="0"/>
+              <a:rPr lang="ko-KR" altLang="en-US"/>
               <a:t>넷째 수준</a:t>
             </a:r>
           </a:p>
           <a:p>
             <a:pPr lvl="4"/>
             <a:r>
-              <a:rPr lang="ko-KR" altLang="en-US" smtClean="0"/>
+              <a:rPr lang="ko-KR" altLang="en-US"/>
               <a:t>다섯째 수준</a:t>
             </a:r>
-            <a:endParaRPr lang="ko-KR" altLang="en-US"/>
           </a:p>
         </p:txBody>
       </p:sp>
@@ -2631,7 +2621,7 @@
           <a:p>
             <a:pPr lvl="0"/>
             <a:r>
-              <a:rPr lang="ko-KR" altLang="en-US" smtClean="0"/>
+              <a:rPr lang="ko-KR" altLang="en-US"/>
               <a:t>마스터 텍스트 스타일을 편집합니다</a:t>
             </a:r>
           </a:p>
@@ -2654,7 +2644,7 @@
           <a:p>
             <a:fld id="{F816013F-E59C-4194-8C44-EB5504EA0EDD}" type="datetime1">
               <a:rPr lang="ko-KR" altLang="en-US" smtClean="0"/>
-              <a:t>2021-07-18</a:t>
+              <a:t>2021-07-20</a:t>
             </a:fld>
             <a:endParaRPr lang="ko-KR" altLang="en-US"/>
           </a:p>
@@ -2757,10 +2747,9 @@
           </a:lstStyle>
           <a:p>
             <a:r>
-              <a:rPr lang="ko-KR" altLang="en-US" smtClean="0"/>
+              <a:rPr lang="ko-KR" altLang="en-US"/>
               <a:t>마스터 제목 스타일 편집</a:t>
             </a:r>
-            <a:endParaRPr lang="ko-KR" altLang="en-US"/>
           </a:p>
         </p:txBody>
       </p:sp>
@@ -2884,7 +2873,7 @@
           <a:p>
             <a:pPr lvl="0"/>
             <a:r>
-              <a:rPr lang="ko-KR" altLang="en-US" smtClean="0"/>
+              <a:rPr lang="ko-KR" altLang="en-US"/>
               <a:t>마스터 텍스트 스타일을 편집합니다</a:t>
             </a:r>
           </a:p>
@@ -2907,7 +2896,7 @@
           <a:p>
             <a:fld id="{3AB18676-B27E-430D-A0C1-2ACE2A0D47F4}" type="datetime1">
               <a:rPr lang="ko-KR" altLang="en-US" smtClean="0"/>
-              <a:t>2021-07-18</a:t>
+              <a:t>2021-07-20</a:t>
             </a:fld>
             <a:endParaRPr lang="ko-KR" altLang="en-US"/>
           </a:p>
@@ -3016,10 +3005,9 @@
           <a:lstStyle/>
           <a:p>
             <a:r>
-              <a:rPr lang="ko-KR" altLang="en-US" smtClean="0"/>
+              <a:rPr lang="ko-KR" altLang="en-US"/>
               <a:t>마스터 제목 스타일 편집</a:t>
             </a:r>
-            <a:endParaRPr lang="ko-KR" altLang="en-US"/>
           </a:p>
         </p:txBody>
       </p:sp>
@@ -3050,38 +3038,37 @@
           <a:p>
             <a:pPr lvl="0"/>
             <a:r>
-              <a:rPr lang="ko-KR" altLang="en-US" smtClean="0"/>
+              <a:rPr lang="ko-KR" altLang="en-US"/>
               <a:t>마스터 텍스트 스타일을 편집합니다</a:t>
             </a:r>
           </a:p>
           <a:p>
             <a:pPr lvl="1"/>
             <a:r>
-              <a:rPr lang="ko-KR" altLang="en-US" smtClean="0"/>
+              <a:rPr lang="ko-KR" altLang="en-US"/>
               <a:t>둘째 수준</a:t>
             </a:r>
           </a:p>
           <a:p>
             <a:pPr lvl="2"/>
             <a:r>
-              <a:rPr lang="ko-KR" altLang="en-US" smtClean="0"/>
+              <a:rPr lang="ko-KR" altLang="en-US"/>
               <a:t>셋째 수준</a:t>
             </a:r>
           </a:p>
           <a:p>
             <a:pPr lvl="3"/>
             <a:r>
-              <a:rPr lang="ko-KR" altLang="en-US" smtClean="0"/>
+              <a:rPr lang="ko-KR" altLang="en-US"/>
               <a:t>넷째 수준</a:t>
             </a:r>
           </a:p>
           <a:p>
             <a:pPr lvl="4"/>
             <a:r>
-              <a:rPr lang="ko-KR" altLang="en-US" smtClean="0"/>
+              <a:rPr lang="ko-KR" altLang="en-US"/>
               <a:t>다섯째 수준</a:t>
             </a:r>
-            <a:endParaRPr lang="ko-KR" altLang="en-US"/>
           </a:p>
         </p:txBody>
       </p:sp>
@@ -3120,7 +3107,7 @@
           <a:p>
             <a:fld id="{1570C226-74DF-4CEB-8D53-36803240E08D}" type="datetime1">
               <a:rPr lang="ko-KR" altLang="en-US" smtClean="0"/>
-              <a:t>2021-07-18</a:t>
+              <a:t>2021-07-20</a:t>
             </a:fld>
             <a:endParaRPr lang="ko-KR" altLang="en-US"/>
           </a:p>
@@ -3512,7 +3499,7 @@
           <a:lstStyle/>
           <a:p>
             <a:r>
-              <a:rPr lang="en-US" altLang="ko-KR" smtClean="0"/>
+              <a:rPr lang="en-US" altLang="ko-KR"/>
               <a:t>PANDAS</a:t>
             </a:r>
             <a:endParaRPr lang="ko-KR" altLang="en-US"/>
@@ -3540,17 +3527,17 @@
           <a:lstStyle/>
           <a:p>
             <a:r>
-              <a:rPr lang="en-US" altLang="ko-KR" smtClean="0"/>
+              <a:rPr lang="en-US" altLang="ko-KR"/>
               <a:t>2021.7.5</a:t>
             </a:r>
           </a:p>
           <a:p>
             <a:r>
-              <a:rPr lang="ko-KR" altLang="en-US" smtClean="0"/>
+              <a:rPr lang="ko-KR" altLang="en-US"/>
               <a:t>강사 </a:t>
             </a:r>
             <a:r>
-              <a:rPr lang="ko-KR" altLang="en-US" err="1" smtClean="0"/>
+              <a:rPr lang="ko-KR" altLang="en-US" err="1"/>
               <a:t>김현호</a:t>
             </a:r>
             <a:endParaRPr lang="ko-KR" altLang="en-US"/>
@@ -3777,13 +3764,6 @@
   <p:clrMapOvr>
     <a:masterClrMapping/>
   </p:clrMapOvr>
-  <p:timing>
-    <p:tnLst>
-      <p:par>
-        <p:cTn id="1" dur="indefinite" restart="never" nodeType="tmRoot"/>
-      </p:par>
-    </p:tnLst>
-  </p:timing>
 </p:sld>
 </file>
 
@@ -3816,28 +3796,30 @@
         </p:nvSpPr>
         <p:spPr/>
         <p:txBody>
-          <a:bodyPr/>
-          <a:lstStyle/>
-          <a:p>
-            <a:r>
-              <a:rPr lang="en-US" altLang="ko-KR" smtClean="0"/>
-              <a:t>columns </a:t>
-            </a:r>
-            <a:r>
-              <a:rPr lang="ko-KR" altLang="en-US" smtClean="0"/>
+          <a:bodyPr>
+            <a:normAutofit/>
+          </a:bodyPr>
+          <a:lstStyle/>
+          <a:p>
+            <a:r>
+              <a:rPr lang="en-US" altLang="ko-KR"/>
+              <a:t>info() </a:t>
+            </a:r>
+            <a:r>
+              <a:rPr lang="ko-KR" altLang="en-US"/>
               <a:t>와 </a:t>
             </a:r>
             <a:r>
-              <a:rPr lang="en-US" altLang="ko-KR" smtClean="0"/>
-              <a:t>index</a:t>
-            </a:r>
-            <a:endParaRPr lang="ko-KR" altLang="en-US"/>
-          </a:p>
-        </p:txBody>
-      </p:sp>
-      <p:sp>
-        <p:nvSpPr>
-          <p:cNvPr id="3" name="슬라이드 번호 개체 틀 2"/>
+              <a:rPr lang="en-US" altLang="ko-KR"/>
+              <a:t>describe()</a:t>
+            </a:r>
+            <a:endParaRPr lang="ko-KR" altLang="en-US"/>
+          </a:p>
+        </p:txBody>
+      </p:sp>
+      <p:sp>
+        <p:nvSpPr>
+          <p:cNvPr id="4" name="슬라이드 번호 개체 틀 3"/>
           <p:cNvSpPr>
             <a:spLocks noGrp="1"/>
           </p:cNvSpPr>
@@ -3858,89 +3840,28 @@
           </a:p>
         </p:txBody>
       </p:sp>
-      <p:pic>
-        <p:nvPicPr>
-          <p:cNvPr id="4" name="그림 3"/>
-          <p:cNvPicPr>
-            <a:picLocks noChangeAspect="1"/>
-          </p:cNvPicPr>
+      <p:sp>
+        <p:nvSpPr>
+          <p:cNvPr id="5" name="모서리가 둥근 직사각형 4"/>
+          <p:cNvSpPr/>
           <p:nvPr/>
-        </p:nvPicPr>
-        <p:blipFill>
-          <a:blip r:embed="rId2"/>
-          <a:stretch>
-            <a:fillRect/>
-          </a:stretch>
-        </p:blipFill>
-        <p:spPr>
-          <a:xfrm>
-            <a:off x="752676" y="1556792"/>
-            <a:ext cx="7857090" cy="4752528"/>
-          </a:xfrm>
-          <a:prstGeom prst="rect">
+        </p:nvSpPr>
+        <p:spPr>
+          <a:xfrm>
+            <a:off x="35496" y="1340768"/>
+            <a:ext cx="3528392" cy="72008"/>
+          </a:xfrm>
+          <a:prstGeom prst="roundRect">
             <a:avLst/>
           </a:prstGeom>
-        </p:spPr>
-      </p:pic>
-      <p:sp>
-        <p:nvSpPr>
-          <p:cNvPr id="5" name="TextBox 4"/>
-          <p:cNvSpPr txBox="1"/>
-          <p:nvPr/>
-        </p:nvSpPr>
-        <p:spPr>
-          <a:xfrm>
-            <a:off x="962111" y="2827675"/>
-            <a:ext cx="963726" cy="338554"/>
-          </a:xfrm>
-          <a:prstGeom prst="rect">
-            <a:avLst/>
-          </a:prstGeom>
-          <a:noFill/>
-        </p:spPr>
-        <p:txBody>
-          <a:bodyPr wrap="none" rtlCol="0">
-            <a:spAutoFit/>
-          </a:bodyPr>
-          <a:lstStyle/>
-          <a:p>
-            <a:pPr algn="ctr"/>
-            <a:r>
-              <a:rPr lang="en-US" altLang="ko-KR" sz="1600" smtClean="0">
-                <a:solidFill>
-                  <a:srgbClr val="FF0000"/>
-                </a:solidFill>
-              </a:rPr>
-              <a:t>columns</a:t>
-            </a:r>
-            <a:endParaRPr lang="ko-KR" altLang="en-US" sz="1600">
-              <a:solidFill>
-                <a:srgbClr val="FF0000"/>
-              </a:solidFill>
-            </a:endParaRPr>
-          </a:p>
-        </p:txBody>
-      </p:sp>
-      <p:sp>
-        <p:nvSpPr>
-          <p:cNvPr id="6" name="직사각형 5"/>
-          <p:cNvSpPr/>
-          <p:nvPr/>
-        </p:nvSpPr>
-        <p:spPr>
-          <a:xfrm>
-            <a:off x="1907704" y="2636912"/>
-            <a:ext cx="6840760" cy="720080"/>
-          </a:xfrm>
-          <a:prstGeom prst="rect">
-            <a:avLst/>
-          </a:prstGeom>
-          <a:noFill/>
+          <a:solidFill>
+            <a:schemeClr val="tx2">
+              <a:lumMod val="40000"/>
+              <a:lumOff val="60000"/>
+            </a:schemeClr>
+          </a:solidFill>
           <a:ln>
-            <a:solidFill>
-              <a:srgbClr val="FF0000"/>
-            </a:solidFill>
-            <a:prstDash val="sysDash"/>
+            <a:noFill/>
           </a:ln>
         </p:spPr>
         <p:style>
@@ -3968,24 +3889,72 @@
           </a:p>
         </p:txBody>
       </p:sp>
-      <p:sp>
-        <p:nvSpPr>
-          <p:cNvPr id="7" name="직사각형 6"/>
+      <p:pic>
+        <p:nvPicPr>
+          <p:cNvPr id="6" name="그림 5"/>
+          <p:cNvPicPr>
+            <a:picLocks noChangeAspect="1"/>
+          </p:cNvPicPr>
+          <p:nvPr/>
+        </p:nvPicPr>
+        <p:blipFill>
+          <a:blip r:embed="rId2"/>
+          <a:stretch>
+            <a:fillRect/>
+          </a:stretch>
+        </p:blipFill>
+        <p:spPr>
+          <a:xfrm>
+            <a:off x="107504" y="2132856"/>
+            <a:ext cx="4010676" cy="2269456"/>
+          </a:xfrm>
+          <a:prstGeom prst="rect">
+            <a:avLst/>
+          </a:prstGeom>
+        </p:spPr>
+      </p:pic>
+      <p:pic>
+        <p:nvPicPr>
+          <p:cNvPr id="7" name="그림 6"/>
+          <p:cNvPicPr>
+            <a:picLocks noChangeAspect="1"/>
+          </p:cNvPicPr>
+          <p:nvPr/>
+        </p:nvPicPr>
+        <p:blipFill>
+          <a:blip r:embed="rId3"/>
+          <a:stretch>
+            <a:fillRect/>
+          </a:stretch>
+        </p:blipFill>
+        <p:spPr>
+          <a:xfrm>
+            <a:off x="5076056" y="2023446"/>
+            <a:ext cx="3263492" cy="3987301"/>
+          </a:xfrm>
+          <a:prstGeom prst="rect">
+            <a:avLst/>
+          </a:prstGeom>
+        </p:spPr>
+      </p:pic>
+      <p:sp>
+        <p:nvSpPr>
+          <p:cNvPr id="8" name="타원 7"/>
           <p:cNvSpPr/>
           <p:nvPr/>
         </p:nvSpPr>
         <p:spPr>
           <a:xfrm>
-            <a:off x="1547664" y="3496145"/>
-            <a:ext cx="432048" cy="3003937"/>
-          </a:xfrm>
-          <a:prstGeom prst="rect">
+            <a:off x="3131840" y="2924944"/>
+            <a:ext cx="864096" cy="1549376"/>
+          </a:xfrm>
+          <a:prstGeom prst="ellipse">
             <a:avLst/>
           </a:prstGeom>
           <a:noFill/>
           <a:ln>
             <a:solidFill>
-              <a:srgbClr val="00B0F0"/>
+              <a:srgbClr val="FF0000"/>
             </a:solidFill>
             <a:prstDash val="sysDash"/>
           </a:ln>
@@ -4017,14 +3986,14 @@
       </p:sp>
       <p:sp>
         <p:nvSpPr>
-          <p:cNvPr id="8" name="TextBox 7"/>
+          <p:cNvPr id="9" name="TextBox 8"/>
           <p:cNvSpPr txBox="1"/>
           <p:nvPr/>
         </p:nvSpPr>
         <p:spPr>
           <a:xfrm>
-            <a:off x="584702" y="4797152"/>
-            <a:ext cx="684803" cy="338554"/>
+            <a:off x="1259632" y="5085184"/>
+            <a:ext cx="2472152" cy="338554"/>
           </a:xfrm>
           <a:prstGeom prst="rect">
             <a:avLst/>
@@ -4037,27 +4006,152 @@
           </a:bodyPr>
           <a:lstStyle/>
           <a:p>
-            <a:pPr algn="ctr"/>
-            <a:r>
-              <a:rPr lang="en-US" altLang="ko-KR" sz="1600" smtClean="0">
+            <a:r>
+              <a:rPr lang="ko-KR" altLang="en-US" sz="1600">
                 <a:solidFill>
                   <a:schemeClr val="accent1"/>
                 </a:solidFill>
               </a:rPr>
-              <a:t>index</a:t>
-            </a:r>
-            <a:endParaRPr lang="ko-KR" altLang="en-US" sz="1600">
-              <a:solidFill>
-                <a:schemeClr val="accent1"/>
-              </a:solidFill>
-            </a:endParaRPr>
-          </a:p>
-        </p:txBody>
-      </p:sp>
+              <a:t>문자열</a:t>
+            </a:r>
+            <a:r>
+              <a:rPr lang="en-US" altLang="ko-KR" sz="1600">
+                <a:solidFill>
+                  <a:schemeClr val="accent1"/>
+                </a:solidFill>
+              </a:rPr>
+              <a:t>/</a:t>
+            </a:r>
+            <a:r>
+              <a:rPr lang="ko-KR" altLang="en-US" sz="1600">
+                <a:solidFill>
+                  <a:schemeClr val="accent1"/>
+                </a:solidFill>
+              </a:rPr>
+              <a:t>정수</a:t>
+            </a:r>
+            <a:r>
+              <a:rPr lang="en-US" altLang="ko-KR" sz="1600">
+                <a:solidFill>
+                  <a:schemeClr val="accent1"/>
+                </a:solidFill>
+              </a:rPr>
+              <a:t>/</a:t>
+            </a:r>
+            <a:r>
+              <a:rPr lang="ko-KR" altLang="en-US" sz="1600">
+                <a:solidFill>
+                  <a:schemeClr val="accent1"/>
+                </a:solidFill>
+              </a:rPr>
+              <a:t>문자열 타입</a:t>
+            </a:r>
+          </a:p>
+        </p:txBody>
+      </p:sp>
+      <p:cxnSp>
+        <p:nvCxnSpPr>
+          <p:cNvPr id="11" name="직선 화살표 연결선 10"/>
+          <p:cNvCxnSpPr/>
+          <p:nvPr/>
+        </p:nvCxnSpPr>
+        <p:spPr>
+          <a:xfrm flipH="1">
+            <a:off x="3059832" y="4365104"/>
+            <a:ext cx="288032" cy="720080"/>
+          </a:xfrm>
+          <a:prstGeom prst="straightConnector1">
+            <a:avLst/>
+          </a:prstGeom>
+          <a:ln>
+            <a:tailEnd type="triangle"/>
+          </a:ln>
+        </p:spPr>
+        <p:style>
+          <a:lnRef idx="1">
+            <a:schemeClr val="accent1"/>
+          </a:lnRef>
+          <a:fillRef idx="0">
+            <a:schemeClr val="accent1"/>
+          </a:fillRef>
+          <a:effectRef idx="0">
+            <a:schemeClr val="accent1"/>
+          </a:effectRef>
+          <a:fontRef idx="minor">
+            <a:schemeClr val="tx1"/>
+          </a:fontRef>
+        </p:style>
+      </p:cxnSp>
+      <p:sp>
+        <p:nvSpPr>
+          <p:cNvPr id="14" name="TextBox 13"/>
+          <p:cNvSpPr txBox="1"/>
+          <p:nvPr/>
+        </p:nvSpPr>
+        <p:spPr>
+          <a:xfrm>
+            <a:off x="4499992" y="6093296"/>
+            <a:ext cx="2658100" cy="338554"/>
+          </a:xfrm>
+          <a:prstGeom prst="rect">
+            <a:avLst/>
+          </a:prstGeom>
+          <a:noFill/>
+        </p:spPr>
+        <p:txBody>
+          <a:bodyPr wrap="none" rtlCol="0">
+            <a:spAutoFit/>
+          </a:bodyPr>
+          <a:lstStyle/>
+          <a:p>
+            <a:r>
+              <a:rPr lang="ko-KR" altLang="en-US" sz="1600">
+                <a:solidFill>
+                  <a:schemeClr val="accent1"/>
+                </a:solidFill>
+              </a:rPr>
+              <a:t>숫자형 속성의 통계치 출력</a:t>
+            </a:r>
+          </a:p>
+        </p:txBody>
+      </p:sp>
+      <p:cxnSp>
+        <p:nvCxnSpPr>
+          <p:cNvPr id="15" name="직선 화살표 연결선 14"/>
+          <p:cNvCxnSpPr/>
+          <p:nvPr/>
+        </p:nvCxnSpPr>
+        <p:spPr>
+          <a:xfrm flipH="1">
+            <a:off x="5940152" y="5664145"/>
+            <a:ext cx="432048" cy="402276"/>
+          </a:xfrm>
+          <a:prstGeom prst="straightConnector1">
+            <a:avLst/>
+          </a:prstGeom>
+          <a:ln>
+            <a:tailEnd type="triangle"/>
+          </a:ln>
+        </p:spPr>
+        <p:style>
+          <a:lnRef idx="1">
+            <a:schemeClr val="accent1"/>
+          </a:lnRef>
+          <a:fillRef idx="0">
+            <a:schemeClr val="accent1"/>
+          </a:fillRef>
+          <a:effectRef idx="0">
+            <a:schemeClr val="accent1"/>
+          </a:effectRef>
+          <a:fontRef idx="minor">
+            <a:schemeClr val="tx1"/>
+          </a:fontRef>
+        </p:style>
+      </p:cxnSp>
     </p:spTree>
     <p:extLst>
       <p:ext uri="{BB962C8B-B14F-4D97-AF65-F5344CB8AC3E}">
-        <p14:creationId xmlns:p14="http://schemas.microsoft.com/office/powerpoint/2010/main" val="3553393448"/>
+        <p14:creationId xmlns:p14="http://schemas.microsoft.com/office/powerpoint/2010/main" val="436191871"/>
       </p:ext>
     </p:extLst>
   </p:cSld>
@@ -4100,16 +4194,16 @@
           <a:lstStyle/>
           <a:p>
             <a:r>
-              <a:rPr lang="en-US" altLang="ko-KR" smtClean="0"/>
-              <a:t>DataFrame </a:t>
-            </a:r>
-            <a:r>
-              <a:rPr lang="ko-KR" altLang="en-US" smtClean="0"/>
-              <a:t>만들기</a:t>
-            </a:r>
-            <a:r>
-              <a:rPr lang="en-US" altLang="ko-KR" smtClean="0"/>
-              <a:t>2</a:t>
+              <a:rPr lang="en-US" altLang="ko-KR"/>
+              <a:t>columns </a:t>
+            </a:r>
+            <a:r>
+              <a:rPr lang="ko-KR" altLang="en-US"/>
+              <a:t>와 </a:t>
+            </a:r>
+            <a:r>
+              <a:rPr lang="en-US" altLang="ko-KR"/>
+              <a:t>index</a:t>
             </a:r>
             <a:endParaRPr lang="ko-KR" altLang="en-US"/>
           </a:p>
@@ -4140,7 +4234,7 @@
       </p:sp>
       <p:pic>
         <p:nvPicPr>
-          <p:cNvPr id="5" name="그림 4"/>
+          <p:cNvPr id="4" name="그림 3"/>
           <p:cNvPicPr>
             <a:picLocks noChangeAspect="1"/>
           </p:cNvPicPr>
@@ -4154,8 +4248,8 @@
         </p:blipFill>
         <p:spPr>
           <a:xfrm>
-            <a:off x="1831195" y="2132855"/>
-            <a:ext cx="5481610" cy="2592290"/>
+            <a:off x="752676" y="1556792"/>
+            <a:ext cx="7857090" cy="4752528"/>
           </a:xfrm>
           <a:prstGeom prst="rect">
             <a:avLst/>
@@ -4164,14 +4258,14 @@
       </p:pic>
       <p:sp>
         <p:nvSpPr>
-          <p:cNvPr id="6" name="TextBox 5"/>
+          <p:cNvPr id="5" name="TextBox 4"/>
           <p:cNvSpPr txBox="1"/>
           <p:nvPr/>
         </p:nvSpPr>
         <p:spPr>
           <a:xfrm>
-            <a:off x="2267744" y="5202193"/>
-            <a:ext cx="4144468" cy="338554"/>
+            <a:off x="962111" y="2827675"/>
+            <a:ext cx="963726" cy="338554"/>
           </a:xfrm>
           <a:prstGeom prst="rect">
             <a:avLst/>
@@ -4184,61 +4278,147 @@
           </a:bodyPr>
           <a:lstStyle/>
           <a:p>
-            <a:r>
-              <a:rPr lang="ko-KR" altLang="en-US" sz="1600" smtClean="0">
+            <a:pPr algn="ctr"/>
+            <a:r>
+              <a:rPr lang="en-US" altLang="ko-KR" sz="1600">
+                <a:solidFill>
+                  <a:srgbClr val="FF0000"/>
+                </a:solidFill>
+              </a:rPr>
+              <a:t>columns</a:t>
+            </a:r>
+            <a:endParaRPr lang="ko-KR" altLang="en-US" sz="1600">
+              <a:solidFill>
+                <a:srgbClr val="FF0000"/>
+              </a:solidFill>
+            </a:endParaRPr>
+          </a:p>
+        </p:txBody>
+      </p:sp>
+      <p:sp>
+        <p:nvSpPr>
+          <p:cNvPr id="6" name="직사각형 5"/>
+          <p:cNvSpPr/>
+          <p:nvPr/>
+        </p:nvSpPr>
+        <p:spPr>
+          <a:xfrm>
+            <a:off x="1907704" y="2636912"/>
+            <a:ext cx="6840760" cy="720080"/>
+          </a:xfrm>
+          <a:prstGeom prst="rect">
+            <a:avLst/>
+          </a:prstGeom>
+          <a:noFill/>
+          <a:ln>
+            <a:solidFill>
+              <a:srgbClr val="FF0000"/>
+            </a:solidFill>
+            <a:prstDash val="sysDash"/>
+          </a:ln>
+        </p:spPr>
+        <p:style>
+          <a:lnRef idx="2">
+            <a:schemeClr val="accent1">
+              <a:shade val="50000"/>
+            </a:schemeClr>
+          </a:lnRef>
+          <a:fillRef idx="1">
+            <a:schemeClr val="accent1"/>
+          </a:fillRef>
+          <a:effectRef idx="0">
+            <a:schemeClr val="accent1"/>
+          </a:effectRef>
+          <a:fontRef idx="minor">
+            <a:schemeClr val="lt1"/>
+          </a:fontRef>
+        </p:style>
+        <p:txBody>
+          <a:bodyPr rtlCol="0" anchor="ctr"/>
+          <a:lstStyle/>
+          <a:p>
+            <a:pPr algn="ctr"/>
+            <a:endParaRPr lang="ko-KR" altLang="en-US"/>
+          </a:p>
+        </p:txBody>
+      </p:sp>
+      <p:sp>
+        <p:nvSpPr>
+          <p:cNvPr id="7" name="직사각형 6"/>
+          <p:cNvSpPr/>
+          <p:nvPr/>
+        </p:nvSpPr>
+        <p:spPr>
+          <a:xfrm>
+            <a:off x="1547664" y="3496145"/>
+            <a:ext cx="432048" cy="3003937"/>
+          </a:xfrm>
+          <a:prstGeom prst="rect">
+            <a:avLst/>
+          </a:prstGeom>
+          <a:noFill/>
+          <a:ln>
+            <a:solidFill>
+              <a:srgbClr val="00B0F0"/>
+            </a:solidFill>
+            <a:prstDash val="sysDash"/>
+          </a:ln>
+        </p:spPr>
+        <p:style>
+          <a:lnRef idx="2">
+            <a:schemeClr val="accent1">
+              <a:shade val="50000"/>
+            </a:schemeClr>
+          </a:lnRef>
+          <a:fillRef idx="1">
+            <a:schemeClr val="accent1"/>
+          </a:fillRef>
+          <a:effectRef idx="0">
+            <a:schemeClr val="accent1"/>
+          </a:effectRef>
+          <a:fontRef idx="minor">
+            <a:schemeClr val="lt1"/>
+          </a:fontRef>
+        </p:style>
+        <p:txBody>
+          <a:bodyPr rtlCol="0" anchor="ctr"/>
+          <a:lstStyle/>
+          <a:p>
+            <a:pPr algn="ctr"/>
+            <a:endParaRPr lang="ko-KR" altLang="en-US"/>
+          </a:p>
+        </p:txBody>
+      </p:sp>
+      <p:sp>
+        <p:nvSpPr>
+          <p:cNvPr id="8" name="TextBox 7"/>
+          <p:cNvSpPr txBox="1"/>
+          <p:nvPr/>
+        </p:nvSpPr>
+        <p:spPr>
+          <a:xfrm>
+            <a:off x="584702" y="4797152"/>
+            <a:ext cx="684803" cy="338554"/>
+          </a:xfrm>
+          <a:prstGeom prst="rect">
+            <a:avLst/>
+          </a:prstGeom>
+          <a:noFill/>
+        </p:spPr>
+        <p:txBody>
+          <a:bodyPr wrap="none" rtlCol="0">
+            <a:spAutoFit/>
+          </a:bodyPr>
+          <a:lstStyle/>
+          <a:p>
+            <a:pPr algn="ctr"/>
+            <a:r>
+              <a:rPr lang="en-US" altLang="ko-KR" sz="1600">
                 <a:solidFill>
                   <a:schemeClr val="accent1"/>
                 </a:solidFill>
               </a:rPr>
-              <a:t>칼럼명</a:t>
-            </a:r>
-            <a:r>
-              <a:rPr lang="ko-KR" altLang="en-US" sz="1600" smtClean="0">
-                <a:solidFill>
-                  <a:schemeClr val="accent1"/>
-                </a:solidFill>
-              </a:rPr>
-              <a:t>이 </a:t>
-            </a:r>
-            <a:r>
-              <a:rPr lang="en-US" altLang="ko-KR" sz="1600" smtClean="0">
-                <a:solidFill>
-                  <a:schemeClr val="accent1"/>
-                </a:solidFill>
-              </a:rPr>
-              <a:t>dict</a:t>
-            </a:r>
-            <a:r>
-              <a:rPr lang="ko-KR" altLang="en-US" sz="1600" smtClean="0">
-                <a:solidFill>
-                  <a:schemeClr val="accent1"/>
-                </a:solidFill>
-              </a:rPr>
-              <a:t>의 </a:t>
-            </a:r>
-            <a:r>
-              <a:rPr lang="en-US" altLang="ko-KR" sz="1600" smtClean="0">
-                <a:solidFill>
-                  <a:schemeClr val="accent1"/>
-                </a:solidFill>
-              </a:rPr>
-              <a:t>key</a:t>
-            </a:r>
-            <a:r>
-              <a:rPr lang="ko-KR" altLang="en-US" sz="1600" smtClean="0">
-                <a:solidFill>
-                  <a:schemeClr val="accent1"/>
-                </a:solidFill>
-              </a:rPr>
-              <a:t>에</a:t>
-            </a:r>
-            <a:r>
-              <a:rPr lang="ko-KR" altLang="en-US" sz="1600" smtClean="0">
-                <a:solidFill>
-                  <a:schemeClr val="accent1"/>
-                </a:solidFill>
-              </a:rPr>
-              <a:t> 해당함을 볼 수 있다</a:t>
+              <a:t>index</a:t>
             </a:r>
             <a:endParaRPr lang="ko-KR" altLang="en-US" sz="1600">
               <a:solidFill>
@@ -4251,7 +4431,7 @@
     </p:spTree>
     <p:extLst>
       <p:ext uri="{BB962C8B-B14F-4D97-AF65-F5344CB8AC3E}">
-        <p14:creationId xmlns:p14="http://schemas.microsoft.com/office/powerpoint/2010/main" val="2726210868"/>
+        <p14:creationId xmlns:p14="http://schemas.microsoft.com/office/powerpoint/2010/main" val="3553393448"/>
       </p:ext>
     </p:extLst>
   </p:cSld>
@@ -4294,20 +4474,16 @@
           <a:lstStyle/>
           <a:p>
             <a:r>
-              <a:rPr lang="en-US" altLang="ko-KR" smtClean="0"/>
-              <a:t>columns </a:t>
-            </a:r>
-            <a:r>
-              <a:rPr lang="ko-KR" altLang="en-US" smtClean="0"/>
-              <a:t>와 </a:t>
-            </a:r>
-            <a:r>
-              <a:rPr lang="en-US" altLang="ko-KR" smtClean="0"/>
-              <a:t>index </a:t>
-            </a:r>
-            <a:r>
-              <a:rPr lang="ko-KR" altLang="en-US" smtClean="0"/>
-              <a:t>변경</a:t>
+              <a:rPr lang="en-US" altLang="ko-KR"/>
+              <a:t>DataFrame </a:t>
+            </a:r>
+            <a:r>
+              <a:rPr lang="ko-KR" altLang="en-US"/>
+              <a:t>만들기</a:t>
+            </a:r>
+            <a:r>
+              <a:rPr lang="en-US" altLang="ko-KR"/>
+              <a:t>2</a:t>
             </a:r>
             <a:endParaRPr lang="ko-KR" altLang="en-US"/>
           </a:p>
@@ -4352,18 +4528,83 @@
         </p:blipFill>
         <p:spPr>
           <a:xfrm>
-            <a:off x="1651354" y="1484782"/>
-            <a:ext cx="5080886" cy="4896546"/>
+            <a:off x="1831195" y="2132855"/>
+            <a:ext cx="5481610" cy="2592290"/>
           </a:xfrm>
           <a:prstGeom prst="rect">
             <a:avLst/>
           </a:prstGeom>
         </p:spPr>
       </p:pic>
+      <p:sp>
+        <p:nvSpPr>
+          <p:cNvPr id="6" name="TextBox 5"/>
+          <p:cNvSpPr txBox="1"/>
+          <p:nvPr/>
+        </p:nvSpPr>
+        <p:spPr>
+          <a:xfrm>
+            <a:off x="2267744" y="5202193"/>
+            <a:ext cx="4144468" cy="338554"/>
+          </a:xfrm>
+          <a:prstGeom prst="rect">
+            <a:avLst/>
+          </a:prstGeom>
+          <a:noFill/>
+        </p:spPr>
+        <p:txBody>
+          <a:bodyPr wrap="none" rtlCol="0">
+            <a:spAutoFit/>
+          </a:bodyPr>
+          <a:lstStyle/>
+          <a:p>
+            <a:r>
+              <a:rPr lang="ko-KR" altLang="en-US" sz="1600">
+                <a:solidFill>
+                  <a:schemeClr val="accent1"/>
+                </a:solidFill>
+              </a:rPr>
+              <a:t>칼럼명이 </a:t>
+            </a:r>
+            <a:r>
+              <a:rPr lang="en-US" altLang="ko-KR" sz="1600">
+                <a:solidFill>
+                  <a:schemeClr val="accent1"/>
+                </a:solidFill>
+              </a:rPr>
+              <a:t>dict</a:t>
+            </a:r>
+            <a:r>
+              <a:rPr lang="ko-KR" altLang="en-US" sz="1600">
+                <a:solidFill>
+                  <a:schemeClr val="accent1"/>
+                </a:solidFill>
+              </a:rPr>
+              <a:t>의 </a:t>
+            </a:r>
+            <a:r>
+              <a:rPr lang="en-US" altLang="ko-KR" sz="1600">
+                <a:solidFill>
+                  <a:schemeClr val="accent1"/>
+                </a:solidFill>
+              </a:rPr>
+              <a:t>key</a:t>
+            </a:r>
+            <a:r>
+              <a:rPr lang="ko-KR" altLang="en-US" sz="1600">
+                <a:solidFill>
+                  <a:schemeClr val="accent1"/>
+                </a:solidFill>
+              </a:rPr>
+              <a:t>에 해당함을 볼 수 있다</a:t>
+            </a:r>
+          </a:p>
+        </p:txBody>
+      </p:sp>
     </p:spTree>
     <p:extLst>
       <p:ext uri="{BB962C8B-B14F-4D97-AF65-F5344CB8AC3E}">
-        <p14:creationId xmlns:p14="http://schemas.microsoft.com/office/powerpoint/2010/main" val="669889550"/>
+        <p14:creationId xmlns:p14="http://schemas.microsoft.com/office/powerpoint/2010/main" val="2726210868"/>
       </p:ext>
     </p:extLst>
   </p:cSld>
@@ -4406,26 +4647,21 @@
           <a:lstStyle/>
           <a:p>
             <a:r>
-              <a:rPr lang="ko-KR" altLang="en-US" smtClean="0"/>
-              <a:t>열</a:t>
-            </a:r>
-            <a:r>
-              <a:rPr lang="en-US" altLang="ko-KR" smtClean="0"/>
-              <a:t>(</a:t>
-            </a:r>
-            <a:r>
-              <a:rPr lang="ko-KR" altLang="en-US" smtClean="0"/>
-              <a:t>속성</a:t>
-            </a:r>
-            <a:r>
-              <a:rPr lang="en-US" altLang="ko-KR" smtClean="0"/>
-              <a:t>)</a:t>
-            </a:r>
-            <a:r>
-              <a:rPr lang="ko-KR" altLang="en-US" smtClean="0"/>
-              <a:t> 골라내기</a:t>
-            </a:r>
-            <a:endParaRPr lang="ko-KR" altLang="en-US"/>
+              <a:rPr lang="en-US" altLang="ko-KR"/>
+              <a:t>columns </a:t>
+            </a:r>
+            <a:r>
+              <a:rPr lang="ko-KR" altLang="en-US"/>
+              <a:t>와 </a:t>
+            </a:r>
+            <a:r>
+              <a:rPr lang="en-US" altLang="ko-KR"/>
+              <a:t>index </a:t>
+            </a:r>
+            <a:r>
+              <a:rPr lang="ko-KR" altLang="en-US"/>
+              <a:t>변경</a:t>
+            </a:r>
           </a:p>
         </p:txBody>
       </p:sp>
@@ -4454,7 +4690,7 @@
       </p:sp>
       <p:pic>
         <p:nvPicPr>
-          <p:cNvPr id="4" name="그림 3"/>
+          <p:cNvPr id="5" name="그림 4"/>
           <p:cNvPicPr>
             <a:picLocks noChangeAspect="1"/>
           </p:cNvPicPr>
@@ -4468,195 +4704,18 @@
         </p:blipFill>
         <p:spPr>
           <a:xfrm>
-            <a:off x="827584" y="1628800"/>
-            <a:ext cx="2819682" cy="4464496"/>
+            <a:off x="1651354" y="1484782"/>
+            <a:ext cx="5080886" cy="4896546"/>
           </a:xfrm>
           <a:prstGeom prst="rect">
             <a:avLst/>
           </a:prstGeom>
         </p:spPr>
       </p:pic>
-      <p:sp>
-        <p:nvSpPr>
-          <p:cNvPr id="5" name="TextBox 4"/>
-          <p:cNvSpPr txBox="1"/>
-          <p:nvPr/>
-        </p:nvSpPr>
-        <p:spPr>
-          <a:xfrm>
-            <a:off x="4211960" y="2010326"/>
-            <a:ext cx="3292889" cy="830997"/>
-          </a:xfrm>
-          <a:prstGeom prst="rect">
-            <a:avLst/>
-          </a:prstGeom>
-          <a:noFill/>
-        </p:spPr>
-        <p:txBody>
-          <a:bodyPr wrap="none" rtlCol="0">
-            <a:spAutoFit/>
-          </a:bodyPr>
-          <a:lstStyle/>
-          <a:p>
-            <a:r>
-              <a:rPr lang="ko-KR" altLang="en-US" sz="1600" smtClean="0">
-                <a:solidFill>
-                  <a:schemeClr val="accent1"/>
-                </a:solidFill>
-              </a:rPr>
-              <a:t>칼럼명을 지정함</a:t>
-            </a:r>
-            <a:r>
-              <a:rPr lang="en-US" altLang="ko-KR" sz="1600" smtClean="0">
-                <a:solidFill>
-                  <a:schemeClr val="accent1"/>
-                </a:solidFill>
-              </a:rPr>
-              <a:t>!</a:t>
-            </a:r>
-          </a:p>
-          <a:p>
-            <a:r>
-              <a:rPr lang="en-US" altLang="ko-KR" sz="1600" smtClean="0">
-                <a:solidFill>
-                  <a:schemeClr val="accent1"/>
-                </a:solidFill>
-              </a:rPr>
-              <a:t>(numpy </a:t>
-            </a:r>
-            <a:r>
-              <a:rPr lang="ko-KR" altLang="en-US" sz="1600" smtClean="0">
-                <a:solidFill>
-                  <a:schemeClr val="accent1"/>
-                </a:solidFill>
-              </a:rPr>
-              <a:t>의 경우는 행번호를 지정</a:t>
-            </a:r>
-            <a:r>
-              <a:rPr lang="en-US" altLang="ko-KR" sz="1600" smtClean="0">
-                <a:solidFill>
-                  <a:schemeClr val="accent1"/>
-                </a:solidFill>
-              </a:rPr>
-              <a:t>)</a:t>
-            </a:r>
-          </a:p>
-          <a:p>
-            <a:r>
-              <a:rPr lang="ko-KR" altLang="en-US" sz="1600" smtClean="0">
-                <a:solidFill>
-                  <a:schemeClr val="accent1"/>
-                </a:solidFill>
-              </a:rPr>
-              <a:t>결과는 </a:t>
-            </a:r>
-            <a:r>
-              <a:rPr lang="en-US" altLang="ko-KR" sz="1600" smtClean="0">
-                <a:solidFill>
-                  <a:schemeClr val="accent1"/>
-                </a:solidFill>
-              </a:rPr>
-              <a:t>Series</a:t>
-            </a:r>
-            <a:endParaRPr lang="ko-KR" altLang="en-US" sz="1600">
-              <a:solidFill>
-                <a:schemeClr val="accent1"/>
-              </a:solidFill>
-            </a:endParaRPr>
-          </a:p>
-        </p:txBody>
-      </p:sp>
-      <p:sp>
-        <p:nvSpPr>
-          <p:cNvPr id="6" name="TextBox 5"/>
-          <p:cNvSpPr txBox="1"/>
-          <p:nvPr/>
-        </p:nvSpPr>
-        <p:spPr>
-          <a:xfrm>
-            <a:off x="4211960" y="4725144"/>
-            <a:ext cx="2505814" cy="830997"/>
-          </a:xfrm>
-          <a:prstGeom prst="rect">
-            <a:avLst/>
-          </a:prstGeom>
-          <a:noFill/>
-        </p:spPr>
-        <p:txBody>
-          <a:bodyPr wrap="none" rtlCol="0">
-            <a:spAutoFit/>
-          </a:bodyPr>
-          <a:lstStyle/>
-          <a:p>
-            <a:r>
-              <a:rPr lang="ko-KR" altLang="en-US" sz="1600" smtClean="0">
-                <a:solidFill>
-                  <a:schemeClr val="accent1"/>
-                </a:solidFill>
-              </a:rPr>
-              <a:t>여러 열을 뽑는 경우</a:t>
-            </a:r>
-            <a:endParaRPr lang="en-US" altLang="ko-KR" sz="1600" smtClean="0">
-              <a:solidFill>
-                <a:schemeClr val="accent1"/>
-              </a:solidFill>
-            </a:endParaRPr>
-          </a:p>
-          <a:p>
-            <a:r>
-              <a:rPr lang="en-US" altLang="ko-KR" sz="1600" smtClean="0">
-                <a:solidFill>
-                  <a:schemeClr val="accent1"/>
-                </a:solidFill>
-              </a:rPr>
-              <a:t>(</a:t>
-            </a:r>
-            <a:r>
-              <a:rPr lang="ko-KR" altLang="en-US" sz="1600" smtClean="0">
-                <a:solidFill>
-                  <a:schemeClr val="accent1"/>
-                </a:solidFill>
-              </a:rPr>
-              <a:t>칼럼명을 리스트로 지정</a:t>
-            </a:r>
-            <a:r>
-              <a:rPr lang="en-US" altLang="ko-KR" sz="1600" smtClean="0">
-                <a:solidFill>
-                  <a:schemeClr val="accent1"/>
-                </a:solidFill>
-              </a:rPr>
-              <a:t>)</a:t>
-            </a:r>
-          </a:p>
-          <a:p>
-            <a:r>
-              <a:rPr lang="ko-KR" altLang="en-US" sz="1600" smtClean="0">
-                <a:solidFill>
-                  <a:schemeClr val="accent1"/>
-                </a:solidFill>
-              </a:rPr>
-              <a:t>결과는 </a:t>
-            </a:r>
-            <a:r>
-              <a:rPr lang="en-US" altLang="ko-KR" sz="1600" smtClean="0">
-                <a:solidFill>
-                  <a:schemeClr val="accent1"/>
-                </a:solidFill>
-              </a:rPr>
-              <a:t>DataFrame</a:t>
-            </a:r>
-            <a:endParaRPr lang="ko-KR" altLang="en-US" sz="1600">
-              <a:solidFill>
-                <a:schemeClr val="accent1"/>
-              </a:solidFill>
-            </a:endParaRPr>
-          </a:p>
-        </p:txBody>
-      </p:sp>
     </p:spTree>
     <p:extLst>
       <p:ext uri="{BB962C8B-B14F-4D97-AF65-F5344CB8AC3E}">
-        <p14:creationId xmlns:p14="http://schemas.microsoft.com/office/powerpoint/2010/main" val="1308272128"/>
+        <p14:creationId xmlns:p14="http://schemas.microsoft.com/office/powerpoint/2010/main" val="669889550"/>
       </p:ext>
     </p:extLst>
   </p:cSld>
@@ -4699,34 +4758,25 @@
           <a:lstStyle/>
           <a:p>
             <a:r>
-              <a:rPr lang="ko-KR" altLang="en-US" smtClean="0"/>
+              <a:rPr lang="ko-KR" altLang="en-US"/>
               <a:t>열</a:t>
             </a:r>
             <a:r>
-              <a:rPr lang="en-US" altLang="ko-KR" smtClean="0"/>
+              <a:rPr lang="en-US" altLang="ko-KR"/>
               <a:t>(</a:t>
             </a:r>
             <a:r>
-              <a:rPr lang="ko-KR" altLang="en-US" smtClean="0"/>
+              <a:rPr lang="ko-KR" altLang="en-US"/>
               <a:t>속성</a:t>
             </a:r>
             <a:r>
-              <a:rPr lang="en-US" altLang="ko-KR" smtClean="0"/>
-              <a:t>) </a:t>
-            </a:r>
-            <a:r>
-              <a:rPr lang="ko-KR" altLang="en-US" smtClean="0"/>
-              <a:t>추가</a:t>
-            </a:r>
-            <a:r>
-              <a:rPr lang="en-US" altLang="ko-KR" smtClean="0"/>
-              <a:t>/</a:t>
-            </a:r>
-            <a:r>
-              <a:rPr lang="ko-KR" altLang="en-US" smtClean="0"/>
-              <a:t>변경</a:t>
-            </a:r>
-            <a:endParaRPr lang="ko-KR" altLang="en-US"/>
+              <a:rPr lang="en-US" altLang="ko-KR"/>
+              <a:t>)</a:t>
+            </a:r>
+            <a:r>
+              <a:rPr lang="ko-KR" altLang="en-US"/>
+              <a:t> 골라내기</a:t>
+            </a:r>
           </a:p>
         </p:txBody>
       </p:sp>
@@ -4769,8 +4819,8 @@
         </p:blipFill>
         <p:spPr>
           <a:xfrm>
-            <a:off x="503995" y="1983948"/>
-            <a:ext cx="4467148" cy="3965332"/>
+            <a:off x="827584" y="1628800"/>
+            <a:ext cx="2819682" cy="4464496"/>
           </a:xfrm>
           <a:prstGeom prst="rect">
             <a:avLst/>
@@ -4785,8 +4835,8 @@
         </p:nvSpPr>
         <p:spPr>
           <a:xfrm>
-            <a:off x="5436096" y="2165955"/>
-            <a:ext cx="3273653" cy="584775"/>
+            <a:off x="4211960" y="2010326"/>
+            <a:ext cx="3292889" cy="830997"/>
           </a:xfrm>
           <a:prstGeom prst="rect">
             <a:avLst/>
@@ -4800,27 +4850,64 @@
           <a:lstStyle/>
           <a:p>
             <a:r>
-              <a:rPr lang="ko-KR" altLang="en-US" sz="1600" smtClean="0">
+              <a:rPr lang="ko-KR" altLang="en-US" sz="1600">
                 <a:solidFill>
                   <a:schemeClr val="accent1"/>
                 </a:solidFill>
               </a:rPr>
-              <a:t>새로운 칼럼명으로 값을 할당하면</a:t>
-            </a:r>
-            <a:endParaRPr lang="en-US" altLang="ko-KR" sz="1600" smtClean="0">
-              <a:solidFill>
-                <a:schemeClr val="accent1"/>
-              </a:solidFill>
-            </a:endParaRPr>
-          </a:p>
-          <a:p>
-            <a:r>
-              <a:rPr lang="ko-KR" altLang="en-US" sz="1600" smtClean="0">
+              <a:t>칼럼명을 지정함</a:t>
+            </a:r>
+            <a:r>
+              <a:rPr lang="en-US" altLang="ko-KR" sz="1600">
                 <a:solidFill>
                   <a:schemeClr val="accent1"/>
                 </a:solidFill>
               </a:rPr>
-              <a:t>새로운 칼럼이 생성됨</a:t>
+              <a:t>!</a:t>
+            </a:r>
+          </a:p>
+          <a:p>
+            <a:r>
+              <a:rPr lang="en-US" altLang="ko-KR" sz="1600">
+                <a:solidFill>
+                  <a:schemeClr val="accent1"/>
+                </a:solidFill>
+              </a:rPr>
+              <a:t>(numpy </a:t>
+            </a:r>
+            <a:r>
+              <a:rPr lang="ko-KR" altLang="en-US" sz="1600">
+                <a:solidFill>
+                  <a:schemeClr val="accent1"/>
+                </a:solidFill>
+              </a:rPr>
+              <a:t>의 경우는 행번호를 지정</a:t>
+            </a:r>
+            <a:r>
+              <a:rPr lang="en-US" altLang="ko-KR" sz="1600">
+                <a:solidFill>
+                  <a:schemeClr val="accent1"/>
+                </a:solidFill>
+              </a:rPr>
+              <a:t>)</a:t>
+            </a:r>
+          </a:p>
+          <a:p>
+            <a:r>
+              <a:rPr lang="ko-KR" altLang="en-US" sz="1600">
+                <a:solidFill>
+                  <a:schemeClr val="accent1"/>
+                </a:solidFill>
+              </a:rPr>
+              <a:t>결과는 </a:t>
+            </a:r>
+            <a:r>
+              <a:rPr lang="en-US" altLang="ko-KR" sz="1600">
+                <a:solidFill>
+                  <a:schemeClr val="accent1"/>
+                </a:solidFill>
+              </a:rPr>
+              <a:t>Series</a:t>
             </a:r>
             <a:endParaRPr lang="ko-KR" altLang="en-US" sz="1600">
               <a:solidFill>
@@ -4838,8 +4925,8 @@
         </p:nvSpPr>
         <p:spPr>
           <a:xfrm>
-            <a:off x="5436096" y="4581128"/>
-            <a:ext cx="1574470" cy="338554"/>
+            <a:off x="4211960" y="4725144"/>
+            <a:ext cx="2505814" cy="830997"/>
           </a:xfrm>
           <a:prstGeom prst="rect">
             <a:avLst/>
@@ -4853,30 +4940,61 @@
           <a:lstStyle/>
           <a:p>
             <a:r>
-              <a:rPr lang="ko-KR" altLang="en-US" sz="1600" smtClean="0">
+              <a:rPr lang="ko-KR" altLang="en-US" sz="1600">
                 <a:solidFill>
                   <a:schemeClr val="accent1"/>
                 </a:solidFill>
               </a:rPr>
-              <a:t>검색 </a:t>
-            </a:r>
-            <a:r>
-              <a:rPr lang="en-US" altLang="ko-KR" sz="1600" smtClean="0">
+              <a:t>여러 열을 뽑는 경우</a:t>
+            </a:r>
+            <a:endParaRPr lang="en-US" altLang="ko-KR" sz="1600">
+              <a:solidFill>
+                <a:schemeClr val="accent1"/>
+              </a:solidFill>
+            </a:endParaRPr>
+          </a:p>
+          <a:p>
+            <a:r>
+              <a:rPr lang="en-US" altLang="ko-KR" sz="1600">
                 <a:solidFill>
                   <a:schemeClr val="accent1"/>
                 </a:solidFill>
-                <a:sym typeface="Wingdings" panose="05000000000000000000" pitchFamily="2" charset="2"/>
               </a:rPr>
-              <a:t> </a:t>
-            </a:r>
-            <a:r>
-              <a:rPr lang="ko-KR" altLang="en-US" sz="1600" smtClean="0">
+              <a:t>(</a:t>
+            </a:r>
+            <a:r>
+              <a:rPr lang="ko-KR" altLang="en-US" sz="1600">
                 <a:solidFill>
                   <a:schemeClr val="accent1"/>
                 </a:solidFill>
-                <a:sym typeface="Wingdings" panose="05000000000000000000" pitchFamily="2" charset="2"/>
               </a:rPr>
-              <a:t>값할당</a:t>
+              <a:t>칼럼명을 리스트로 지정</a:t>
+            </a:r>
+            <a:r>
+              <a:rPr lang="en-US" altLang="ko-KR" sz="1600">
+                <a:solidFill>
+                  <a:schemeClr val="accent1"/>
+                </a:solidFill>
+              </a:rPr>
+              <a:t>)</a:t>
+            </a:r>
+          </a:p>
+          <a:p>
+            <a:r>
+              <a:rPr lang="ko-KR" altLang="en-US" sz="1600">
+                <a:solidFill>
+                  <a:schemeClr val="accent1"/>
+                </a:solidFill>
+              </a:rPr>
+              <a:t>결과는 </a:t>
+            </a:r>
+            <a:r>
+              <a:rPr lang="en-US" altLang="ko-KR" sz="1600">
+                <a:solidFill>
+                  <a:schemeClr val="accent1"/>
+                </a:solidFill>
+              </a:rPr>
+              <a:t>DataFrame</a:t>
             </a:r>
             <a:endParaRPr lang="ko-KR" altLang="en-US" sz="1600">
               <a:solidFill>
@@ -4889,7 +5007,7 @@
     </p:spTree>
     <p:extLst>
       <p:ext uri="{BB962C8B-B14F-4D97-AF65-F5344CB8AC3E}">
-        <p14:creationId xmlns:p14="http://schemas.microsoft.com/office/powerpoint/2010/main" val="1282006329"/>
+        <p14:creationId xmlns:p14="http://schemas.microsoft.com/office/powerpoint/2010/main" val="1308272128"/>
       </p:ext>
     </p:extLst>
   </p:cSld>
@@ -4932,10 +5050,33 @@
           <a:lstStyle/>
           <a:p>
             <a:r>
-              <a:rPr lang="ko-KR" altLang="en-US" smtClean="0"/>
-              <a:t>모양 확인</a:t>
-            </a:r>
-            <a:endParaRPr lang="ko-KR" altLang="en-US"/>
+              <a:rPr lang="ko-KR" altLang="en-US"/>
+              <a:t>열</a:t>
+            </a:r>
+            <a:r>
+              <a:rPr lang="en-US" altLang="ko-KR"/>
+              <a:t>(</a:t>
+            </a:r>
+            <a:r>
+              <a:rPr lang="ko-KR" altLang="en-US"/>
+              <a:t>속성</a:t>
+            </a:r>
+            <a:r>
+              <a:rPr lang="en-US" altLang="ko-KR"/>
+              <a:t>) </a:t>
+            </a:r>
+            <a:r>
+              <a:rPr lang="ko-KR" altLang="en-US"/>
+              <a:t>추가</a:t>
+            </a:r>
+            <a:r>
+              <a:rPr lang="en-US" altLang="ko-KR"/>
+              <a:t>/</a:t>
+            </a:r>
+            <a:r>
+              <a:rPr lang="ko-KR" altLang="en-US"/>
+              <a:t>변경</a:t>
+            </a:r>
           </a:p>
         </p:txBody>
       </p:sp>
@@ -4964,7 +5105,7 @@
       </p:sp>
       <p:pic>
         <p:nvPicPr>
-          <p:cNvPr id="5" name="그림 4"/>
+          <p:cNvPr id="4" name="그림 3"/>
           <p:cNvPicPr>
             <a:picLocks noChangeAspect="1"/>
           </p:cNvPicPr>
@@ -4978,18 +5119,122 @@
         </p:blipFill>
         <p:spPr>
           <a:xfrm>
-            <a:off x="2494528" y="1700810"/>
-            <a:ext cx="3731226" cy="4032446"/>
+            <a:off x="503995" y="1983948"/>
+            <a:ext cx="4467148" cy="3965332"/>
           </a:xfrm>
           <a:prstGeom prst="rect">
             <a:avLst/>
           </a:prstGeom>
         </p:spPr>
       </p:pic>
+      <p:sp>
+        <p:nvSpPr>
+          <p:cNvPr id="5" name="TextBox 4"/>
+          <p:cNvSpPr txBox="1"/>
+          <p:nvPr/>
+        </p:nvSpPr>
+        <p:spPr>
+          <a:xfrm>
+            <a:off x="5436096" y="2165955"/>
+            <a:ext cx="3273653" cy="584775"/>
+          </a:xfrm>
+          <a:prstGeom prst="rect">
+            <a:avLst/>
+          </a:prstGeom>
+          <a:noFill/>
+        </p:spPr>
+        <p:txBody>
+          <a:bodyPr wrap="none" rtlCol="0">
+            <a:spAutoFit/>
+          </a:bodyPr>
+          <a:lstStyle/>
+          <a:p>
+            <a:r>
+              <a:rPr lang="ko-KR" altLang="en-US" sz="1600">
+                <a:solidFill>
+                  <a:schemeClr val="accent1"/>
+                </a:solidFill>
+              </a:rPr>
+              <a:t>새로운 칼럼명으로 값을 할당하면</a:t>
+            </a:r>
+            <a:endParaRPr lang="en-US" altLang="ko-KR" sz="1600">
+              <a:solidFill>
+                <a:schemeClr val="accent1"/>
+              </a:solidFill>
+            </a:endParaRPr>
+          </a:p>
+          <a:p>
+            <a:r>
+              <a:rPr lang="ko-KR" altLang="en-US" sz="1600">
+                <a:solidFill>
+                  <a:schemeClr val="accent1"/>
+                </a:solidFill>
+              </a:rPr>
+              <a:t>새로운 칼럼이 생성됨</a:t>
+            </a:r>
+          </a:p>
+        </p:txBody>
+      </p:sp>
+      <p:sp>
+        <p:nvSpPr>
+          <p:cNvPr id="6" name="TextBox 5"/>
+          <p:cNvSpPr txBox="1"/>
+          <p:nvPr/>
+        </p:nvSpPr>
+        <p:spPr>
+          <a:xfrm>
+            <a:off x="5436096" y="4581128"/>
+            <a:ext cx="1574470" cy="338554"/>
+          </a:xfrm>
+          <a:prstGeom prst="rect">
+            <a:avLst/>
+          </a:prstGeom>
+          <a:noFill/>
+        </p:spPr>
+        <p:txBody>
+          <a:bodyPr wrap="none" rtlCol="0">
+            <a:spAutoFit/>
+          </a:bodyPr>
+          <a:lstStyle/>
+          <a:p>
+            <a:r>
+              <a:rPr lang="ko-KR" altLang="en-US" sz="1600">
+                <a:solidFill>
+                  <a:schemeClr val="accent1"/>
+                </a:solidFill>
+              </a:rPr>
+              <a:t>검색 </a:t>
+            </a:r>
+            <a:r>
+              <a:rPr lang="en-US" altLang="ko-KR" sz="1600">
+                <a:solidFill>
+                  <a:schemeClr val="accent1"/>
+                </a:solidFill>
+                <a:sym typeface="Wingdings" panose="05000000000000000000" pitchFamily="2" charset="2"/>
+              </a:rPr>
+              <a:t> </a:t>
+            </a:r>
+            <a:r>
+              <a:rPr lang="ko-KR" altLang="en-US" sz="1600">
+                <a:solidFill>
+                  <a:schemeClr val="accent1"/>
+                </a:solidFill>
+                <a:sym typeface="Wingdings" panose="05000000000000000000" pitchFamily="2" charset="2"/>
+              </a:rPr>
+              <a:t>값할당</a:t>
+            </a:r>
+            <a:endParaRPr lang="ko-KR" altLang="en-US" sz="1600">
+              <a:solidFill>
+                <a:schemeClr val="accent1"/>
+              </a:solidFill>
+            </a:endParaRPr>
+          </a:p>
+        </p:txBody>
+      </p:sp>
     </p:spTree>
     <p:extLst>
       <p:ext uri="{BB962C8B-B14F-4D97-AF65-F5344CB8AC3E}">
-        <p14:creationId xmlns:p14="http://schemas.microsoft.com/office/powerpoint/2010/main" val="923393144"/>
+        <p14:creationId xmlns:p14="http://schemas.microsoft.com/office/powerpoint/2010/main" val="1282006329"/>
       </p:ext>
     </p:extLst>
   </p:cSld>
@@ -5032,10 +5277,9 @@
           <a:lstStyle/>
           <a:p>
             <a:r>
-              <a:rPr lang="ko-KR" altLang="en-US" smtClean="0"/>
-              <a:t>여러 행 골라내기</a:t>
-            </a:r>
-            <a:endParaRPr lang="ko-KR" altLang="en-US"/>
+              <a:rPr lang="ko-KR" altLang="en-US"/>
+              <a:t>모양 확인</a:t>
+            </a:r>
           </a:p>
         </p:txBody>
       </p:sp>
@@ -5064,7 +5308,7 @@
       </p:sp>
       <p:pic>
         <p:nvPicPr>
-          <p:cNvPr id="4" name="그림 3"/>
+          <p:cNvPr id="5" name="그림 4"/>
           <p:cNvPicPr>
             <a:picLocks noChangeAspect="1"/>
           </p:cNvPicPr>
@@ -5078,148 +5322,18 @@
         </p:blipFill>
         <p:spPr>
           <a:xfrm>
-            <a:off x="323528" y="1844824"/>
-            <a:ext cx="6336704" cy="3864694"/>
+            <a:off x="2494528" y="1700810"/>
+            <a:ext cx="3731226" cy="4032446"/>
           </a:xfrm>
           <a:prstGeom prst="rect">
             <a:avLst/>
           </a:prstGeom>
         </p:spPr>
       </p:pic>
-      <p:sp>
-        <p:nvSpPr>
-          <p:cNvPr id="5" name="TextBox 4"/>
-          <p:cNvSpPr txBox="1"/>
-          <p:nvPr/>
-        </p:nvSpPr>
-        <p:spPr>
-          <a:xfrm>
-            <a:off x="5436096" y="2165955"/>
-            <a:ext cx="3406702" cy="584775"/>
-          </a:xfrm>
-          <a:prstGeom prst="rect">
-            <a:avLst/>
-          </a:prstGeom>
-          <a:noFill/>
-        </p:spPr>
-        <p:txBody>
-          <a:bodyPr wrap="none" rtlCol="0">
-            <a:spAutoFit/>
-          </a:bodyPr>
-          <a:lstStyle/>
-          <a:p>
-            <a:r>
-              <a:rPr lang="ko-KR" altLang="en-US" sz="1600" smtClean="0">
-                <a:solidFill>
-                  <a:schemeClr val="accent1"/>
-                </a:solidFill>
-              </a:rPr>
-              <a:t>슬라이싱과 불리언색인을 적용하면</a:t>
-            </a:r>
-            <a:endParaRPr lang="en-US" altLang="ko-KR" sz="1600" smtClean="0">
-              <a:solidFill>
-                <a:schemeClr val="accent1"/>
-              </a:solidFill>
-            </a:endParaRPr>
-          </a:p>
-          <a:p>
-            <a:r>
-              <a:rPr lang="ko-KR" altLang="en-US" sz="1600" smtClean="0">
-                <a:solidFill>
-                  <a:schemeClr val="accent1"/>
-                </a:solidFill>
-              </a:rPr>
-              <a:t>행들이 뽑힌다</a:t>
-            </a:r>
-            <a:endParaRPr lang="ko-KR" altLang="en-US" sz="1600">
-              <a:solidFill>
-                <a:schemeClr val="accent1"/>
-              </a:solidFill>
-            </a:endParaRPr>
-          </a:p>
-        </p:txBody>
-      </p:sp>
-      <p:sp>
-        <p:nvSpPr>
-          <p:cNvPr id="6" name="TextBox 5"/>
-          <p:cNvSpPr txBox="1"/>
-          <p:nvPr/>
-        </p:nvSpPr>
-        <p:spPr>
-          <a:xfrm>
-            <a:off x="5436096" y="5551929"/>
-            <a:ext cx="2885726" cy="584775"/>
-          </a:xfrm>
-          <a:prstGeom prst="rect">
-            <a:avLst/>
-          </a:prstGeom>
-          <a:noFill/>
-        </p:spPr>
-        <p:txBody>
-          <a:bodyPr wrap="none" rtlCol="0">
-            <a:spAutoFit/>
-          </a:bodyPr>
-          <a:lstStyle/>
-          <a:p>
-            <a:r>
-              <a:rPr lang="en-US" altLang="ko-KR" sz="1600" smtClean="0">
-                <a:solidFill>
-                  <a:schemeClr val="accent1"/>
-                </a:solidFill>
-              </a:rPr>
-              <a:t>0</a:t>
-            </a:r>
-            <a:r>
-              <a:rPr lang="ko-KR" altLang="en-US" sz="1600" smtClean="0">
-                <a:solidFill>
-                  <a:schemeClr val="accent1"/>
-                </a:solidFill>
-              </a:rPr>
-              <a:t>과 </a:t>
-            </a:r>
-            <a:r>
-              <a:rPr lang="en-US" altLang="ko-KR" sz="1600">
-                <a:solidFill>
-                  <a:schemeClr val="accent1"/>
-                </a:solidFill>
-              </a:rPr>
-              <a:t>2</a:t>
-            </a:r>
-            <a:r>
-              <a:rPr lang="ko-KR" altLang="en-US" sz="1600" smtClean="0">
-                <a:solidFill>
-                  <a:schemeClr val="accent1"/>
-                </a:solidFill>
-              </a:rPr>
-              <a:t>라는 칼럼명을 뽑는다는</a:t>
-            </a:r>
-            <a:endParaRPr lang="en-US" altLang="ko-KR" sz="1600" smtClean="0">
-              <a:solidFill>
-                <a:schemeClr val="accent1"/>
-              </a:solidFill>
-            </a:endParaRPr>
-          </a:p>
-          <a:p>
-            <a:r>
-              <a:rPr lang="ko-KR" altLang="en-US" sz="1600" smtClean="0">
-                <a:solidFill>
-                  <a:schemeClr val="accent1"/>
-                </a:solidFill>
-              </a:rPr>
-              <a:t>의미이므로 에러임</a:t>
-            </a:r>
-            <a:endParaRPr lang="ko-KR" altLang="en-US" sz="1600">
-              <a:solidFill>
-                <a:schemeClr val="accent1"/>
-              </a:solidFill>
-            </a:endParaRPr>
-          </a:p>
-        </p:txBody>
-      </p:sp>
     </p:spTree>
     <p:extLst>
       <p:ext uri="{BB962C8B-B14F-4D97-AF65-F5344CB8AC3E}">
-        <p14:creationId xmlns:p14="http://schemas.microsoft.com/office/powerpoint/2010/main" val="2052089055"/>
+        <p14:creationId xmlns:p14="http://schemas.microsoft.com/office/powerpoint/2010/main" val="923393144"/>
       </p:ext>
     </p:extLst>
   </p:cSld>
@@ -5262,18 +5376,9 @@
           <a:lstStyle/>
           <a:p>
             <a:r>
-              <a:rPr lang="en-US" altLang="ko-KR" smtClean="0"/>
-              <a:t>numpy </a:t>
-            </a:r>
-            <a:r>
-              <a:rPr lang="ko-KR" altLang="en-US" smtClean="0"/>
-              <a:t>와 비슷한 </a:t>
-            </a:r>
-            <a:r>
-              <a:rPr lang="en-US" altLang="ko-KR" smtClean="0"/>
-              <a:t>iloc</a:t>
-            </a:r>
-            <a:endParaRPr lang="ko-KR" altLang="en-US"/>
+              <a:rPr lang="ko-KR" altLang="en-US"/>
+              <a:t>여러 행 골라내기</a:t>
+            </a:r>
           </a:p>
         </p:txBody>
       </p:sp>
@@ -5316,42 +5421,138 @@
         </p:blipFill>
         <p:spPr>
           <a:xfrm>
-            <a:off x="683568" y="1870770"/>
-            <a:ext cx="2892434" cy="4032448"/>
+            <a:off x="323528" y="1844824"/>
+            <a:ext cx="6336704" cy="3864694"/>
           </a:xfrm>
           <a:prstGeom prst="rect">
             <a:avLst/>
           </a:prstGeom>
         </p:spPr>
       </p:pic>
-      <p:pic>
-        <p:nvPicPr>
-          <p:cNvPr id="5" name="그림 4"/>
-          <p:cNvPicPr>
-            <a:picLocks noChangeAspect="1"/>
-          </p:cNvPicPr>
+      <p:sp>
+        <p:nvSpPr>
+          <p:cNvPr id="5" name="TextBox 4"/>
+          <p:cNvSpPr txBox="1"/>
           <p:nvPr/>
-        </p:nvPicPr>
-        <p:blipFill>
-          <a:blip r:embed="rId3"/>
-          <a:stretch>
-            <a:fillRect/>
-          </a:stretch>
-        </p:blipFill>
-        <p:spPr>
-          <a:xfrm>
-            <a:off x="4427984" y="1772816"/>
-            <a:ext cx="3131410" cy="4464496"/>
+        </p:nvSpPr>
+        <p:spPr>
+          <a:xfrm>
+            <a:off x="5436096" y="2165955"/>
+            <a:ext cx="3406702" cy="584775"/>
           </a:xfrm>
           <a:prstGeom prst="rect">
             <a:avLst/>
           </a:prstGeom>
-        </p:spPr>
-      </p:pic>
+          <a:noFill/>
+        </p:spPr>
+        <p:txBody>
+          <a:bodyPr wrap="none" rtlCol="0">
+            <a:spAutoFit/>
+          </a:bodyPr>
+          <a:lstStyle/>
+          <a:p>
+            <a:r>
+              <a:rPr lang="ko-KR" altLang="en-US" sz="1600">
+                <a:solidFill>
+                  <a:schemeClr val="accent1"/>
+                </a:solidFill>
+              </a:rPr>
+              <a:t>슬라이싱과 불리언색인을 적용하면</a:t>
+            </a:r>
+            <a:endParaRPr lang="en-US" altLang="ko-KR" sz="1600">
+              <a:solidFill>
+                <a:schemeClr val="accent1"/>
+              </a:solidFill>
+            </a:endParaRPr>
+          </a:p>
+          <a:p>
+            <a:r>
+              <a:rPr lang="ko-KR" altLang="en-US" sz="1600">
+                <a:solidFill>
+                  <a:schemeClr val="accent1"/>
+                </a:solidFill>
+              </a:rPr>
+              <a:t>행들이 뽑힌다</a:t>
+            </a:r>
+          </a:p>
+        </p:txBody>
+      </p:sp>
+      <p:sp>
+        <p:nvSpPr>
+          <p:cNvPr id="6" name="TextBox 5"/>
+          <p:cNvSpPr txBox="1"/>
+          <p:nvPr/>
+        </p:nvSpPr>
+        <p:spPr>
+          <a:xfrm>
+            <a:off x="5436096" y="5551929"/>
+            <a:ext cx="2885726" cy="584775"/>
+          </a:xfrm>
+          <a:prstGeom prst="rect">
+            <a:avLst/>
+          </a:prstGeom>
+          <a:noFill/>
+        </p:spPr>
+        <p:txBody>
+          <a:bodyPr wrap="none" rtlCol="0">
+            <a:spAutoFit/>
+          </a:bodyPr>
+          <a:lstStyle/>
+          <a:p>
+            <a:r>
+              <a:rPr lang="en-US" altLang="ko-KR" sz="1600">
+                <a:solidFill>
+                  <a:schemeClr val="accent1"/>
+                </a:solidFill>
+              </a:rPr>
+              <a:t>0</a:t>
+            </a:r>
+            <a:r>
+              <a:rPr lang="ko-KR" altLang="en-US" sz="1600">
+                <a:solidFill>
+                  <a:schemeClr val="accent1"/>
+                </a:solidFill>
+              </a:rPr>
+              <a:t>과 </a:t>
+            </a:r>
+            <a:r>
+              <a:rPr lang="en-US" altLang="ko-KR" sz="1600">
+                <a:solidFill>
+                  <a:schemeClr val="accent1"/>
+                </a:solidFill>
+              </a:rPr>
+              <a:t>2</a:t>
+            </a:r>
+            <a:r>
+              <a:rPr lang="ko-KR" altLang="en-US" sz="1600">
+                <a:solidFill>
+                  <a:schemeClr val="accent1"/>
+                </a:solidFill>
+              </a:rPr>
+              <a:t>라는 칼럼명을 뽑는다는</a:t>
+            </a:r>
+            <a:endParaRPr lang="en-US" altLang="ko-KR" sz="1600">
+              <a:solidFill>
+                <a:schemeClr val="accent1"/>
+              </a:solidFill>
+            </a:endParaRPr>
+          </a:p>
+          <a:p>
+            <a:r>
+              <a:rPr lang="ko-KR" altLang="en-US" sz="1600">
+                <a:solidFill>
+                  <a:schemeClr val="accent1"/>
+                </a:solidFill>
+              </a:rPr>
+              <a:t>의미이므로 에러임</a:t>
+            </a:r>
+          </a:p>
+        </p:txBody>
+      </p:sp>
     </p:spTree>
     <p:extLst>
       <p:ext uri="{BB962C8B-B14F-4D97-AF65-F5344CB8AC3E}">
-        <p14:creationId xmlns:p14="http://schemas.microsoft.com/office/powerpoint/2010/main" val="2418265965"/>
+        <p14:creationId xmlns:p14="http://schemas.microsoft.com/office/powerpoint/2010/main" val="2052089055"/>
       </p:ext>
     </p:extLst>
   </p:cSld>
@@ -5394,16 +5595,16 @@
           <a:lstStyle/>
           <a:p>
             <a:r>
-              <a:rPr lang="en-US" altLang="ko-KR" smtClean="0"/>
+              <a:rPr lang="en-US" altLang="ko-KR"/>
               <a:t>numpy </a:t>
             </a:r>
             <a:r>
-              <a:rPr lang="ko-KR" altLang="en-US" smtClean="0"/>
-              <a:t>로 변환 </a:t>
-            </a:r>
-            <a:r>
-              <a:rPr lang="en-US" altLang="ko-KR" smtClean="0"/>
-              <a:t>(values)</a:t>
+              <a:rPr lang="ko-KR" altLang="en-US"/>
+              <a:t>와 비슷한 </a:t>
+            </a:r>
+            <a:r>
+              <a:rPr lang="en-US" altLang="ko-KR"/>
+              <a:t>iloc</a:t>
             </a:r>
             <a:endParaRPr lang="ko-KR" altLang="en-US"/>
           </a:p>
@@ -5427,6 +5628,138 @@
             <a:fld id="{B6F7932D-1EC4-4CA7-891C-0C84ADDFCFA9}" type="slidenum">
               <a:rPr lang="ko-KR" altLang="en-US" smtClean="0"/>
               <a:t>18</a:t>
+            </a:fld>
+            <a:endParaRPr lang="ko-KR" altLang="en-US"/>
+          </a:p>
+        </p:txBody>
+      </p:sp>
+      <p:pic>
+        <p:nvPicPr>
+          <p:cNvPr id="4" name="그림 3"/>
+          <p:cNvPicPr>
+            <a:picLocks noChangeAspect="1"/>
+          </p:cNvPicPr>
+          <p:nvPr/>
+        </p:nvPicPr>
+        <p:blipFill>
+          <a:blip r:embed="rId2"/>
+          <a:stretch>
+            <a:fillRect/>
+          </a:stretch>
+        </p:blipFill>
+        <p:spPr>
+          <a:xfrm>
+            <a:off x="683568" y="1870770"/>
+            <a:ext cx="2892434" cy="4032448"/>
+          </a:xfrm>
+          <a:prstGeom prst="rect">
+            <a:avLst/>
+          </a:prstGeom>
+        </p:spPr>
+      </p:pic>
+      <p:pic>
+        <p:nvPicPr>
+          <p:cNvPr id="5" name="그림 4"/>
+          <p:cNvPicPr>
+            <a:picLocks noChangeAspect="1"/>
+          </p:cNvPicPr>
+          <p:nvPr/>
+        </p:nvPicPr>
+        <p:blipFill>
+          <a:blip r:embed="rId3"/>
+          <a:stretch>
+            <a:fillRect/>
+          </a:stretch>
+        </p:blipFill>
+        <p:spPr>
+          <a:xfrm>
+            <a:off x="4427984" y="1772816"/>
+            <a:ext cx="3131410" cy="4464496"/>
+          </a:xfrm>
+          <a:prstGeom prst="rect">
+            <a:avLst/>
+          </a:prstGeom>
+        </p:spPr>
+      </p:pic>
+    </p:spTree>
+    <p:extLst>
+      <p:ext uri="{BB962C8B-B14F-4D97-AF65-F5344CB8AC3E}">
+        <p14:creationId xmlns:p14="http://schemas.microsoft.com/office/powerpoint/2010/main" val="2418265965"/>
+      </p:ext>
+    </p:extLst>
+  </p:cSld>
+  <p:clrMapOvr>
+    <a:masterClrMapping/>
+  </p:clrMapOvr>
+</p:sld>
+</file>
+
+<file path=ppt/slides/slide19.xml><?xml version="1.0" encoding="utf-8"?>
+<p:sld xmlns:a="http://schemas.openxmlformats.org/drawingml/2006/main" xmlns:r="http://schemas.openxmlformats.org/officeDocument/2006/relationships" xmlns:p="http://schemas.openxmlformats.org/presentationml/2006/main">
+  <p:cSld>
+    <p:spTree>
+      <p:nvGrpSpPr>
+        <p:cNvPr id="1" name=""/>
+        <p:cNvGrpSpPr/>
+        <p:nvPr/>
+      </p:nvGrpSpPr>
+      <p:grpSpPr>
+        <a:xfrm>
+          <a:off x="0" y="0"/>
+          <a:ext cx="0" cy="0"/>
+          <a:chOff x="0" y="0"/>
+          <a:chExt cx="0" cy="0"/>
+        </a:xfrm>
+      </p:grpSpPr>
+      <p:sp>
+        <p:nvSpPr>
+          <p:cNvPr id="2" name="제목 1"/>
+          <p:cNvSpPr>
+            <a:spLocks noGrp="1"/>
+          </p:cNvSpPr>
+          <p:nvPr>
+            <p:ph type="title"/>
+          </p:nvPr>
+        </p:nvSpPr>
+        <p:spPr/>
+        <p:txBody>
+          <a:bodyPr/>
+          <a:lstStyle/>
+          <a:p>
+            <a:r>
+              <a:rPr lang="en-US" altLang="ko-KR"/>
+              <a:t>numpy </a:t>
+            </a:r>
+            <a:r>
+              <a:rPr lang="ko-KR" altLang="en-US"/>
+              <a:t>로 변환 </a:t>
+            </a:r>
+            <a:r>
+              <a:rPr lang="en-US" altLang="ko-KR"/>
+              <a:t>(values)</a:t>
+            </a:r>
+            <a:endParaRPr lang="ko-KR" altLang="en-US"/>
+          </a:p>
+        </p:txBody>
+      </p:sp>
+      <p:sp>
+        <p:nvSpPr>
+          <p:cNvPr id="3" name="슬라이드 번호 개체 틀 2"/>
+          <p:cNvSpPr>
+            <a:spLocks noGrp="1"/>
+          </p:cNvSpPr>
+          <p:nvPr>
+            <p:ph type="sldNum" sz="quarter" idx="12"/>
+          </p:nvPr>
+        </p:nvSpPr>
+        <p:spPr/>
+        <p:txBody>
+          <a:bodyPr/>
+          <a:lstStyle/>
+          <a:p>
+            <a:fld id="{B6F7932D-1EC4-4CA7-891C-0C84ADDFCFA9}" type="slidenum">
+              <a:rPr lang="ko-KR" altLang="en-US" smtClean="0"/>
+              <a:t>19</a:t>
             </a:fld>
             <a:endParaRPr lang="ko-KR" altLang="en-US"/>
           </a:p>
@@ -5503,14 +5836,14 @@
           <a:lstStyle/>
           <a:p>
             <a:r>
-              <a:rPr lang="ko-KR" altLang="en-US" sz="1600" smtClean="0">
+              <a:rPr lang="ko-KR" altLang="en-US" sz="1600">
                 <a:solidFill>
                   <a:schemeClr val="accent1"/>
                 </a:solidFill>
               </a:rPr>
               <a:t>숫자로 된 칼럼들을 뽑아낸 다음</a:t>
             </a:r>
-            <a:endParaRPr lang="en-US" altLang="ko-KR" sz="1600" smtClean="0">
+            <a:endParaRPr lang="en-US" altLang="ko-KR" sz="1600">
               <a:solidFill>
                 <a:schemeClr val="accent1"/>
               </a:solidFill>
@@ -5518,7 +5851,7 @@
           </a:p>
           <a:p>
             <a:r>
-              <a:rPr lang="en-US" altLang="ko-KR" sz="1600" smtClean="0">
+              <a:rPr lang="en-US" altLang="ko-KR" sz="1600">
                 <a:solidFill>
                   <a:schemeClr val="accent1"/>
                 </a:solidFill>
@@ -5526,18 +5859,13 @@
               <a:t>values </a:t>
             </a:r>
             <a:r>
-              <a:rPr lang="ko-KR" altLang="en-US" sz="1600" smtClean="0">
+              <a:rPr lang="ko-KR" altLang="en-US" sz="1600">
                 <a:solidFill>
                   <a:schemeClr val="accent1"/>
                 </a:solidFill>
               </a:rPr>
               <a:t>적용</a:t>
             </a:r>
-            <a:endParaRPr lang="ko-KR" altLang="en-US" sz="1600">
-              <a:solidFill>
-                <a:schemeClr val="accent1"/>
-              </a:solidFill>
-            </a:endParaRPr>
           </a:p>
         </p:txBody>
       </p:sp>
@@ -5587,7 +5915,7 @@
 </p:sld>
 </file>
 
-<file path=ppt/slides/slide19.xml><?xml version="1.0" encoding="utf-8"?>
+<file path=ppt/slides/slide2.xml><?xml version="1.0" encoding="utf-8"?>
 <p:sld xmlns:a="http://schemas.openxmlformats.org/drawingml/2006/main" xmlns:r="http://schemas.openxmlformats.org/officeDocument/2006/relationships" xmlns:p="http://schemas.openxmlformats.org/presentationml/2006/main">
   <p:cSld>
     <p:spTree>
@@ -5620,16 +5948,84 @@
           <a:lstStyle/>
           <a:p>
             <a:r>
-              <a:rPr lang="ko-KR" altLang="en-US" smtClean="0"/>
-              <a:t>코드화</a:t>
-            </a:r>
-            <a:endParaRPr lang="ko-KR" altLang="en-US"/>
-          </a:p>
-        </p:txBody>
-      </p:sp>
-      <p:sp>
-        <p:nvSpPr>
-          <p:cNvPr id="3" name="슬라이드 번호 개체 틀 2"/>
+              <a:rPr lang="en-US" altLang="ko-KR"/>
+              <a:t>PANDAS </a:t>
+            </a:r>
+            <a:r>
+              <a:rPr lang="ko-KR" altLang="en-US"/>
+              <a:t>소개</a:t>
+            </a:r>
+          </a:p>
+        </p:txBody>
+      </p:sp>
+      <p:sp>
+        <p:nvSpPr>
+          <p:cNvPr id="3" name="텍스트 개체 틀 2"/>
+          <p:cNvSpPr>
+            <a:spLocks noGrp="1"/>
+          </p:cNvSpPr>
+          <p:nvPr>
+            <p:ph type="body" idx="1"/>
+          </p:nvPr>
+        </p:nvSpPr>
+        <p:spPr/>
+        <p:txBody>
+          <a:bodyPr/>
+          <a:lstStyle/>
+          <a:p>
+            <a:endParaRPr lang="ko-KR" altLang="en-US"/>
+          </a:p>
+        </p:txBody>
+      </p:sp>
+      <p:sp>
+        <p:nvSpPr>
+          <p:cNvPr id="4" name="모서리가 둥근 직사각형 3"/>
+          <p:cNvSpPr/>
+          <p:nvPr/>
+        </p:nvSpPr>
+        <p:spPr>
+          <a:xfrm>
+            <a:off x="-8023" y="4365104"/>
+            <a:ext cx="5328592" cy="72008"/>
+          </a:xfrm>
+          <a:prstGeom prst="roundRect">
+            <a:avLst/>
+          </a:prstGeom>
+          <a:solidFill>
+            <a:srgbClr val="92D050"/>
+          </a:solidFill>
+          <a:ln>
+            <a:noFill/>
+          </a:ln>
+        </p:spPr>
+        <p:style>
+          <a:lnRef idx="2">
+            <a:schemeClr val="accent1">
+              <a:shade val="50000"/>
+            </a:schemeClr>
+          </a:lnRef>
+          <a:fillRef idx="1">
+            <a:schemeClr val="accent1"/>
+          </a:fillRef>
+          <a:effectRef idx="0">
+            <a:schemeClr val="accent1"/>
+          </a:effectRef>
+          <a:fontRef idx="minor">
+            <a:schemeClr val="lt1"/>
+          </a:fontRef>
+        </p:style>
+        <p:txBody>
+          <a:bodyPr rtlCol="0" anchor="ctr"/>
+          <a:lstStyle/>
+          <a:p>
+            <a:pPr algn="ctr"/>
+            <a:endParaRPr lang="ko-KR" altLang="en-US"/>
+          </a:p>
+        </p:txBody>
+      </p:sp>
+      <p:sp>
+        <p:nvSpPr>
+          <p:cNvPr id="5" name="슬라이드 번호 개체 틀 4"/>
           <p:cNvSpPr>
             <a:spLocks noGrp="1"/>
           </p:cNvSpPr>
@@ -5644,7 +6040,82 @@
           <a:p>
             <a:fld id="{B6F7932D-1EC4-4CA7-891C-0C84ADDFCFA9}" type="slidenum">
               <a:rPr lang="ko-KR" altLang="en-US" smtClean="0"/>
-              <a:t>19</a:t>
+              <a:t>2</a:t>
+            </a:fld>
+            <a:endParaRPr lang="ko-KR" altLang="en-US"/>
+          </a:p>
+        </p:txBody>
+      </p:sp>
+    </p:spTree>
+    <p:extLst>
+      <p:ext uri="{BB962C8B-B14F-4D97-AF65-F5344CB8AC3E}">
+        <p14:creationId xmlns:p14="http://schemas.microsoft.com/office/powerpoint/2010/main" val="2560437134"/>
+      </p:ext>
+    </p:extLst>
+  </p:cSld>
+  <p:clrMapOvr>
+    <a:masterClrMapping/>
+  </p:clrMapOvr>
+</p:sld>
+</file>
+
+<file path=ppt/slides/slide20.xml><?xml version="1.0" encoding="utf-8"?>
+<p:sld xmlns:a="http://schemas.openxmlformats.org/drawingml/2006/main" xmlns:r="http://schemas.openxmlformats.org/officeDocument/2006/relationships" xmlns:p="http://schemas.openxmlformats.org/presentationml/2006/main">
+  <p:cSld>
+    <p:spTree>
+      <p:nvGrpSpPr>
+        <p:cNvPr id="1" name=""/>
+        <p:cNvGrpSpPr/>
+        <p:nvPr/>
+      </p:nvGrpSpPr>
+      <p:grpSpPr>
+        <a:xfrm>
+          <a:off x="0" y="0"/>
+          <a:ext cx="0" cy="0"/>
+          <a:chOff x="0" y="0"/>
+          <a:chExt cx="0" cy="0"/>
+        </a:xfrm>
+      </p:grpSpPr>
+      <p:sp>
+        <p:nvSpPr>
+          <p:cNvPr id="2" name="제목 1"/>
+          <p:cNvSpPr>
+            <a:spLocks noGrp="1"/>
+          </p:cNvSpPr>
+          <p:nvPr>
+            <p:ph type="title"/>
+          </p:nvPr>
+        </p:nvSpPr>
+        <p:spPr/>
+        <p:txBody>
+          <a:bodyPr/>
+          <a:lstStyle/>
+          <a:p>
+            <a:r>
+              <a:rPr lang="ko-KR" altLang="en-US"/>
+              <a:t>코드화</a:t>
+            </a:r>
+          </a:p>
+        </p:txBody>
+      </p:sp>
+      <p:sp>
+        <p:nvSpPr>
+          <p:cNvPr id="3" name="슬라이드 번호 개체 틀 2"/>
+          <p:cNvSpPr>
+            <a:spLocks noGrp="1"/>
+          </p:cNvSpPr>
+          <p:nvPr>
+            <p:ph type="sldNum" sz="quarter" idx="12"/>
+          </p:nvPr>
+        </p:nvSpPr>
+        <p:spPr/>
+        <p:txBody>
+          <a:bodyPr/>
+          <a:lstStyle/>
+          <a:p>
+            <a:fld id="{B6F7932D-1EC4-4CA7-891C-0C84ADDFCFA9}" type="slidenum">
+              <a:rPr lang="ko-KR" altLang="en-US" smtClean="0"/>
+              <a:t>20</a:t>
             </a:fld>
             <a:endParaRPr lang="ko-KR" altLang="en-US"/>
           </a:p>
@@ -5721,7 +6192,7 @@
           <a:lstStyle/>
           <a:p>
             <a:r>
-              <a:rPr lang="en-US" altLang="ko-KR" sz="1600" smtClean="0">
+              <a:rPr lang="en-US" altLang="ko-KR" sz="1600">
                 <a:solidFill>
                   <a:schemeClr val="accent1"/>
                 </a:solidFill>
@@ -5729,14 +6200,14 @@
               <a:t>unique() </a:t>
             </a:r>
             <a:r>
-              <a:rPr lang="ko-KR" altLang="en-US" sz="1600" smtClean="0">
+              <a:rPr lang="ko-KR" altLang="en-US" sz="1600">
                 <a:solidFill>
                   <a:schemeClr val="accent1"/>
                 </a:solidFill>
               </a:rPr>
               <a:t>를 적용하면 결과는</a:t>
             </a:r>
-            <a:endParaRPr lang="en-US" altLang="ko-KR" sz="1600" smtClean="0">
+            <a:endParaRPr lang="en-US" altLang="ko-KR" sz="1600">
               <a:solidFill>
                 <a:schemeClr val="accent1"/>
               </a:solidFill>
@@ -5744,7 +6215,7 @@
           </a:p>
           <a:p>
             <a:r>
-              <a:rPr lang="en-US" altLang="ko-KR" sz="1600" smtClean="0">
+              <a:rPr lang="en-US" altLang="ko-KR" sz="1600">
                 <a:solidFill>
                   <a:schemeClr val="accent1"/>
                 </a:solidFill>
@@ -5818,7 +6289,7 @@
           <a:lstStyle/>
           <a:p>
             <a:r>
-              <a:rPr lang="en-US" altLang="ko-KR" sz="1600" smtClean="0">
+              <a:rPr lang="en-US" altLang="ko-KR" sz="1600">
                 <a:solidFill>
                   <a:schemeClr val="accent1"/>
                 </a:solidFill>
@@ -5826,14 +6297,14 @@
               <a:t>map() </a:t>
             </a:r>
             <a:r>
-              <a:rPr lang="ko-KR" altLang="en-US" sz="1600" smtClean="0">
+              <a:rPr lang="ko-KR" altLang="en-US" sz="1600">
                 <a:solidFill>
                   <a:schemeClr val="accent1"/>
                 </a:solidFill>
               </a:rPr>
               <a:t>은 변환 함수</a:t>
             </a:r>
-            <a:endParaRPr lang="en-US" altLang="ko-KR" sz="1600" smtClean="0">
+            <a:endParaRPr lang="en-US" altLang="ko-KR" sz="1600">
               <a:solidFill>
                 <a:schemeClr val="accent1"/>
               </a:solidFill>
@@ -5841,7 +6312,7 @@
           </a:p>
           <a:p>
             <a:r>
-              <a:rPr lang="ko-KR" altLang="en-US" sz="1600" smtClean="0">
+              <a:rPr lang="ko-KR" altLang="en-US" sz="1600">
                 <a:solidFill>
                   <a:schemeClr val="accent1"/>
                 </a:solidFill>
@@ -5849,7 +6320,7 @@
               <a:t>인자로 딕셔너리</a:t>
             </a:r>
             <a:r>
-              <a:rPr lang="en-US" altLang="ko-KR" sz="1600" smtClean="0">
+              <a:rPr lang="en-US" altLang="ko-KR" sz="1600">
                 <a:solidFill>
                   <a:schemeClr val="accent1"/>
                 </a:solidFill>
@@ -5857,18 +6328,13 @@
               <a:t>, </a:t>
             </a:r>
             <a:r>
-              <a:rPr lang="ko-KR" altLang="en-US" sz="1600" smtClean="0">
+              <a:rPr lang="ko-KR" altLang="en-US" sz="1600">
                 <a:solidFill>
                   <a:schemeClr val="accent1"/>
                 </a:solidFill>
               </a:rPr>
               <a:t>함수를 받음</a:t>
             </a:r>
-            <a:endParaRPr lang="ko-KR" altLang="en-US" sz="1600">
-              <a:solidFill>
-                <a:schemeClr val="accent1"/>
-              </a:solidFill>
-            </a:endParaRPr>
           </a:p>
         </p:txBody>
       </p:sp>
@@ -5918,296 +6384,6 @@
 </p:sld>
 </file>
 
-<file path=ppt/slides/slide2.xml><?xml version="1.0" encoding="utf-8"?>
-<p:sld xmlns:a="http://schemas.openxmlformats.org/drawingml/2006/main" xmlns:r="http://schemas.openxmlformats.org/officeDocument/2006/relationships" xmlns:p="http://schemas.openxmlformats.org/presentationml/2006/main">
-  <p:cSld>
-    <p:spTree>
-      <p:nvGrpSpPr>
-        <p:cNvPr id="1" name=""/>
-        <p:cNvGrpSpPr/>
-        <p:nvPr/>
-      </p:nvGrpSpPr>
-      <p:grpSpPr>
-        <a:xfrm>
-          <a:off x="0" y="0"/>
-          <a:ext cx="0" cy="0"/>
-          <a:chOff x="0" y="0"/>
-          <a:chExt cx="0" cy="0"/>
-        </a:xfrm>
-      </p:grpSpPr>
-      <p:sp>
-        <p:nvSpPr>
-          <p:cNvPr id="2" name="제목 1"/>
-          <p:cNvSpPr>
-            <a:spLocks noGrp="1"/>
-          </p:cNvSpPr>
-          <p:nvPr>
-            <p:ph type="title"/>
-          </p:nvPr>
-        </p:nvSpPr>
-        <p:spPr/>
-        <p:txBody>
-          <a:bodyPr/>
-          <a:lstStyle/>
-          <a:p>
-            <a:r>
-              <a:rPr lang="en-US" altLang="ko-KR" smtClean="0"/>
-              <a:t>PANDAS </a:t>
-            </a:r>
-            <a:r>
-              <a:rPr lang="ko-KR" altLang="en-US" smtClean="0"/>
-              <a:t>소개</a:t>
-            </a:r>
-            <a:endParaRPr lang="ko-KR" altLang="en-US"/>
-          </a:p>
-        </p:txBody>
-      </p:sp>
-      <p:sp>
-        <p:nvSpPr>
-          <p:cNvPr id="3" name="텍스트 개체 틀 2"/>
-          <p:cNvSpPr>
-            <a:spLocks noGrp="1"/>
-          </p:cNvSpPr>
-          <p:nvPr>
-            <p:ph type="body" idx="1"/>
-          </p:nvPr>
-        </p:nvSpPr>
-        <p:spPr/>
-        <p:txBody>
-          <a:bodyPr/>
-          <a:lstStyle/>
-          <a:p>
-            <a:endParaRPr lang="ko-KR" altLang="en-US"/>
-          </a:p>
-        </p:txBody>
-      </p:sp>
-      <p:sp>
-        <p:nvSpPr>
-          <p:cNvPr id="4" name="모서리가 둥근 직사각형 3"/>
-          <p:cNvSpPr/>
-          <p:nvPr/>
-        </p:nvSpPr>
-        <p:spPr>
-          <a:xfrm>
-            <a:off x="-8023" y="4365104"/>
-            <a:ext cx="5328592" cy="72008"/>
-          </a:xfrm>
-          <a:prstGeom prst="roundRect">
-            <a:avLst/>
-          </a:prstGeom>
-          <a:solidFill>
-            <a:srgbClr val="92D050"/>
-          </a:solidFill>
-          <a:ln>
-            <a:noFill/>
-          </a:ln>
-        </p:spPr>
-        <p:style>
-          <a:lnRef idx="2">
-            <a:schemeClr val="accent1">
-              <a:shade val="50000"/>
-            </a:schemeClr>
-          </a:lnRef>
-          <a:fillRef idx="1">
-            <a:schemeClr val="accent1"/>
-          </a:fillRef>
-          <a:effectRef idx="0">
-            <a:schemeClr val="accent1"/>
-          </a:effectRef>
-          <a:fontRef idx="minor">
-            <a:schemeClr val="lt1"/>
-          </a:fontRef>
-        </p:style>
-        <p:txBody>
-          <a:bodyPr rtlCol="0" anchor="ctr"/>
-          <a:lstStyle/>
-          <a:p>
-            <a:pPr algn="ctr"/>
-            <a:endParaRPr lang="ko-KR" altLang="en-US"/>
-          </a:p>
-        </p:txBody>
-      </p:sp>
-      <p:sp>
-        <p:nvSpPr>
-          <p:cNvPr id="5" name="슬라이드 번호 개체 틀 4"/>
-          <p:cNvSpPr>
-            <a:spLocks noGrp="1"/>
-          </p:cNvSpPr>
-          <p:nvPr>
-            <p:ph type="sldNum" sz="quarter" idx="12"/>
-          </p:nvPr>
-        </p:nvSpPr>
-        <p:spPr/>
-        <p:txBody>
-          <a:bodyPr/>
-          <a:lstStyle/>
-          <a:p>
-            <a:fld id="{B6F7932D-1EC4-4CA7-891C-0C84ADDFCFA9}" type="slidenum">
-              <a:rPr lang="ko-KR" altLang="en-US" smtClean="0"/>
-              <a:t>2</a:t>
-            </a:fld>
-            <a:endParaRPr lang="ko-KR" altLang="en-US"/>
-          </a:p>
-        </p:txBody>
-      </p:sp>
-    </p:spTree>
-    <p:extLst>
-      <p:ext uri="{BB962C8B-B14F-4D97-AF65-F5344CB8AC3E}">
-        <p14:creationId xmlns:p14="http://schemas.microsoft.com/office/powerpoint/2010/main" val="2560437134"/>
-      </p:ext>
-    </p:extLst>
-  </p:cSld>
-  <p:clrMapOvr>
-    <a:masterClrMapping/>
-  </p:clrMapOvr>
-  <p:timing>
-    <p:tnLst>
-      <p:par>
-        <p:cTn id="1" dur="indefinite" restart="never" nodeType="tmRoot"/>
-      </p:par>
-    </p:tnLst>
-  </p:timing>
-</p:sld>
-</file>
-
-<file path=ppt/slides/slide20.xml><?xml version="1.0" encoding="utf-8"?>
-<p:sld xmlns:a="http://schemas.openxmlformats.org/drawingml/2006/main" xmlns:r="http://schemas.openxmlformats.org/officeDocument/2006/relationships" xmlns:p="http://schemas.openxmlformats.org/presentationml/2006/main">
-  <p:cSld>
-    <p:spTree>
-      <p:nvGrpSpPr>
-        <p:cNvPr id="1" name=""/>
-        <p:cNvGrpSpPr/>
-        <p:nvPr/>
-      </p:nvGrpSpPr>
-      <p:grpSpPr>
-        <a:xfrm>
-          <a:off x="0" y="0"/>
-          <a:ext cx="0" cy="0"/>
-          <a:chOff x="0" y="0"/>
-          <a:chExt cx="0" cy="0"/>
-        </a:xfrm>
-      </p:grpSpPr>
-      <p:sp>
-        <p:nvSpPr>
-          <p:cNvPr id="2" name="제목 1"/>
-          <p:cNvSpPr>
-            <a:spLocks noGrp="1"/>
-          </p:cNvSpPr>
-          <p:nvPr>
-            <p:ph type="title"/>
-          </p:nvPr>
-        </p:nvSpPr>
-        <p:spPr/>
-        <p:txBody>
-          <a:bodyPr/>
-          <a:lstStyle/>
-          <a:p>
-            <a:r>
-              <a:rPr lang="en-US" altLang="ko-KR" smtClean="0"/>
-              <a:t>drop_duplicates( )</a:t>
-            </a:r>
-            <a:endParaRPr lang="ko-KR" altLang="en-US"/>
-          </a:p>
-        </p:txBody>
-      </p:sp>
-      <p:sp>
-        <p:nvSpPr>
-          <p:cNvPr id="3" name="슬라이드 번호 개체 틀 2"/>
-          <p:cNvSpPr>
-            <a:spLocks noGrp="1"/>
-          </p:cNvSpPr>
-          <p:nvPr>
-            <p:ph type="sldNum" sz="quarter" idx="12"/>
-          </p:nvPr>
-        </p:nvSpPr>
-        <p:spPr/>
-        <p:txBody>
-          <a:bodyPr/>
-          <a:lstStyle/>
-          <a:p>
-            <a:fld id="{B6F7932D-1EC4-4CA7-891C-0C84ADDFCFA9}" type="slidenum">
-              <a:rPr lang="ko-KR" altLang="en-US" smtClean="0"/>
-              <a:t>20</a:t>
-            </a:fld>
-            <a:endParaRPr lang="ko-KR" altLang="en-US"/>
-          </a:p>
-        </p:txBody>
-      </p:sp>
-      <p:pic>
-        <p:nvPicPr>
-          <p:cNvPr id="4" name="그림 3"/>
-          <p:cNvPicPr>
-            <a:picLocks noChangeAspect="1"/>
-          </p:cNvPicPr>
-          <p:nvPr/>
-        </p:nvPicPr>
-        <p:blipFill>
-          <a:blip r:embed="rId2"/>
-          <a:stretch>
-            <a:fillRect/>
-          </a:stretch>
-        </p:blipFill>
-        <p:spPr>
-          <a:xfrm>
-            <a:off x="2555776" y="2132856"/>
-            <a:ext cx="3635068" cy="4032450"/>
-          </a:xfrm>
-          <a:prstGeom prst="rect">
-            <a:avLst/>
-          </a:prstGeom>
-        </p:spPr>
-      </p:pic>
-      <p:sp>
-        <p:nvSpPr>
-          <p:cNvPr id="5" name="TextBox 4"/>
-          <p:cNvSpPr txBox="1"/>
-          <p:nvPr/>
-        </p:nvSpPr>
-        <p:spPr>
-          <a:xfrm>
-            <a:off x="2699792" y="1417638"/>
-            <a:ext cx="3623108" cy="338554"/>
-          </a:xfrm>
-          <a:prstGeom prst="rect">
-            <a:avLst/>
-          </a:prstGeom>
-          <a:noFill/>
-        </p:spPr>
-        <p:txBody>
-          <a:bodyPr wrap="none" rtlCol="0">
-            <a:spAutoFit/>
-          </a:bodyPr>
-          <a:lstStyle/>
-          <a:p>
-            <a:r>
-              <a:rPr lang="ko-KR" altLang="en-US" sz="1600" smtClean="0">
-                <a:solidFill>
-                  <a:schemeClr val="accent1"/>
-                </a:solidFill>
-              </a:rPr>
-              <a:t>여러 속성으로 코드표를 만들 때 사용</a:t>
-            </a:r>
-            <a:endParaRPr lang="ko-KR" altLang="en-US" sz="1600">
-              <a:solidFill>
-                <a:schemeClr val="accent1"/>
-              </a:solidFill>
-            </a:endParaRPr>
-          </a:p>
-        </p:txBody>
-      </p:sp>
-    </p:spTree>
-    <p:extLst>
-      <p:ext uri="{BB962C8B-B14F-4D97-AF65-F5344CB8AC3E}">
-        <p14:creationId xmlns:p14="http://schemas.microsoft.com/office/powerpoint/2010/main" val="1438444062"/>
-      </p:ext>
-    </p:extLst>
-  </p:cSld>
-  <p:clrMapOvr>
-    <a:masterClrMapping/>
-  </p:clrMapOvr>
-</p:sld>
-</file>
-
 <file path=ppt/slides/slide21.xml><?xml version="1.0" encoding="utf-8"?>
 <p:sld xmlns:a="http://schemas.openxmlformats.org/drawingml/2006/main" xmlns:r="http://schemas.openxmlformats.org/officeDocument/2006/relationships" xmlns:p="http://schemas.openxmlformats.org/presentationml/2006/main">
   <p:cSld>
@@ -6241,8 +6417,8 @@
           <a:lstStyle/>
           <a:p>
             <a:r>
-              <a:rPr lang="ko-KR" altLang="en-US" smtClean="0"/>
-              <a:t>사칙연산</a:t>
+              <a:rPr lang="en-US" altLang="ko-KR"/>
+              <a:t>drop_duplicates( )</a:t>
             </a:r>
             <a:endParaRPr lang="ko-KR" altLang="en-US"/>
           </a:p>
@@ -6271,55 +6447,9 @@
           </a:p>
         </p:txBody>
       </p:sp>
-      <p:sp>
-        <p:nvSpPr>
-          <p:cNvPr id="5" name="TextBox 4"/>
-          <p:cNvSpPr txBox="1"/>
-          <p:nvPr/>
-        </p:nvSpPr>
-        <p:spPr>
-          <a:xfrm>
-            <a:off x="4716016" y="1650286"/>
-            <a:ext cx="2890535" cy="338554"/>
-          </a:xfrm>
-          <a:prstGeom prst="rect">
-            <a:avLst/>
-          </a:prstGeom>
-          <a:noFill/>
-        </p:spPr>
-        <p:txBody>
-          <a:bodyPr wrap="none" rtlCol="0">
-            <a:spAutoFit/>
-          </a:bodyPr>
-          <a:lstStyle/>
-          <a:p>
-            <a:r>
-              <a:rPr lang="en-US" altLang="ko-KR" sz="1600" smtClean="0">
-                <a:solidFill>
-                  <a:schemeClr val="accent1"/>
-                </a:solidFill>
-              </a:rPr>
-              <a:t>numpy </a:t>
-            </a:r>
-            <a:r>
-              <a:rPr lang="ko-KR" altLang="en-US" sz="1600" smtClean="0">
-                <a:solidFill>
-                  <a:schemeClr val="accent1"/>
-                </a:solidFill>
-              </a:rPr>
-              <a:t>처럼 항목별로 연산됨</a:t>
-            </a:r>
-            <a:endParaRPr lang="ko-KR" altLang="en-US" sz="1600">
-              <a:solidFill>
-                <a:schemeClr val="accent1"/>
-              </a:solidFill>
-            </a:endParaRPr>
-          </a:p>
-        </p:txBody>
-      </p:sp>
       <p:pic>
         <p:nvPicPr>
-          <p:cNvPr id="6" name="그림 5"/>
+          <p:cNvPr id="4" name="그림 3"/>
           <p:cNvPicPr>
             <a:picLocks noChangeAspect="1"/>
           </p:cNvPicPr>
@@ -6333,8 +6463,8 @@
         </p:blipFill>
         <p:spPr>
           <a:xfrm>
-            <a:off x="899592" y="1461531"/>
-            <a:ext cx="3073206" cy="4896546"/>
+            <a:off x="2555776" y="2276870"/>
+            <a:ext cx="3635068" cy="4032450"/>
           </a:xfrm>
           <a:prstGeom prst="rect">
             <a:avLst/>
@@ -6343,14 +6473,14 @@
       </p:pic>
       <p:sp>
         <p:nvSpPr>
-          <p:cNvPr id="7" name="TextBox 6"/>
+          <p:cNvPr id="5" name="TextBox 4"/>
           <p:cNvSpPr txBox="1"/>
           <p:nvPr/>
         </p:nvSpPr>
         <p:spPr>
           <a:xfrm>
-            <a:off x="4716016" y="3713520"/>
-            <a:ext cx="2685351" cy="338554"/>
+            <a:off x="2409969" y="1417638"/>
+            <a:ext cx="4466287" cy="584775"/>
           </a:xfrm>
           <a:prstGeom prst="rect">
             <a:avLst/>
@@ -6363,103 +6493,44 @@
           </a:bodyPr>
           <a:lstStyle/>
           <a:p>
-            <a:r>
-              <a:rPr lang="en-US" altLang="ko-KR" sz="1600" smtClean="0">
+            <a:pPr marL="285750" indent="-285750">
+              <a:buFont typeface="Arial" panose="020B0604020202020204" pitchFamily="34" charset="0"/>
+              <a:buChar char="•"/>
+            </a:pPr>
+            <a:r>
+              <a:rPr lang="ko-KR" altLang="en-US" sz="1600">
                 <a:solidFill>
                   <a:schemeClr val="accent1"/>
                 </a:solidFill>
               </a:rPr>
-              <a:t>numpy </a:t>
-            </a:r>
-            <a:r>
-              <a:rPr lang="ko-KR" altLang="en-US" sz="1600" smtClean="0">
-                <a:solidFill>
-                  <a:schemeClr val="accent1"/>
-                </a:solidFill>
-              </a:rPr>
-              <a:t>연산함수 사용 가능</a:t>
-            </a:r>
-            <a:endParaRPr lang="ko-KR" altLang="en-US" sz="1600">
+              <a:t>완전히 같은 행이 있을 때 중복된 행을 삭제</a:t>
+            </a:r>
+            <a:endParaRPr lang="en-US" altLang="ko-KR" sz="1600">
               <a:solidFill>
                 <a:schemeClr val="accent1"/>
               </a:solidFill>
             </a:endParaRPr>
           </a:p>
-        </p:txBody>
-      </p:sp>
-      <p:sp>
-        <p:nvSpPr>
-          <p:cNvPr id="8" name="TextBox 7"/>
-          <p:cNvSpPr txBox="1"/>
-          <p:nvPr/>
-        </p:nvSpPr>
-        <p:spPr>
-          <a:xfrm>
-            <a:off x="4716016" y="5034935"/>
-            <a:ext cx="2916183" cy="584775"/>
-          </a:xfrm>
-          <a:prstGeom prst="rect">
-            <a:avLst/>
-          </a:prstGeom>
-          <a:noFill/>
-        </p:spPr>
-        <p:txBody>
-          <a:bodyPr wrap="none" rtlCol="0">
-            <a:spAutoFit/>
-          </a:bodyPr>
-          <a:lstStyle/>
-          <a:p>
-            <a:r>
-              <a:rPr lang="ko-KR" altLang="en-US" sz="1600" smtClean="0">
+          <a:p>
+            <a:pPr marL="285750" indent="-285750">
+              <a:buFont typeface="Arial" panose="020B0604020202020204" pitchFamily="34" charset="0"/>
+              <a:buChar char="•"/>
+            </a:pPr>
+            <a:r>
+              <a:rPr lang="ko-KR" altLang="en-US" sz="1600">
                 <a:solidFill>
                   <a:schemeClr val="accent1"/>
                 </a:solidFill>
               </a:rPr>
-              <a:t>모양이 같으면 연산 가능</a:t>
-            </a:r>
-            <a:endParaRPr lang="en-US" altLang="ko-KR" sz="1600" smtClean="0">
-              <a:solidFill>
-                <a:schemeClr val="accent1"/>
-              </a:solidFill>
-            </a:endParaRPr>
-          </a:p>
-          <a:p>
-            <a:r>
-              <a:rPr lang="en-US" altLang="ko-KR" sz="1600" smtClean="0">
-                <a:solidFill>
-                  <a:schemeClr val="accent1"/>
-                </a:solidFill>
-              </a:rPr>
-              <a:t>(</a:t>
-            </a:r>
-            <a:r>
-              <a:rPr lang="ko-KR" altLang="en-US" sz="1600" smtClean="0">
-                <a:solidFill>
-                  <a:schemeClr val="accent1"/>
-                </a:solidFill>
-              </a:rPr>
-              <a:t>브로드캐스팅도 적용 가능함</a:t>
-            </a:r>
-            <a:r>
-              <a:rPr lang="en-US" altLang="ko-KR" sz="1600" smtClean="0">
-                <a:solidFill>
-                  <a:schemeClr val="accent1"/>
-                </a:solidFill>
-              </a:rPr>
-              <a:t>)</a:t>
-            </a:r>
-            <a:endParaRPr lang="ko-KR" altLang="en-US" sz="1600">
-              <a:solidFill>
-                <a:schemeClr val="accent1"/>
-              </a:solidFill>
-            </a:endParaRPr>
+              <a:t>여러 속성으로 코드표를 만들 때 사용</a:t>
+            </a:r>
           </a:p>
         </p:txBody>
       </p:sp>
     </p:spTree>
     <p:extLst>
       <p:ext uri="{BB962C8B-B14F-4D97-AF65-F5344CB8AC3E}">
-        <p14:creationId xmlns:p14="http://schemas.microsoft.com/office/powerpoint/2010/main" val="2780162677"/>
+        <p14:creationId xmlns:p14="http://schemas.microsoft.com/office/powerpoint/2010/main" val="1438444062"/>
       </p:ext>
     </p:extLst>
   </p:cSld>
@@ -6502,10 +6573,9 @@
           <a:lstStyle/>
           <a:p>
             <a:r>
-              <a:rPr lang="ko-KR" altLang="en-US" smtClean="0"/>
-              <a:t>날자형 변환</a:t>
-            </a:r>
-            <a:endParaRPr lang="ko-KR" altLang="en-US"/>
+              <a:rPr lang="ko-KR" altLang="en-US"/>
+              <a:t>사칙연산</a:t>
+            </a:r>
           </a:p>
         </p:txBody>
       </p:sp>
@@ -6532,9 +6602,50 @@
           </a:p>
         </p:txBody>
       </p:sp>
+      <p:sp>
+        <p:nvSpPr>
+          <p:cNvPr id="5" name="TextBox 4"/>
+          <p:cNvSpPr txBox="1"/>
+          <p:nvPr/>
+        </p:nvSpPr>
+        <p:spPr>
+          <a:xfrm>
+            <a:off x="4716016" y="1650286"/>
+            <a:ext cx="2890535" cy="338554"/>
+          </a:xfrm>
+          <a:prstGeom prst="rect">
+            <a:avLst/>
+          </a:prstGeom>
+          <a:noFill/>
+        </p:spPr>
+        <p:txBody>
+          <a:bodyPr wrap="none" rtlCol="0">
+            <a:spAutoFit/>
+          </a:bodyPr>
+          <a:lstStyle/>
+          <a:p>
+            <a:r>
+              <a:rPr lang="en-US" altLang="ko-KR" sz="1600">
+                <a:solidFill>
+                  <a:schemeClr val="accent1"/>
+                </a:solidFill>
+              </a:rPr>
+              <a:t>numpy </a:t>
+            </a:r>
+            <a:r>
+              <a:rPr lang="ko-KR" altLang="en-US" sz="1600">
+                <a:solidFill>
+                  <a:schemeClr val="accent1"/>
+                </a:solidFill>
+              </a:rPr>
+              <a:t>처럼 항목별로 연산됨</a:t>
+            </a:r>
+          </a:p>
+        </p:txBody>
+      </p:sp>
       <p:pic>
         <p:nvPicPr>
-          <p:cNvPr id="4" name="그림 3"/>
+          <p:cNvPr id="6" name="그림 5"/>
           <p:cNvPicPr>
             <a:picLocks noChangeAspect="1"/>
           </p:cNvPicPr>
@@ -6548,8 +6659,8 @@
         </p:blipFill>
         <p:spPr>
           <a:xfrm>
-            <a:off x="179512" y="1484784"/>
-            <a:ext cx="5861342" cy="4992198"/>
+            <a:off x="899592" y="1461531"/>
+            <a:ext cx="3073206" cy="4896546"/>
           </a:xfrm>
           <a:prstGeom prst="rect">
             <a:avLst/>
@@ -6558,79 +6669,118 @@
       </p:pic>
       <p:sp>
         <p:nvSpPr>
-          <p:cNvPr id="5" name="직사각형 4"/>
-          <p:cNvSpPr/>
+          <p:cNvPr id="7" name="TextBox 6"/>
+          <p:cNvSpPr txBox="1"/>
           <p:nvPr/>
         </p:nvSpPr>
         <p:spPr>
           <a:xfrm>
-            <a:off x="1979712" y="3733362"/>
-            <a:ext cx="864096" cy="288032"/>
+            <a:off x="4716016" y="3713520"/>
+            <a:ext cx="2685351" cy="338554"/>
           </a:xfrm>
           <a:prstGeom prst="rect">
             <a:avLst/>
           </a:prstGeom>
           <a:noFill/>
-          <a:ln>
-            <a:solidFill>
-              <a:srgbClr val="00B0F0"/>
-            </a:solidFill>
-            <a:prstDash val="sysDash"/>
-          </a:ln>
-        </p:spPr>
-        <p:style>
-          <a:lnRef idx="2">
-            <a:schemeClr val="accent1">
-              <a:shade val="50000"/>
-            </a:schemeClr>
-          </a:lnRef>
-          <a:fillRef idx="1">
-            <a:schemeClr val="accent1"/>
-          </a:fillRef>
-          <a:effectRef idx="0">
-            <a:schemeClr val="accent1"/>
-          </a:effectRef>
-          <a:fontRef idx="minor">
-            <a:schemeClr val="lt1"/>
-          </a:fontRef>
-        </p:style>
-        <p:txBody>
-          <a:bodyPr rtlCol="0" anchor="ctr"/>
-          <a:lstStyle/>
-          <a:p>
-            <a:pPr algn="ctr"/>
-            <a:endParaRPr lang="ko-KR" altLang="en-US"/>
-          </a:p>
-        </p:txBody>
-      </p:sp>
-      <p:pic>
-        <p:nvPicPr>
-          <p:cNvPr id="6" name="그림 5"/>
-          <p:cNvPicPr>
-            <a:picLocks noChangeAspect="1"/>
-          </p:cNvPicPr>
+        </p:spPr>
+        <p:txBody>
+          <a:bodyPr wrap="none" rtlCol="0">
+            <a:spAutoFit/>
+          </a:bodyPr>
+          <a:lstStyle/>
+          <a:p>
+            <a:r>
+              <a:rPr lang="en-US" altLang="ko-KR" sz="1600">
+                <a:solidFill>
+                  <a:schemeClr val="accent1"/>
+                </a:solidFill>
+              </a:rPr>
+              <a:t>numpy </a:t>
+            </a:r>
+            <a:r>
+              <a:rPr lang="ko-KR" altLang="en-US" sz="1600">
+                <a:solidFill>
+                  <a:schemeClr val="accent1"/>
+                </a:solidFill>
+              </a:rPr>
+              <a:t>연산함수 사용 가능</a:t>
+            </a:r>
+          </a:p>
+        </p:txBody>
+      </p:sp>
+      <p:sp>
+        <p:nvSpPr>
+          <p:cNvPr id="8" name="TextBox 7"/>
+          <p:cNvSpPr txBox="1"/>
           <p:nvPr/>
-        </p:nvPicPr>
-        <p:blipFill>
-          <a:blip r:embed="rId3"/>
-          <a:stretch>
-            <a:fillRect/>
-          </a:stretch>
-        </p:blipFill>
-        <p:spPr>
-          <a:xfrm>
-            <a:off x="6341932" y="1484784"/>
-            <a:ext cx="2262516" cy="1484326"/>
+        </p:nvSpPr>
+        <p:spPr>
+          <a:xfrm>
+            <a:off x="4716016" y="5034935"/>
+            <a:ext cx="2916183" cy="584775"/>
           </a:xfrm>
           <a:prstGeom prst="rect">
             <a:avLst/>
           </a:prstGeom>
-        </p:spPr>
-      </p:pic>
+          <a:noFill/>
+        </p:spPr>
+        <p:txBody>
+          <a:bodyPr wrap="none" rtlCol="0">
+            <a:spAutoFit/>
+          </a:bodyPr>
+          <a:lstStyle/>
+          <a:p>
+            <a:r>
+              <a:rPr lang="ko-KR" altLang="en-US" sz="1600">
+                <a:solidFill>
+                  <a:schemeClr val="accent1"/>
+                </a:solidFill>
+              </a:rPr>
+              <a:t>모양이 같으면 연산 가능</a:t>
+            </a:r>
+            <a:endParaRPr lang="en-US" altLang="ko-KR" sz="1600">
+              <a:solidFill>
+                <a:schemeClr val="accent1"/>
+              </a:solidFill>
+            </a:endParaRPr>
+          </a:p>
+          <a:p>
+            <a:r>
+              <a:rPr lang="en-US" altLang="ko-KR" sz="1600">
+                <a:solidFill>
+                  <a:schemeClr val="accent1"/>
+                </a:solidFill>
+              </a:rPr>
+              <a:t>(</a:t>
+            </a:r>
+            <a:r>
+              <a:rPr lang="ko-KR" altLang="en-US" sz="1600">
+                <a:solidFill>
+                  <a:schemeClr val="accent1"/>
+                </a:solidFill>
+              </a:rPr>
+              <a:t>브로드캐스팅도 적용 가능함</a:t>
+            </a:r>
+            <a:r>
+              <a:rPr lang="en-US" altLang="ko-KR" sz="1600">
+                <a:solidFill>
+                  <a:schemeClr val="accent1"/>
+                </a:solidFill>
+              </a:rPr>
+              <a:t>)</a:t>
+            </a:r>
+            <a:endParaRPr lang="ko-KR" altLang="en-US" sz="1600">
+              <a:solidFill>
+                <a:schemeClr val="accent1"/>
+              </a:solidFill>
+            </a:endParaRPr>
+          </a:p>
+        </p:txBody>
+      </p:sp>
     </p:spTree>
     <p:extLst>
       <p:ext uri="{BB962C8B-B14F-4D97-AF65-F5344CB8AC3E}">
-        <p14:creationId xmlns:p14="http://schemas.microsoft.com/office/powerpoint/2010/main" val="3669928723"/>
+        <p14:creationId xmlns:p14="http://schemas.microsoft.com/office/powerpoint/2010/main" val="2780162677"/>
       </p:ext>
     </p:extLst>
   </p:cSld>
@@ -6673,14 +6823,9 @@
           <a:lstStyle/>
           <a:p>
             <a:r>
-              <a:rPr lang="ko-KR" altLang="en-US" smtClean="0"/>
-              <a:t>날자정보 뽑아내기 </a:t>
-            </a:r>
-            <a:r>
-              <a:rPr lang="en-US" altLang="ko-KR" smtClean="0"/>
-              <a:t>(dt)</a:t>
-            </a:r>
-            <a:endParaRPr lang="ko-KR" altLang="en-US"/>
+              <a:rPr lang="ko-KR" altLang="en-US"/>
+              <a:t>날자형 변환</a:t>
+            </a:r>
           </a:p>
         </p:txBody>
       </p:sp>
@@ -6709,7 +6854,7 @@
       </p:sp>
       <p:pic>
         <p:nvPicPr>
-          <p:cNvPr id="5" name="그림 4"/>
+          <p:cNvPr id="4" name="그림 3"/>
           <p:cNvPicPr>
             <a:picLocks noChangeAspect="1"/>
           </p:cNvPicPr>
@@ -6723,17 +6868,64 @@
         </p:blipFill>
         <p:spPr>
           <a:xfrm>
-            <a:off x="1115618" y="1374982"/>
-            <a:ext cx="3600398" cy="5163496"/>
+            <a:off x="179512" y="1484784"/>
+            <a:ext cx="5861342" cy="4992198"/>
           </a:xfrm>
           <a:prstGeom prst="rect">
             <a:avLst/>
           </a:prstGeom>
         </p:spPr>
       </p:pic>
+      <p:sp>
+        <p:nvSpPr>
+          <p:cNvPr id="5" name="직사각형 4"/>
+          <p:cNvSpPr/>
+          <p:nvPr/>
+        </p:nvSpPr>
+        <p:spPr>
+          <a:xfrm>
+            <a:off x="1979712" y="3733362"/>
+            <a:ext cx="864096" cy="288032"/>
+          </a:xfrm>
+          <a:prstGeom prst="rect">
+            <a:avLst/>
+          </a:prstGeom>
+          <a:noFill/>
+          <a:ln>
+            <a:solidFill>
+              <a:srgbClr val="00B0F0"/>
+            </a:solidFill>
+            <a:prstDash val="sysDash"/>
+          </a:ln>
+        </p:spPr>
+        <p:style>
+          <a:lnRef idx="2">
+            <a:schemeClr val="accent1">
+              <a:shade val="50000"/>
+            </a:schemeClr>
+          </a:lnRef>
+          <a:fillRef idx="1">
+            <a:schemeClr val="accent1"/>
+          </a:fillRef>
+          <a:effectRef idx="0">
+            <a:schemeClr val="accent1"/>
+          </a:effectRef>
+          <a:fontRef idx="minor">
+            <a:schemeClr val="lt1"/>
+          </a:fontRef>
+        </p:style>
+        <p:txBody>
+          <a:bodyPr rtlCol="0" anchor="ctr"/>
+          <a:lstStyle/>
+          <a:p>
+            <a:pPr algn="ctr"/>
+            <a:endParaRPr lang="ko-KR" altLang="en-US"/>
+          </a:p>
+        </p:txBody>
+      </p:sp>
       <p:pic>
         <p:nvPicPr>
-          <p:cNvPr id="4" name="그림 3"/>
+          <p:cNvPr id="6" name="그림 5"/>
           <p:cNvPicPr>
             <a:picLocks noChangeAspect="1"/>
           </p:cNvPicPr>
@@ -6747,8 +6939,38 @@
         </p:blipFill>
         <p:spPr>
           <a:xfrm>
-            <a:off x="5148064" y="1374982"/>
-            <a:ext cx="2563340" cy="1943178"/>
+            <a:off x="6341932" y="1484784"/>
+            <a:ext cx="2262516" cy="1484326"/>
+          </a:xfrm>
+          <a:prstGeom prst="rect">
+            <a:avLst/>
+          </a:prstGeom>
+        </p:spPr>
+      </p:pic>
+      <p:pic>
+        <p:nvPicPr>
+          <p:cNvPr id="8" name="그림 7">
+            <a:extLst>
+              <a:ext uri="{FF2B5EF4-FFF2-40B4-BE49-F238E27FC236}">
+                <a16:creationId xmlns:a16="http://schemas.microsoft.com/office/drawing/2014/main" id="{80ADFE00-474E-4CD6-9112-C19AAC5BA149}"/>
+              </a:ext>
+            </a:extLst>
+          </p:cNvPr>
+          <p:cNvPicPr>
+            <a:picLocks noChangeAspect="1"/>
+          </p:cNvPicPr>
+          <p:nvPr/>
+        </p:nvPicPr>
+        <p:blipFill>
+          <a:blip r:embed="rId4"/>
+          <a:stretch>
+            <a:fillRect/>
+          </a:stretch>
+        </p:blipFill>
+        <p:spPr>
+          <a:xfrm>
+            <a:off x="5851756" y="3009933"/>
+            <a:ext cx="3056332" cy="1941900"/>
           </a:xfrm>
           <a:prstGeom prst="rect">
             <a:avLst/>
@@ -6758,7 +6980,7 @@
     </p:spTree>
     <p:extLst>
       <p:ext uri="{BB962C8B-B14F-4D97-AF65-F5344CB8AC3E}">
-        <p14:creationId xmlns:p14="http://schemas.microsoft.com/office/powerpoint/2010/main" val="2247168204"/>
+        <p14:creationId xmlns:p14="http://schemas.microsoft.com/office/powerpoint/2010/main" val="3669928723"/>
       </p:ext>
     </p:extLst>
   </p:cSld>
@@ -6801,12 +7023,12 @@
           <a:lstStyle/>
           <a:p>
             <a:r>
-              <a:rPr lang="ko-KR" altLang="en-US" smtClean="0"/>
-              <a:t>연속된 날자 생성 </a:t>
-            </a:r>
-            <a:r>
-              <a:rPr lang="en-US" altLang="ko-KR" smtClean="0"/>
-              <a:t>(date_range)</a:t>
+              <a:rPr lang="ko-KR" altLang="en-US"/>
+              <a:t>날자정보 뽑아내기 </a:t>
+            </a:r>
+            <a:r>
+              <a:rPr lang="en-US" altLang="ko-KR"/>
+              <a:t>(dt)</a:t>
             </a:r>
             <a:endParaRPr lang="ko-KR" altLang="en-US"/>
           </a:p>
@@ -6837,7 +7059,7 @@
       </p:sp>
       <p:pic>
         <p:nvPicPr>
-          <p:cNvPr id="4" name="그림 3"/>
+          <p:cNvPr id="5" name="그림 4"/>
           <p:cNvPicPr>
             <a:picLocks noChangeAspect="1"/>
           </p:cNvPicPr>
@@ -6851,8 +7073,32 @@
         </p:blipFill>
         <p:spPr>
           <a:xfrm>
-            <a:off x="2362318" y="1412774"/>
-            <a:ext cx="4419364" cy="5040562"/>
+            <a:off x="1115618" y="1374982"/>
+            <a:ext cx="3600398" cy="5163496"/>
+          </a:xfrm>
+          <a:prstGeom prst="rect">
+            <a:avLst/>
+          </a:prstGeom>
+        </p:spPr>
+      </p:pic>
+      <p:pic>
+        <p:nvPicPr>
+          <p:cNvPr id="4" name="그림 3"/>
+          <p:cNvPicPr>
+            <a:picLocks noChangeAspect="1"/>
+          </p:cNvPicPr>
+          <p:nvPr/>
+        </p:nvPicPr>
+        <p:blipFill>
+          <a:blip r:embed="rId3"/>
+          <a:stretch>
+            <a:fillRect/>
+          </a:stretch>
+        </p:blipFill>
+        <p:spPr>
+          <a:xfrm>
+            <a:off x="5148064" y="1374982"/>
+            <a:ext cx="2563340" cy="1943178"/>
           </a:xfrm>
           <a:prstGeom prst="rect">
             <a:avLst/>
@@ -6862,7 +7108,7 @@
     </p:spTree>
     <p:extLst>
       <p:ext uri="{BB962C8B-B14F-4D97-AF65-F5344CB8AC3E}">
-        <p14:creationId xmlns:p14="http://schemas.microsoft.com/office/powerpoint/2010/main" val="34123596"/>
+        <p14:creationId xmlns:p14="http://schemas.microsoft.com/office/powerpoint/2010/main" val="2247168204"/>
       </p:ext>
     </p:extLst>
   </p:cSld>
@@ -6905,12 +7151,12 @@
           <a:lstStyle/>
           <a:p>
             <a:r>
-              <a:rPr lang="ko-KR" altLang="en-US" smtClean="0"/>
-              <a:t>문자열 처리 </a:t>
-            </a:r>
-            <a:r>
-              <a:rPr lang="en-US" altLang="ko-KR" smtClean="0"/>
-              <a:t>(str)</a:t>
+              <a:rPr lang="ko-KR" altLang="en-US"/>
+              <a:t>연속된 날자 생성 </a:t>
+            </a:r>
+            <a:r>
+              <a:rPr lang="en-US" altLang="ko-KR"/>
+              <a:t>(date_range)</a:t>
             </a:r>
             <a:endParaRPr lang="ko-KR" altLang="en-US"/>
           </a:p>
@@ -6955,8 +7201,8 @@
         </p:blipFill>
         <p:spPr>
           <a:xfrm>
-            <a:off x="1619672" y="1772816"/>
-            <a:ext cx="5086382" cy="4320480"/>
+            <a:off x="2362318" y="1412774"/>
+            <a:ext cx="4419364" cy="5040562"/>
           </a:xfrm>
           <a:prstGeom prst="rect">
             <a:avLst/>
@@ -6966,7 +7212,7 @@
     </p:spTree>
     <p:extLst>
       <p:ext uri="{BB962C8B-B14F-4D97-AF65-F5344CB8AC3E}">
-        <p14:creationId xmlns:p14="http://schemas.microsoft.com/office/powerpoint/2010/main" val="798611291"/>
+        <p14:creationId xmlns:p14="http://schemas.microsoft.com/office/powerpoint/2010/main" val="34123596"/>
       </p:ext>
     </p:extLst>
   </p:cSld>
@@ -7009,8 +7255,12 @@
           <a:lstStyle/>
           <a:p>
             <a:r>
-              <a:rPr lang="ko-KR" altLang="en-US" smtClean="0"/>
-              <a:t>조건 검색</a:t>
+              <a:rPr lang="ko-KR" altLang="en-US"/>
+              <a:t>문자열 처리 </a:t>
+            </a:r>
+            <a:r>
+              <a:rPr lang="en-US" altLang="ko-KR"/>
+              <a:t>(str)</a:t>
             </a:r>
             <a:endParaRPr lang="ko-KR" altLang="en-US"/>
           </a:p>
@@ -7055,65 +7305,18 @@
         </p:blipFill>
         <p:spPr>
           <a:xfrm>
-            <a:off x="1874976" y="1988840"/>
-            <a:ext cx="4713248" cy="4320480"/>
+            <a:off x="1619672" y="1772816"/>
+            <a:ext cx="5086382" cy="4320480"/>
           </a:xfrm>
           <a:prstGeom prst="rect">
             <a:avLst/>
           </a:prstGeom>
         </p:spPr>
       </p:pic>
-      <p:sp>
-        <p:nvSpPr>
-          <p:cNvPr id="5" name="TextBox 4"/>
-          <p:cNvSpPr txBox="1"/>
-          <p:nvPr/>
-        </p:nvSpPr>
-        <p:spPr>
-          <a:xfrm>
-            <a:off x="3126732" y="1417638"/>
-            <a:ext cx="2890535" cy="338554"/>
-          </a:xfrm>
-          <a:prstGeom prst="rect">
-            <a:avLst/>
-          </a:prstGeom>
-          <a:noFill/>
-        </p:spPr>
-        <p:txBody>
-          <a:bodyPr wrap="none" rtlCol="0">
-            <a:spAutoFit/>
-          </a:bodyPr>
-          <a:lstStyle/>
-          <a:p>
-            <a:pPr algn="ctr"/>
-            <a:r>
-              <a:rPr lang="en-US" altLang="ko-KR" sz="1600" smtClean="0">
-                <a:solidFill>
-                  <a:schemeClr val="accent1"/>
-                </a:solidFill>
-              </a:rPr>
-              <a:t>numpy </a:t>
-            </a:r>
-            <a:r>
-              <a:rPr lang="ko-KR" altLang="en-US" sz="1600" smtClean="0">
-                <a:solidFill>
-                  <a:schemeClr val="accent1"/>
-                </a:solidFill>
-              </a:rPr>
-              <a:t>와 사용법이 유사하다</a:t>
-            </a:r>
-            <a:endParaRPr lang="ko-KR" altLang="en-US" sz="1600">
-              <a:solidFill>
-                <a:schemeClr val="accent1"/>
-              </a:solidFill>
-            </a:endParaRPr>
-          </a:p>
-        </p:txBody>
-      </p:sp>
     </p:spTree>
     <p:extLst>
       <p:ext uri="{BB962C8B-B14F-4D97-AF65-F5344CB8AC3E}">
-        <p14:creationId xmlns:p14="http://schemas.microsoft.com/office/powerpoint/2010/main" val="4167135888"/>
+        <p14:creationId xmlns:p14="http://schemas.microsoft.com/office/powerpoint/2010/main" val="798611291"/>
       </p:ext>
     </p:extLst>
   </p:cSld>
@@ -7156,10 +7359,9 @@
           <a:lstStyle/>
           <a:p>
             <a:r>
-              <a:rPr lang="en-US" altLang="ko-KR" smtClean="0"/>
-              <a:t>value_counts( )</a:t>
-            </a:r>
-            <a:endParaRPr lang="ko-KR" altLang="en-US"/>
+              <a:rPr lang="ko-KR" altLang="en-US"/>
+              <a:t>조건 검색</a:t>
+            </a:r>
           </a:p>
         </p:txBody>
       </p:sp>
@@ -7202,8 +7404,8 @@
         </p:blipFill>
         <p:spPr>
           <a:xfrm>
-            <a:off x="539550" y="1291920"/>
-            <a:ext cx="3168354" cy="5521456"/>
+            <a:off x="1874976" y="1988840"/>
+            <a:ext cx="4713248" cy="4320480"/>
           </a:xfrm>
           <a:prstGeom prst="rect">
             <a:avLst/>
@@ -7218,8 +7420,8 @@
         </p:nvSpPr>
         <p:spPr>
           <a:xfrm>
-            <a:off x="4782289" y="3060249"/>
-            <a:ext cx="3046027" cy="584775"/>
+            <a:off x="3126732" y="1417638"/>
+            <a:ext cx="2890535" cy="338554"/>
           </a:xfrm>
           <a:prstGeom prst="rect">
             <a:avLst/>
@@ -7232,126 +7434,30 @@
           </a:bodyPr>
           <a:lstStyle/>
           <a:p>
-            <a:r>
-              <a:rPr lang="ko-KR" altLang="en-US" sz="1600" smtClean="0">
+            <a:pPr algn="ctr"/>
+            <a:r>
+              <a:rPr lang="en-US" altLang="ko-KR" sz="1600">
                 <a:solidFill>
                   <a:schemeClr val="accent1"/>
                 </a:solidFill>
               </a:rPr>
-              <a:t>발생 횟수를 출력함</a:t>
-            </a:r>
-            <a:endParaRPr lang="en-US" altLang="ko-KR" sz="1600" smtClean="0">
-              <a:solidFill>
-                <a:schemeClr val="accent1"/>
-              </a:solidFill>
-            </a:endParaRPr>
-          </a:p>
-          <a:p>
-            <a:r>
-              <a:rPr lang="en-US" altLang="ko-KR" sz="1600" smtClean="0">
+              <a:t>numpy </a:t>
+            </a:r>
+            <a:r>
+              <a:rPr lang="ko-KR" altLang="en-US" sz="1600">
                 <a:solidFill>
                   <a:schemeClr val="accent1"/>
                 </a:solidFill>
               </a:rPr>
-              <a:t>1</a:t>
-            </a:r>
-            <a:r>
-              <a:rPr lang="ko-KR" altLang="en-US" sz="1600" smtClean="0">
-                <a:solidFill>
-                  <a:schemeClr val="accent1"/>
-                </a:solidFill>
-              </a:rPr>
-              <a:t>차원 데이터</a:t>
-            </a:r>
-            <a:r>
-              <a:rPr lang="en-US" altLang="ko-KR" sz="1600" smtClean="0">
-                <a:solidFill>
-                  <a:schemeClr val="accent1"/>
-                </a:solidFill>
-              </a:rPr>
-              <a:t>(pd.Series)</a:t>
-            </a:r>
-            <a:r>
-              <a:rPr lang="ko-KR" altLang="en-US" sz="1600" smtClean="0">
-                <a:solidFill>
-                  <a:schemeClr val="accent1"/>
-                </a:solidFill>
-              </a:rPr>
-              <a:t>에 적용</a:t>
-            </a:r>
-            <a:endParaRPr lang="ko-KR" altLang="en-US" sz="1600">
-              <a:solidFill>
-                <a:schemeClr val="accent1"/>
-              </a:solidFill>
-            </a:endParaRPr>
-          </a:p>
-        </p:txBody>
-      </p:sp>
-      <p:sp>
-        <p:nvSpPr>
-          <p:cNvPr id="6" name="TextBox 5"/>
-          <p:cNvSpPr txBox="1"/>
-          <p:nvPr/>
-        </p:nvSpPr>
-        <p:spPr>
-          <a:xfrm>
-            <a:off x="4782289" y="4509120"/>
-            <a:ext cx="2911374" cy="584775"/>
-          </a:xfrm>
-          <a:prstGeom prst="rect">
-            <a:avLst/>
-          </a:prstGeom>
-          <a:noFill/>
-        </p:spPr>
-        <p:txBody>
-          <a:bodyPr wrap="none" rtlCol="0">
-            <a:spAutoFit/>
-          </a:bodyPr>
-          <a:lstStyle/>
-          <a:p>
-            <a:r>
-              <a:rPr lang="ko-KR" altLang="en-US" sz="1600" smtClean="0">
-                <a:solidFill>
-                  <a:schemeClr val="accent1"/>
-                </a:solidFill>
-              </a:rPr>
-              <a:t>횟수가 많은 순서대로 출력함</a:t>
-            </a:r>
-            <a:endParaRPr lang="en-US" altLang="ko-KR" sz="1600" smtClean="0">
-              <a:solidFill>
-                <a:schemeClr val="accent1"/>
-              </a:solidFill>
-            </a:endParaRPr>
-          </a:p>
-          <a:p>
-            <a:r>
-              <a:rPr lang="en-US" altLang="ko-KR" sz="1600" smtClean="0">
-                <a:solidFill>
-                  <a:schemeClr val="accent1"/>
-                </a:solidFill>
-              </a:rPr>
-              <a:t>sort_index() </a:t>
-            </a:r>
-            <a:r>
-              <a:rPr lang="ko-KR" altLang="en-US" sz="1600" smtClean="0">
-                <a:solidFill>
-                  <a:schemeClr val="accent1"/>
-                </a:solidFill>
-              </a:rPr>
-              <a:t>는 인덱스를 정렬</a:t>
-            </a:r>
-            <a:endParaRPr lang="ko-KR" altLang="en-US" sz="1600">
-              <a:solidFill>
-                <a:schemeClr val="accent1"/>
-              </a:solidFill>
-            </a:endParaRPr>
+              <a:t>와 사용법이 유사하다</a:t>
+            </a:r>
           </a:p>
         </p:txBody>
       </p:sp>
     </p:spTree>
     <p:extLst>
       <p:ext uri="{BB962C8B-B14F-4D97-AF65-F5344CB8AC3E}">
-        <p14:creationId xmlns:p14="http://schemas.microsoft.com/office/powerpoint/2010/main" val="2497155520"/>
+        <p14:creationId xmlns:p14="http://schemas.microsoft.com/office/powerpoint/2010/main" val="4167135888"/>
       </p:ext>
     </p:extLst>
   </p:cSld>
@@ -7394,8 +7500,8 @@
           <a:lstStyle/>
           <a:p>
             <a:r>
-              <a:rPr lang="en-US" altLang="ko-KR" smtClean="0"/>
-              <a:t>sort_values( )</a:t>
+              <a:rPr lang="en-US" altLang="ko-KR"/>
+              <a:t>value_counts( )</a:t>
             </a:r>
             <a:endParaRPr lang="ko-KR" altLang="en-US"/>
           </a:p>
@@ -7426,7 +7532,7 @@
       </p:sp>
       <p:pic>
         <p:nvPicPr>
-          <p:cNvPr id="6" name="그림 5"/>
+          <p:cNvPr id="4" name="그림 3"/>
           <p:cNvPicPr>
             <a:picLocks noChangeAspect="1"/>
           </p:cNvPicPr>
@@ -7440,48 +7546,24 @@
         </p:blipFill>
         <p:spPr>
           <a:xfrm>
-            <a:off x="715546" y="1988840"/>
-            <a:ext cx="3276816" cy="4176464"/>
+            <a:off x="539550" y="1291920"/>
+            <a:ext cx="3168354" cy="5521456"/>
           </a:xfrm>
           <a:prstGeom prst="rect">
             <a:avLst/>
           </a:prstGeom>
         </p:spPr>
       </p:pic>
-      <p:pic>
-        <p:nvPicPr>
-          <p:cNvPr id="7" name="그림 6"/>
-          <p:cNvPicPr>
-            <a:picLocks noChangeAspect="1"/>
-          </p:cNvPicPr>
-          <p:nvPr/>
-        </p:nvPicPr>
-        <p:blipFill>
-          <a:blip r:embed="rId3"/>
-          <a:stretch>
-            <a:fillRect/>
-          </a:stretch>
-        </p:blipFill>
-        <p:spPr>
-          <a:xfrm>
-            <a:off x="4472296" y="1988840"/>
-            <a:ext cx="3772112" cy="2947384"/>
-          </a:xfrm>
-          <a:prstGeom prst="rect">
-            <a:avLst/>
-          </a:prstGeom>
-        </p:spPr>
-      </p:pic>
-      <p:sp>
-        <p:nvSpPr>
-          <p:cNvPr id="8" name="TextBox 7"/>
+      <p:sp>
+        <p:nvSpPr>
+          <p:cNvPr id="5" name="TextBox 4"/>
           <p:cNvSpPr txBox="1"/>
           <p:nvPr/>
         </p:nvSpPr>
         <p:spPr>
           <a:xfrm>
-            <a:off x="3001698" y="1362254"/>
-            <a:ext cx="3140603" cy="338554"/>
+            <a:off x="4782289" y="3060249"/>
+            <a:ext cx="3046027" cy="584775"/>
           </a:xfrm>
           <a:prstGeom prst="rect">
             <a:avLst/>
@@ -7495,25 +7577,115 @@
           <a:lstStyle/>
           <a:p>
             <a:r>
-              <a:rPr lang="ko-KR" altLang="en-US" sz="1600" smtClean="0">
+              <a:rPr lang="ko-KR" altLang="en-US" sz="1600">
                 <a:solidFill>
                   <a:schemeClr val="accent1"/>
                 </a:solidFill>
               </a:rPr>
-              <a:t>지정한 속성에 대해 정렬해 준다</a:t>
-            </a:r>
-            <a:endParaRPr lang="ko-KR" altLang="en-US" sz="1600">
+              <a:t>발생 횟수를 출력함</a:t>
+            </a:r>
+            <a:endParaRPr lang="en-US" altLang="ko-KR" sz="1600">
               <a:solidFill>
                 <a:schemeClr val="accent1"/>
               </a:solidFill>
             </a:endParaRPr>
           </a:p>
+          <a:p>
+            <a:r>
+              <a:rPr lang="en-US" altLang="ko-KR" sz="1600">
+                <a:solidFill>
+                  <a:schemeClr val="accent1"/>
+                </a:solidFill>
+              </a:rPr>
+              <a:t>1</a:t>
+            </a:r>
+            <a:r>
+              <a:rPr lang="ko-KR" altLang="en-US" sz="1600">
+                <a:solidFill>
+                  <a:schemeClr val="accent1"/>
+                </a:solidFill>
+              </a:rPr>
+              <a:t>차원 데이터</a:t>
+            </a:r>
+            <a:r>
+              <a:rPr lang="en-US" altLang="ko-KR" sz="1600">
+                <a:solidFill>
+                  <a:schemeClr val="accent1"/>
+                </a:solidFill>
+              </a:rPr>
+              <a:t>(pd.Series)</a:t>
+            </a:r>
+            <a:r>
+              <a:rPr lang="ko-KR" altLang="en-US" sz="1600">
+                <a:solidFill>
+                  <a:schemeClr val="accent1"/>
+                </a:solidFill>
+              </a:rPr>
+              <a:t>에 적용</a:t>
+            </a:r>
+          </a:p>
+        </p:txBody>
+      </p:sp>
+      <p:sp>
+        <p:nvSpPr>
+          <p:cNvPr id="6" name="TextBox 5"/>
+          <p:cNvSpPr txBox="1"/>
+          <p:nvPr/>
+        </p:nvSpPr>
+        <p:spPr>
+          <a:xfrm>
+            <a:off x="4782289" y="4509120"/>
+            <a:ext cx="2911374" cy="584775"/>
+          </a:xfrm>
+          <a:prstGeom prst="rect">
+            <a:avLst/>
+          </a:prstGeom>
+          <a:noFill/>
+        </p:spPr>
+        <p:txBody>
+          <a:bodyPr wrap="none" rtlCol="0">
+            <a:spAutoFit/>
+          </a:bodyPr>
+          <a:lstStyle/>
+          <a:p>
+            <a:r>
+              <a:rPr lang="ko-KR" altLang="en-US" sz="1600">
+                <a:solidFill>
+                  <a:schemeClr val="accent1"/>
+                </a:solidFill>
+              </a:rPr>
+              <a:t>횟수가 많은 순서대로 출력함</a:t>
+            </a:r>
+            <a:endParaRPr lang="en-US" altLang="ko-KR" sz="1600">
+              <a:solidFill>
+                <a:schemeClr val="accent1"/>
+              </a:solidFill>
+            </a:endParaRPr>
+          </a:p>
+          <a:p>
+            <a:r>
+              <a:rPr lang="en-US" altLang="ko-KR" sz="1600">
+                <a:solidFill>
+                  <a:schemeClr val="accent1"/>
+                </a:solidFill>
+              </a:rPr>
+              <a:t>sort_index() </a:t>
+            </a:r>
+            <a:r>
+              <a:rPr lang="ko-KR" altLang="en-US" sz="1600">
+                <a:solidFill>
+                  <a:schemeClr val="accent1"/>
+                </a:solidFill>
+              </a:rPr>
+              <a:t>는 인덱스를 정렬</a:t>
+            </a:r>
+          </a:p>
         </p:txBody>
       </p:sp>
     </p:spTree>
     <p:extLst>
       <p:ext uri="{BB962C8B-B14F-4D97-AF65-F5344CB8AC3E}">
-        <p14:creationId xmlns:p14="http://schemas.microsoft.com/office/powerpoint/2010/main" val="2434249860"/>
+        <p14:creationId xmlns:p14="http://schemas.microsoft.com/office/powerpoint/2010/main" val="2497155520"/>
       </p:ext>
     </p:extLst>
   </p:cSld>
@@ -7556,12 +7728,8 @@
           <a:lstStyle/>
           <a:p>
             <a:r>
-              <a:rPr lang="en-US" altLang="ko-KR" smtClean="0"/>
-              <a:t>NULL </a:t>
-            </a:r>
-            <a:r>
-              <a:rPr lang="ko-KR" altLang="en-US" smtClean="0"/>
-              <a:t>값 처리</a:t>
+              <a:rPr lang="en-US" altLang="ko-KR"/>
+              <a:t>sort_values( )</a:t>
             </a:r>
             <a:endParaRPr lang="ko-KR" altLang="en-US"/>
           </a:p>
@@ -7592,7 +7760,7 @@
       </p:sp>
       <p:pic>
         <p:nvPicPr>
-          <p:cNvPr id="4" name="그림 3"/>
+          <p:cNvPr id="6" name="그림 5"/>
           <p:cNvPicPr>
             <a:picLocks noChangeAspect="1"/>
           </p:cNvPicPr>
@@ -7606,8 +7774,8 @@
         </p:blipFill>
         <p:spPr>
           <a:xfrm>
-            <a:off x="971600" y="1412776"/>
-            <a:ext cx="2209268" cy="5255490"/>
+            <a:off x="715546" y="1988840"/>
+            <a:ext cx="3276816" cy="4176464"/>
           </a:xfrm>
           <a:prstGeom prst="rect">
             <a:avLst/>
@@ -7616,7 +7784,7 @@
       </p:pic>
       <p:pic>
         <p:nvPicPr>
-          <p:cNvPr id="5" name="그림 4"/>
+          <p:cNvPr id="7" name="그림 6"/>
           <p:cNvPicPr>
             <a:picLocks noChangeAspect="1"/>
           </p:cNvPicPr>
@@ -7630,48 +7798,24 @@
         </p:blipFill>
         <p:spPr>
           <a:xfrm>
-            <a:off x="3468900" y="1412776"/>
-            <a:ext cx="1935576" cy="3024336"/>
+            <a:off x="4472296" y="1988840"/>
+            <a:ext cx="3772112" cy="2947384"/>
           </a:xfrm>
           <a:prstGeom prst="rect">
             <a:avLst/>
           </a:prstGeom>
         </p:spPr>
       </p:pic>
-      <p:pic>
-        <p:nvPicPr>
-          <p:cNvPr id="6" name="그림 5"/>
-          <p:cNvPicPr>
-            <a:picLocks noChangeAspect="1"/>
-          </p:cNvPicPr>
-          <p:nvPr/>
-        </p:nvPicPr>
-        <p:blipFill>
-          <a:blip r:embed="rId4"/>
-          <a:stretch>
-            <a:fillRect/>
-          </a:stretch>
-        </p:blipFill>
-        <p:spPr>
-          <a:xfrm>
-            <a:off x="5917172" y="1340768"/>
-            <a:ext cx="1968986" cy="3013900"/>
-          </a:xfrm>
-          <a:prstGeom prst="rect">
-            <a:avLst/>
-          </a:prstGeom>
-        </p:spPr>
-      </p:pic>
-      <p:sp>
-        <p:nvSpPr>
-          <p:cNvPr id="7" name="TextBox 6"/>
+      <p:sp>
+        <p:nvSpPr>
+          <p:cNvPr id="8" name="TextBox 7"/>
           <p:cNvSpPr txBox="1"/>
           <p:nvPr/>
         </p:nvSpPr>
         <p:spPr>
           <a:xfrm>
-            <a:off x="3722397" y="5016955"/>
-            <a:ext cx="4020652" cy="584775"/>
+            <a:off x="3001698" y="1362254"/>
+            <a:ext cx="3140603" cy="338554"/>
           </a:xfrm>
           <a:prstGeom prst="rect">
             <a:avLst/>
@@ -7685,60 +7829,20 @@
           <a:lstStyle/>
           <a:p>
             <a:r>
-              <a:rPr lang="ko-KR" altLang="en-US" sz="1600" smtClean="0">
+              <a:rPr lang="ko-KR" altLang="en-US" sz="1600">
                 <a:solidFill>
                   <a:schemeClr val="accent1"/>
                 </a:solidFill>
               </a:rPr>
-              <a:t>데이터 전처리에서 널값 확인은 필수이다</a:t>
-            </a:r>
-            <a:r>
-              <a:rPr lang="en-US" altLang="ko-KR" sz="1600" smtClean="0">
-                <a:solidFill>
-                  <a:schemeClr val="accent1"/>
-                </a:solidFill>
-              </a:rPr>
-              <a:t>!</a:t>
-            </a:r>
-          </a:p>
-          <a:p>
-            <a:r>
-              <a:rPr lang="en-US" altLang="ko-KR" sz="1600" smtClean="0">
-                <a:solidFill>
-                  <a:schemeClr val="accent1"/>
-                </a:solidFill>
-                <a:sym typeface="Wingdings" panose="05000000000000000000" pitchFamily="2" charset="2"/>
-              </a:rPr>
-              <a:t> </a:t>
-            </a:r>
-            <a:r>
-              <a:rPr lang="en-US" altLang="ko-KR" sz="1600" smtClean="0">
-                <a:solidFill>
-                  <a:schemeClr val="accent1"/>
-                </a:solidFill>
-              </a:rPr>
-              <a:t>info() </a:t>
-            </a:r>
-            <a:r>
-              <a:rPr lang="ko-KR" altLang="en-US" sz="1600" smtClean="0">
-                <a:solidFill>
-                  <a:schemeClr val="accent1"/>
-                </a:solidFill>
-              </a:rPr>
-              <a:t>함수에서 널값 확인</a:t>
-            </a:r>
-            <a:endParaRPr lang="ko-KR" altLang="en-US" sz="1600">
-              <a:solidFill>
-                <a:schemeClr val="accent1"/>
-              </a:solidFill>
-            </a:endParaRPr>
+              <a:t>지정한 속성에 대해 정렬해 준다</a:t>
+            </a:r>
           </a:p>
         </p:txBody>
       </p:sp>
     </p:spTree>
     <p:extLst>
       <p:ext uri="{BB962C8B-B14F-4D97-AF65-F5344CB8AC3E}">
-        <p14:creationId xmlns:p14="http://schemas.microsoft.com/office/powerpoint/2010/main" val="2320077046"/>
+        <p14:creationId xmlns:p14="http://schemas.microsoft.com/office/powerpoint/2010/main" val="2434249860"/>
       </p:ext>
     </p:extLst>
   </p:cSld>
@@ -7783,15 +7887,15 @@
           <a:lstStyle/>
           <a:p>
             <a:r>
-              <a:rPr lang="en-US" altLang="ko-KR" smtClean="0"/>
+              <a:rPr lang="en-US" altLang="ko-KR"/>
               <a:t>pandas </a:t>
             </a:r>
             <a:r>
-              <a:rPr lang="ko-KR" altLang="en-US" smtClean="0"/>
+              <a:rPr lang="ko-KR" altLang="en-US"/>
               <a:t>와 </a:t>
             </a:r>
             <a:r>
-              <a:rPr lang="en-US" altLang="ko-KR" err="1" smtClean="0"/>
+              <a:rPr lang="en-US" altLang="ko-KR" err="1"/>
               <a:t>dict</a:t>
             </a:r>
             <a:endParaRPr lang="ko-KR" altLang="en-US"/>
@@ -7821,15 +7925,15 @@
           <a:lstStyle/>
           <a:p>
             <a:r>
-              <a:rPr lang="en-US" altLang="ko-KR" sz="2400" smtClean="0"/>
+              <a:rPr lang="en-US" altLang="ko-KR" sz="2400"/>
               <a:t>pandas </a:t>
             </a:r>
             <a:r>
-              <a:rPr lang="ko-KR" altLang="en-US" sz="2400" smtClean="0"/>
+              <a:rPr lang="ko-KR" altLang="en-US" sz="2400"/>
               <a:t>는 </a:t>
             </a:r>
             <a:r>
-              <a:rPr lang="en-US" altLang="ko-KR" sz="2400" b="1" err="1" smtClean="0">
+              <a:rPr lang="en-US" altLang="ko-KR" sz="2400" b="1" err="1">
                 <a:solidFill>
                   <a:srgbClr val="FF0000"/>
                 </a:solidFill>
@@ -7837,154 +7941,153 @@
               <a:t>dict</a:t>
             </a:r>
             <a:r>
-              <a:rPr lang="en-US" altLang="ko-KR" sz="2400" smtClean="0"/>
+              <a:rPr lang="en-US" altLang="ko-KR" sz="2400"/>
               <a:t> </a:t>
             </a:r>
             <a:r>
-              <a:rPr lang="ko-KR" altLang="en-US" sz="2400" smtClean="0"/>
+              <a:rPr lang="ko-KR" altLang="en-US" sz="2400"/>
               <a:t>로 부터 파생된 </a:t>
             </a:r>
             <a:r>
-              <a:rPr lang="ko-KR" altLang="en-US" sz="2400" err="1" smtClean="0"/>
+              <a:rPr lang="ko-KR" altLang="en-US" sz="2400" err="1"/>
               <a:t>자료형</a:t>
             </a:r>
-            <a:endParaRPr lang="en-US" altLang="ko-KR" sz="2400" smtClean="0"/>
+            <a:endParaRPr lang="en-US" altLang="ko-KR" sz="2400"/>
           </a:p>
           <a:p>
             <a:pPr lvl="1"/>
             <a:r>
-              <a:rPr lang="ko-KR" altLang="en-US" sz="2000" smtClean="0"/>
+              <a:rPr lang="ko-KR" altLang="en-US" sz="2000"/>
               <a:t>키</a:t>
             </a:r>
             <a:r>
-              <a:rPr lang="en-US" altLang="ko-KR" sz="2000" smtClean="0"/>
+              <a:rPr lang="en-US" altLang="ko-KR" sz="2000"/>
               <a:t>/</a:t>
             </a:r>
             <a:r>
-              <a:rPr lang="ko-KR" altLang="en-US" sz="2000" smtClean="0"/>
+              <a:rPr lang="ko-KR" altLang="en-US" sz="2000"/>
               <a:t>값 쌍으로 데이터를 관리</a:t>
             </a:r>
-            <a:endParaRPr lang="en-US" altLang="ko-KR" sz="2000" smtClean="0"/>
-          </a:p>
-          <a:p>
-            <a:endParaRPr lang="en-US" altLang="ko-KR" sz="2400" smtClean="0"/>
-          </a:p>
-          <a:p>
-            <a:r>
-              <a:rPr lang="en-US" altLang="ko-KR" sz="2400" smtClean="0"/>
+            <a:endParaRPr lang="en-US" altLang="ko-KR" sz="2000"/>
+          </a:p>
+          <a:p>
+            <a:endParaRPr lang="en-US" altLang="ko-KR" sz="2400"/>
+          </a:p>
+          <a:p>
+            <a:r>
+              <a:rPr lang="en-US" altLang="ko-KR" sz="2400"/>
               <a:t>pandas </a:t>
             </a:r>
             <a:r>
-              <a:rPr lang="ko-KR" altLang="en-US" sz="2400" smtClean="0"/>
+              <a:rPr lang="ko-KR" altLang="en-US" sz="2400"/>
               <a:t>는 외부 라이브러리</a:t>
             </a:r>
-            <a:endParaRPr lang="en-US" altLang="ko-KR" sz="2000" smtClean="0"/>
+            <a:endParaRPr lang="en-US" altLang="ko-KR" sz="2000"/>
           </a:p>
           <a:p>
             <a:pPr lvl="1"/>
             <a:r>
-              <a:rPr lang="en-US" altLang="ko-KR" sz="2000" smtClean="0"/>
+              <a:rPr lang="en-US" altLang="ko-KR" sz="2000"/>
               <a:t>pip install pandas</a:t>
             </a:r>
           </a:p>
           <a:p>
             <a:pPr lvl="1"/>
             <a:r>
-              <a:rPr lang="en-US" altLang="ko-KR" sz="2000" smtClean="0"/>
+              <a:rPr lang="en-US" altLang="ko-KR" sz="2000"/>
               <a:t>import pandas as </a:t>
             </a:r>
             <a:r>
-              <a:rPr lang="en-US" altLang="ko-KR" sz="2000" err="1" smtClean="0"/>
+              <a:rPr lang="en-US" altLang="ko-KR" sz="2000" err="1"/>
               <a:t>pd</a:t>
             </a:r>
-            <a:endParaRPr lang="en-US" altLang="ko-KR" sz="2000" smtClean="0"/>
+            <a:endParaRPr lang="en-US" altLang="ko-KR" sz="2000"/>
           </a:p>
           <a:p>
             <a:pPr lvl="1"/>
-            <a:endParaRPr lang="en-US" altLang="ko-KR" sz="2000" smtClean="0"/>
-          </a:p>
-          <a:p>
-            <a:r>
-              <a:rPr lang="en-US" altLang="ko-KR" sz="2400" smtClean="0"/>
+            <a:endParaRPr lang="en-US" altLang="ko-KR" sz="2000"/>
+          </a:p>
+          <a:p>
+            <a:r>
+              <a:rPr lang="en-US" altLang="ko-KR" sz="2400"/>
               <a:t>Pandas </a:t>
             </a:r>
             <a:r>
-              <a:rPr lang="ko-KR" altLang="en-US" sz="2400" smtClean="0"/>
+              <a:rPr lang="ko-KR" altLang="en-US" sz="2400"/>
               <a:t>를 주로 사용하는 경우</a:t>
             </a:r>
-            <a:endParaRPr lang="en-US" altLang="ko-KR" sz="2400" smtClean="0"/>
+            <a:endParaRPr lang="en-US" altLang="ko-KR" sz="2400"/>
           </a:p>
           <a:p>
             <a:pPr lvl="1"/>
             <a:r>
-              <a:rPr lang="ko-KR" altLang="en-US" sz="2000" smtClean="0"/>
+              <a:rPr lang="ko-KR" altLang="en-US" sz="2000"/>
               <a:t>숫자</a:t>
             </a:r>
             <a:r>
-              <a:rPr lang="en-US" altLang="ko-KR" sz="2000" smtClean="0"/>
+              <a:rPr lang="en-US" altLang="ko-KR" sz="2000"/>
               <a:t>/</a:t>
             </a:r>
             <a:r>
-              <a:rPr lang="ko-KR" altLang="en-US" sz="2000" smtClean="0"/>
+              <a:rPr lang="ko-KR" altLang="en-US" sz="2000"/>
               <a:t>문자</a:t>
             </a:r>
             <a:r>
-              <a:rPr lang="en-US" altLang="ko-KR" sz="2000" smtClean="0"/>
+              <a:rPr lang="en-US" altLang="ko-KR" sz="2000"/>
               <a:t>/</a:t>
             </a:r>
             <a:r>
-              <a:rPr lang="ko-KR" altLang="en-US" sz="2000" smtClean="0"/>
+              <a:rPr lang="ko-KR" altLang="en-US" sz="2000"/>
               <a:t>날자 등이 섞여 있는 데이터</a:t>
             </a:r>
-            <a:endParaRPr lang="en-US" altLang="ko-KR" sz="2000" smtClean="0"/>
+            <a:endParaRPr lang="en-US" altLang="ko-KR" sz="2000"/>
           </a:p>
           <a:p>
             <a:pPr lvl="1"/>
             <a:r>
-              <a:rPr lang="en-US" altLang="ko-KR" sz="2000" smtClean="0"/>
+              <a:rPr lang="en-US" altLang="ko-KR" sz="2000"/>
               <a:t>2</a:t>
             </a:r>
             <a:r>
-              <a:rPr lang="ko-KR" altLang="en-US" sz="2000" smtClean="0"/>
+              <a:rPr lang="ko-KR" altLang="en-US" sz="2000"/>
               <a:t>차원 </a:t>
             </a:r>
             <a:r>
-              <a:rPr lang="ko-KR" altLang="en-US" sz="2000" err="1" smtClean="0"/>
+              <a:rPr lang="ko-KR" altLang="en-US" sz="2000" err="1"/>
               <a:t>표형태의</a:t>
             </a:r>
             <a:r>
-              <a:rPr lang="ko-KR" altLang="en-US" sz="2000" smtClean="0"/>
+              <a:rPr lang="ko-KR" altLang="en-US" sz="2000"/>
               <a:t> 데이터와 </a:t>
             </a:r>
             <a:r>
-              <a:rPr lang="en-US" altLang="ko-KR" sz="2000" smtClean="0"/>
+              <a:rPr lang="en-US" altLang="ko-KR" sz="2000"/>
               <a:t>DB </a:t>
             </a:r>
             <a:r>
-              <a:rPr lang="ko-KR" altLang="en-US" sz="2000" smtClean="0"/>
+              <a:rPr lang="ko-KR" altLang="en-US" sz="2000"/>
               <a:t>연산</a:t>
             </a:r>
-            <a:endParaRPr lang="en-US" altLang="ko-KR" sz="2000" smtClean="0"/>
+            <a:endParaRPr lang="en-US" altLang="ko-KR" sz="2000"/>
           </a:p>
           <a:p>
             <a:pPr lvl="1"/>
             <a:r>
-              <a:rPr lang="ko-KR" altLang="en-US" sz="2000" err="1" smtClean="0"/>
+              <a:rPr lang="ko-KR" altLang="en-US" sz="2000" err="1"/>
               <a:t>머신러닝과</a:t>
             </a:r>
             <a:r>
-              <a:rPr lang="ko-KR" altLang="en-US" sz="2000" smtClean="0"/>
+              <a:rPr lang="ko-KR" altLang="en-US" sz="2000"/>
               <a:t> </a:t>
             </a:r>
             <a:r>
-              <a:rPr lang="ko-KR" altLang="en-US" sz="2000" err="1" smtClean="0"/>
+              <a:rPr lang="ko-KR" altLang="en-US" sz="2000" err="1"/>
               <a:t>딥러닝의</a:t>
             </a:r>
             <a:r>
-              <a:rPr lang="ko-KR" altLang="en-US" sz="2000" smtClean="0"/>
+              <a:rPr lang="ko-KR" altLang="en-US" sz="2000"/>
               <a:t> 전처리 과정</a:t>
             </a:r>
-            <a:endParaRPr lang="ko-KR" altLang="en-US" sz="2000"/>
           </a:p>
         </p:txBody>
       </p:sp>
@@ -8070,13 +8173,6 @@
   <p:clrMapOvr>
     <a:masterClrMapping/>
   </p:clrMapOvr>
-  <p:timing>
-    <p:tnLst>
-      <p:par>
-        <p:cTn id="1" dur="indefinite" restart="never" nodeType="tmRoot"/>
-      </p:par>
-    </p:tnLst>
-  </p:timing>
 </p:sld>
 </file>
 
@@ -8113,14 +8209,13 @@
           <a:lstStyle/>
           <a:p>
             <a:r>
-              <a:rPr lang="ko-KR" altLang="en-US" smtClean="0"/>
-              <a:t>형변환 </a:t>
-            </a:r>
-            <a:r>
-              <a:rPr lang="en-US" altLang="ko-KR" smtClean="0"/>
-              <a:t>(astype)</a:t>
-            </a:r>
-            <a:endParaRPr lang="ko-KR" altLang="en-US"/>
+              <a:rPr lang="en-US" altLang="ko-KR"/>
+              <a:t>NULL </a:t>
+            </a:r>
+            <a:r>
+              <a:rPr lang="ko-KR" altLang="en-US"/>
+              <a:t>값 처리</a:t>
+            </a:r>
           </a:p>
         </p:txBody>
       </p:sp>
@@ -8163,8 +8258,8 @@
         </p:blipFill>
         <p:spPr>
           <a:xfrm>
-            <a:off x="179512" y="1608684"/>
-            <a:ext cx="4066928" cy="4556620"/>
+            <a:off x="971600" y="1412776"/>
+            <a:ext cx="2209268" cy="5255490"/>
           </a:xfrm>
           <a:prstGeom prst="rect">
             <a:avLst/>
@@ -8187,18 +8282,110 @@
         </p:blipFill>
         <p:spPr>
           <a:xfrm>
-            <a:off x="4355976" y="1608684"/>
-            <a:ext cx="4609492" cy="3254252"/>
+            <a:off x="3468900" y="1412776"/>
+            <a:ext cx="1935576" cy="3024336"/>
           </a:xfrm>
           <a:prstGeom prst="rect">
             <a:avLst/>
           </a:prstGeom>
         </p:spPr>
       </p:pic>
+      <p:pic>
+        <p:nvPicPr>
+          <p:cNvPr id="6" name="그림 5"/>
+          <p:cNvPicPr>
+            <a:picLocks noChangeAspect="1"/>
+          </p:cNvPicPr>
+          <p:nvPr/>
+        </p:nvPicPr>
+        <p:blipFill>
+          <a:blip r:embed="rId4"/>
+          <a:stretch>
+            <a:fillRect/>
+          </a:stretch>
+        </p:blipFill>
+        <p:spPr>
+          <a:xfrm>
+            <a:off x="5917172" y="1340768"/>
+            <a:ext cx="1968986" cy="3013900"/>
+          </a:xfrm>
+          <a:prstGeom prst="rect">
+            <a:avLst/>
+          </a:prstGeom>
+        </p:spPr>
+      </p:pic>
+      <p:sp>
+        <p:nvSpPr>
+          <p:cNvPr id="7" name="TextBox 6"/>
+          <p:cNvSpPr txBox="1"/>
+          <p:nvPr/>
+        </p:nvSpPr>
+        <p:spPr>
+          <a:xfrm>
+            <a:off x="3722397" y="5016955"/>
+            <a:ext cx="4020652" cy="584775"/>
+          </a:xfrm>
+          <a:prstGeom prst="rect">
+            <a:avLst/>
+          </a:prstGeom>
+          <a:noFill/>
+        </p:spPr>
+        <p:txBody>
+          <a:bodyPr wrap="none" rtlCol="0">
+            <a:spAutoFit/>
+          </a:bodyPr>
+          <a:lstStyle/>
+          <a:p>
+            <a:r>
+              <a:rPr lang="ko-KR" altLang="en-US" sz="1600">
+                <a:solidFill>
+                  <a:schemeClr val="accent1"/>
+                </a:solidFill>
+              </a:rPr>
+              <a:t>데이터 전처리에서 널값 확인은 필수이다</a:t>
+            </a:r>
+            <a:r>
+              <a:rPr lang="en-US" altLang="ko-KR" sz="1600">
+                <a:solidFill>
+                  <a:schemeClr val="accent1"/>
+                </a:solidFill>
+              </a:rPr>
+              <a:t>!</a:t>
+            </a:r>
+          </a:p>
+          <a:p>
+            <a:r>
+              <a:rPr lang="en-US" altLang="ko-KR" sz="1600">
+                <a:solidFill>
+                  <a:schemeClr val="accent1"/>
+                </a:solidFill>
+                <a:sym typeface="Wingdings" panose="05000000000000000000" pitchFamily="2" charset="2"/>
+              </a:rPr>
+              <a:t> </a:t>
+            </a:r>
+            <a:r>
+              <a:rPr lang="en-US" altLang="ko-KR" sz="1600">
+                <a:solidFill>
+                  <a:schemeClr val="accent1"/>
+                </a:solidFill>
+              </a:rPr>
+              <a:t>info() </a:t>
+            </a:r>
+            <a:r>
+              <a:rPr lang="ko-KR" altLang="en-US" sz="1600">
+                <a:solidFill>
+                  <a:schemeClr val="accent1"/>
+                </a:solidFill>
+              </a:rPr>
+              <a:t>함수에서 널값 확인</a:t>
+            </a:r>
+          </a:p>
+        </p:txBody>
+      </p:sp>
     </p:spTree>
     <p:extLst>
       <p:ext uri="{BB962C8B-B14F-4D97-AF65-F5344CB8AC3E}">
-        <p14:creationId xmlns:p14="http://schemas.microsoft.com/office/powerpoint/2010/main" val="2399710437"/>
+        <p14:creationId xmlns:p14="http://schemas.microsoft.com/office/powerpoint/2010/main" val="2320077046"/>
       </p:ext>
     </p:extLst>
   </p:cSld>
@@ -8241,12 +8428,12 @@
           <a:lstStyle/>
           <a:p>
             <a:r>
-              <a:rPr lang="ko-KR" altLang="en-US" smtClean="0"/>
-              <a:t>값변환 </a:t>
-            </a:r>
-            <a:r>
-              <a:rPr lang="en-US" altLang="ko-KR" smtClean="0"/>
-              <a:t>- map( )</a:t>
+              <a:rPr lang="ko-KR" altLang="en-US"/>
+              <a:t>형변환 </a:t>
+            </a:r>
+            <a:r>
+              <a:rPr lang="en-US" altLang="ko-KR"/>
+              <a:t>(astype)</a:t>
             </a:r>
             <a:endParaRPr lang="ko-KR" altLang="en-US"/>
           </a:p>
@@ -8291,87 +8478,42 @@
         </p:blipFill>
         <p:spPr>
           <a:xfrm>
-            <a:off x="899592" y="1556792"/>
-            <a:ext cx="4896546" cy="4896546"/>
+            <a:off x="179512" y="1608684"/>
+            <a:ext cx="4066928" cy="4556620"/>
           </a:xfrm>
           <a:prstGeom prst="rect">
             <a:avLst/>
           </a:prstGeom>
         </p:spPr>
       </p:pic>
-      <p:sp>
-        <p:nvSpPr>
-          <p:cNvPr id="5" name="TextBox 4"/>
-          <p:cNvSpPr txBox="1"/>
+      <p:pic>
+        <p:nvPicPr>
+          <p:cNvPr id="5" name="그림 4"/>
+          <p:cNvPicPr>
+            <a:picLocks noChangeAspect="1"/>
+          </p:cNvPicPr>
           <p:nvPr/>
-        </p:nvSpPr>
-        <p:spPr>
-          <a:xfrm>
-            <a:off x="4067944" y="5954137"/>
-            <a:ext cx="4323620" cy="584775"/>
+        </p:nvPicPr>
+        <p:blipFill>
+          <a:blip r:embed="rId3"/>
+          <a:stretch>
+            <a:fillRect/>
+          </a:stretch>
+        </p:blipFill>
+        <p:spPr>
+          <a:xfrm>
+            <a:off x="4355976" y="1608684"/>
+            <a:ext cx="4609492" cy="3254252"/>
           </a:xfrm>
           <a:prstGeom prst="rect">
             <a:avLst/>
           </a:prstGeom>
-          <a:noFill/>
-        </p:spPr>
-        <p:txBody>
-          <a:bodyPr wrap="none" rtlCol="0">
-            <a:spAutoFit/>
-          </a:bodyPr>
-          <a:lstStyle/>
-          <a:p>
-            <a:pPr marL="285750" indent="-285750">
-              <a:buFont typeface="Arial" panose="020B0604020202020204" pitchFamily="34" charset="0"/>
-              <a:buChar char="•"/>
-            </a:pPr>
-            <a:r>
-              <a:rPr lang="en-US" altLang="ko-KR" sz="1600" smtClean="0">
-                <a:solidFill>
-                  <a:schemeClr val="accent1"/>
-                </a:solidFill>
-              </a:rPr>
-              <a:t>map </a:t>
-            </a:r>
-            <a:r>
-              <a:rPr lang="ko-KR" altLang="en-US" sz="1600" smtClean="0">
-                <a:solidFill>
-                  <a:schemeClr val="accent1"/>
-                </a:solidFill>
-              </a:rPr>
-              <a:t>함수는 하나의 속성에 주로 적용한다</a:t>
-            </a:r>
-            <a:endParaRPr lang="en-US" altLang="ko-KR" sz="1600" smtClean="0">
-              <a:solidFill>
-                <a:schemeClr val="accent1"/>
-              </a:solidFill>
-            </a:endParaRPr>
-          </a:p>
-          <a:p>
-            <a:pPr marL="285750" indent="-285750">
-              <a:buFont typeface="Arial" panose="020B0604020202020204" pitchFamily="34" charset="0"/>
-              <a:buChar char="•"/>
-            </a:pPr>
-            <a:r>
-              <a:rPr lang="ko-KR" altLang="en-US" sz="1600" smtClean="0">
-                <a:solidFill>
-                  <a:schemeClr val="accent1"/>
-                </a:solidFill>
-              </a:rPr>
-              <a:t>인자로 딕셔너리를 넣을 수 있다</a:t>
-            </a:r>
-            <a:endParaRPr lang="ko-KR" altLang="en-US" sz="1600">
-              <a:solidFill>
-                <a:schemeClr val="accent1"/>
-              </a:solidFill>
-            </a:endParaRPr>
-          </a:p>
-        </p:txBody>
-      </p:sp>
+        </p:spPr>
+      </p:pic>
     </p:spTree>
     <p:extLst>
       <p:ext uri="{BB962C8B-B14F-4D97-AF65-F5344CB8AC3E}">
-        <p14:creationId xmlns:p14="http://schemas.microsoft.com/office/powerpoint/2010/main" val="1242032762"/>
+        <p14:creationId xmlns:p14="http://schemas.microsoft.com/office/powerpoint/2010/main" val="2399710437"/>
       </p:ext>
     </p:extLst>
   </p:cSld>
@@ -8414,12 +8556,12 @@
           <a:lstStyle/>
           <a:p>
             <a:r>
-              <a:rPr lang="ko-KR" altLang="en-US" smtClean="0"/>
-              <a:t>행이나 열 변환 </a:t>
-            </a:r>
-            <a:r>
-              <a:rPr lang="en-US" altLang="ko-KR" smtClean="0"/>
-              <a:t>– apply( )</a:t>
+              <a:rPr lang="ko-KR" altLang="en-US"/>
+              <a:t>값변환 </a:t>
+            </a:r>
+            <a:r>
+              <a:rPr lang="en-US" altLang="ko-KR"/>
+              <a:t>- map( )</a:t>
             </a:r>
             <a:endParaRPr lang="ko-KR" altLang="en-US"/>
           </a:p>
@@ -8464,8 +8606,8 @@
         </p:blipFill>
         <p:spPr>
           <a:xfrm>
-            <a:off x="1115616" y="1340768"/>
-            <a:ext cx="3962400" cy="5137526"/>
+            <a:off x="899592" y="1556792"/>
+            <a:ext cx="4896546" cy="4896546"/>
           </a:xfrm>
           <a:prstGeom prst="rect">
             <a:avLst/>
@@ -8481,7 +8623,7 @@
         <p:spPr>
           <a:xfrm>
             <a:off x="4067944" y="5954137"/>
-            <a:ext cx="3988592" cy="584775"/>
+            <a:ext cx="4323620" cy="584775"/>
           </a:xfrm>
           <a:prstGeom prst="rect">
             <a:avLst/>
@@ -8499,38 +8641,22 @@
               <a:buChar char="•"/>
             </a:pPr>
             <a:r>
-              <a:rPr lang="en-US" altLang="ko-KR" sz="1600" smtClean="0">
+              <a:rPr lang="en-US" altLang="ko-KR" sz="1600">
                 <a:solidFill>
                   <a:schemeClr val="accent1"/>
                 </a:solidFill>
               </a:rPr>
-              <a:t>apply </a:t>
-            </a:r>
-            <a:r>
-              <a:rPr lang="ko-KR" altLang="en-US" sz="1600" smtClean="0">
+              <a:t>map </a:t>
+            </a:r>
+            <a:r>
+              <a:rPr lang="ko-KR" altLang="en-US" sz="1600">
                 <a:solidFill>
                   <a:schemeClr val="accent1"/>
                 </a:solidFill>
               </a:rPr>
-              <a:t>함수는 </a:t>
-            </a:r>
-            <a:r>
-              <a:rPr lang="en-US" altLang="ko-KR" sz="1600" smtClean="0">
-                <a:solidFill>
-                  <a:schemeClr val="accent1"/>
-                </a:solidFill>
-              </a:rPr>
-              <a:t>DataFrame </a:t>
-            </a:r>
-            <a:r>
-              <a:rPr lang="ko-KR" altLang="en-US" sz="1600" smtClean="0">
-                <a:solidFill>
-                  <a:schemeClr val="accent1"/>
-                </a:solidFill>
-              </a:rPr>
-              <a:t>에 주로 적용</a:t>
-            </a:r>
-            <a:endParaRPr lang="en-US" altLang="ko-KR" sz="1600" smtClean="0">
+              <a:t>함수는 하나의 속성에 주로 적용한다</a:t>
+            </a:r>
+            <a:endParaRPr lang="en-US" altLang="ko-KR" sz="1600">
               <a:solidFill>
                 <a:schemeClr val="accent1"/>
               </a:solidFill>
@@ -8542,7 +8668,191 @@
               <a:buChar char="•"/>
             </a:pPr>
             <a:r>
-              <a:rPr lang="ko-KR" altLang="en-US" sz="1600" smtClean="0">
+              <a:rPr lang="ko-KR" altLang="en-US" sz="1600">
+                <a:solidFill>
+                  <a:schemeClr val="accent1"/>
+                </a:solidFill>
+              </a:rPr>
+              <a:t>인자로 딕셔너리를 넣을 수 있다</a:t>
+            </a:r>
+          </a:p>
+        </p:txBody>
+      </p:sp>
+    </p:spTree>
+    <p:extLst>
+      <p:ext uri="{BB962C8B-B14F-4D97-AF65-F5344CB8AC3E}">
+        <p14:creationId xmlns:p14="http://schemas.microsoft.com/office/powerpoint/2010/main" val="1242032762"/>
+      </p:ext>
+    </p:extLst>
+  </p:cSld>
+  <p:clrMapOvr>
+    <a:masterClrMapping/>
+  </p:clrMapOvr>
+</p:sld>
+</file>
+
+<file path=ppt/slides/slide33.xml><?xml version="1.0" encoding="utf-8"?>
+<p:sld xmlns:a="http://schemas.openxmlformats.org/drawingml/2006/main" xmlns:r="http://schemas.openxmlformats.org/officeDocument/2006/relationships" xmlns:p="http://schemas.openxmlformats.org/presentationml/2006/main">
+  <p:cSld>
+    <p:spTree>
+      <p:nvGrpSpPr>
+        <p:cNvPr id="1" name=""/>
+        <p:cNvGrpSpPr/>
+        <p:nvPr/>
+      </p:nvGrpSpPr>
+      <p:grpSpPr>
+        <a:xfrm>
+          <a:off x="0" y="0"/>
+          <a:ext cx="0" cy="0"/>
+          <a:chOff x="0" y="0"/>
+          <a:chExt cx="0" cy="0"/>
+        </a:xfrm>
+      </p:grpSpPr>
+      <p:sp>
+        <p:nvSpPr>
+          <p:cNvPr id="2" name="제목 1"/>
+          <p:cNvSpPr>
+            <a:spLocks noGrp="1"/>
+          </p:cNvSpPr>
+          <p:nvPr>
+            <p:ph type="title"/>
+          </p:nvPr>
+        </p:nvSpPr>
+        <p:spPr/>
+        <p:txBody>
+          <a:bodyPr/>
+          <a:lstStyle/>
+          <a:p>
+            <a:r>
+              <a:rPr lang="ko-KR" altLang="en-US"/>
+              <a:t>행이나 열 변환 </a:t>
+            </a:r>
+            <a:r>
+              <a:rPr lang="en-US" altLang="ko-KR"/>
+              <a:t>– apply( )</a:t>
+            </a:r>
+            <a:endParaRPr lang="ko-KR" altLang="en-US"/>
+          </a:p>
+        </p:txBody>
+      </p:sp>
+      <p:sp>
+        <p:nvSpPr>
+          <p:cNvPr id="3" name="슬라이드 번호 개체 틀 2"/>
+          <p:cNvSpPr>
+            <a:spLocks noGrp="1"/>
+          </p:cNvSpPr>
+          <p:nvPr>
+            <p:ph type="sldNum" sz="quarter" idx="12"/>
+          </p:nvPr>
+        </p:nvSpPr>
+        <p:spPr/>
+        <p:txBody>
+          <a:bodyPr/>
+          <a:lstStyle/>
+          <a:p>
+            <a:fld id="{B6F7932D-1EC4-4CA7-891C-0C84ADDFCFA9}" type="slidenum">
+              <a:rPr lang="ko-KR" altLang="en-US" smtClean="0"/>
+              <a:t>33</a:t>
+            </a:fld>
+            <a:endParaRPr lang="ko-KR" altLang="en-US"/>
+          </a:p>
+        </p:txBody>
+      </p:sp>
+      <p:pic>
+        <p:nvPicPr>
+          <p:cNvPr id="4" name="그림 3"/>
+          <p:cNvPicPr>
+            <a:picLocks noChangeAspect="1"/>
+          </p:cNvPicPr>
+          <p:nvPr/>
+        </p:nvPicPr>
+        <p:blipFill>
+          <a:blip r:embed="rId2"/>
+          <a:stretch>
+            <a:fillRect/>
+          </a:stretch>
+        </p:blipFill>
+        <p:spPr>
+          <a:xfrm>
+            <a:off x="1115616" y="1340768"/>
+            <a:ext cx="3962400" cy="5137526"/>
+          </a:xfrm>
+          <a:prstGeom prst="rect">
+            <a:avLst/>
+          </a:prstGeom>
+        </p:spPr>
+      </p:pic>
+      <p:sp>
+        <p:nvSpPr>
+          <p:cNvPr id="5" name="TextBox 4"/>
+          <p:cNvSpPr txBox="1"/>
+          <p:nvPr/>
+        </p:nvSpPr>
+        <p:spPr>
+          <a:xfrm>
+            <a:off x="4067944" y="5954137"/>
+            <a:ext cx="3988592" cy="584775"/>
+          </a:xfrm>
+          <a:prstGeom prst="rect">
+            <a:avLst/>
+          </a:prstGeom>
+          <a:noFill/>
+        </p:spPr>
+        <p:txBody>
+          <a:bodyPr wrap="none" rtlCol="0">
+            <a:spAutoFit/>
+          </a:bodyPr>
+          <a:lstStyle/>
+          <a:p>
+            <a:pPr marL="285750" indent="-285750">
+              <a:buFont typeface="Arial" panose="020B0604020202020204" pitchFamily="34" charset="0"/>
+              <a:buChar char="•"/>
+            </a:pPr>
+            <a:r>
+              <a:rPr lang="en-US" altLang="ko-KR" sz="1600">
+                <a:solidFill>
+                  <a:schemeClr val="accent1"/>
+                </a:solidFill>
+              </a:rPr>
+              <a:t>apply </a:t>
+            </a:r>
+            <a:r>
+              <a:rPr lang="ko-KR" altLang="en-US" sz="1600">
+                <a:solidFill>
+                  <a:schemeClr val="accent1"/>
+                </a:solidFill>
+              </a:rPr>
+              <a:t>함수는 </a:t>
+            </a:r>
+            <a:r>
+              <a:rPr lang="en-US" altLang="ko-KR" sz="1600">
+                <a:solidFill>
+                  <a:schemeClr val="accent1"/>
+                </a:solidFill>
+              </a:rPr>
+              <a:t>DataFrame </a:t>
+            </a:r>
+            <a:r>
+              <a:rPr lang="ko-KR" altLang="en-US" sz="1600">
+                <a:solidFill>
+                  <a:schemeClr val="accent1"/>
+                </a:solidFill>
+              </a:rPr>
+              <a:t>에 주로 적용</a:t>
+            </a:r>
+            <a:endParaRPr lang="en-US" altLang="ko-KR" sz="1600">
+              <a:solidFill>
+                <a:schemeClr val="accent1"/>
+              </a:solidFill>
+            </a:endParaRPr>
+          </a:p>
+          <a:p>
+            <a:pPr marL="285750" indent="-285750">
+              <a:buFont typeface="Arial" panose="020B0604020202020204" pitchFamily="34" charset="0"/>
+              <a:buChar char="•"/>
+            </a:pPr>
+            <a:r>
+              <a:rPr lang="ko-KR" altLang="en-US" sz="1600">
                 <a:solidFill>
                   <a:schemeClr val="accent1"/>
                 </a:solidFill>
@@ -8550,7 +8860,7 @@
               <a:t>람다함수의 인자는 속성</a:t>
             </a:r>
             <a:r>
-              <a:rPr lang="en-US" altLang="ko-KR" sz="1600" smtClean="0">
+              <a:rPr lang="en-US" altLang="ko-KR" sz="1600">
                 <a:solidFill>
                   <a:schemeClr val="accent1"/>
                 </a:solidFill>
@@ -8558,12 +8868,422 @@
               <a:t>(Series) </a:t>
             </a:r>
             <a:r>
-              <a:rPr lang="ko-KR" altLang="en-US" sz="1600" smtClean="0">
+              <a:rPr lang="ko-KR" altLang="en-US" sz="1600">
                 <a:solidFill>
                   <a:schemeClr val="accent1"/>
                 </a:solidFill>
               </a:rPr>
               <a:t>이다</a:t>
+            </a:r>
+          </a:p>
+        </p:txBody>
+      </p:sp>
+    </p:spTree>
+    <p:extLst>
+      <p:ext uri="{BB962C8B-B14F-4D97-AF65-F5344CB8AC3E}">
+        <p14:creationId xmlns:p14="http://schemas.microsoft.com/office/powerpoint/2010/main" val="3870566204"/>
+      </p:ext>
+    </p:extLst>
+  </p:cSld>
+  <p:clrMapOvr>
+    <a:masterClrMapping/>
+  </p:clrMapOvr>
+</p:sld>
+</file>
+
+<file path=ppt/slides/slide34.xml><?xml version="1.0" encoding="utf-8"?>
+<p:sld xmlns:a="http://schemas.openxmlformats.org/drawingml/2006/main" xmlns:r="http://schemas.openxmlformats.org/officeDocument/2006/relationships" xmlns:p="http://schemas.openxmlformats.org/presentationml/2006/main">
+  <p:cSld>
+    <p:spTree>
+      <p:nvGrpSpPr>
+        <p:cNvPr id="1" name=""/>
+        <p:cNvGrpSpPr/>
+        <p:nvPr/>
+      </p:nvGrpSpPr>
+      <p:grpSpPr>
+        <a:xfrm>
+          <a:off x="0" y="0"/>
+          <a:ext cx="0" cy="0"/>
+          <a:chOff x="0" y="0"/>
+          <a:chExt cx="0" cy="0"/>
+        </a:xfrm>
+      </p:grpSpPr>
+      <p:sp>
+        <p:nvSpPr>
+          <p:cNvPr id="2" name="제목 1"/>
+          <p:cNvSpPr>
+            <a:spLocks noGrp="1"/>
+          </p:cNvSpPr>
+          <p:nvPr>
+            <p:ph type="title"/>
+          </p:nvPr>
+        </p:nvSpPr>
+        <p:spPr/>
+        <p:txBody>
+          <a:bodyPr/>
+          <a:lstStyle/>
+          <a:p>
+            <a:r>
+              <a:rPr lang="en-US" altLang="ko-KR"/>
+              <a:t>pandas </a:t>
+            </a:r>
+            <a:r>
+              <a:rPr lang="ko-KR" altLang="en-US"/>
+              <a:t>고급</a:t>
+            </a:r>
+          </a:p>
+        </p:txBody>
+      </p:sp>
+      <p:sp>
+        <p:nvSpPr>
+          <p:cNvPr id="3" name="텍스트 개체 틀 2"/>
+          <p:cNvSpPr>
+            <a:spLocks noGrp="1"/>
+          </p:cNvSpPr>
+          <p:nvPr>
+            <p:ph type="body" idx="1"/>
+          </p:nvPr>
+        </p:nvSpPr>
+        <p:spPr/>
+        <p:txBody>
+          <a:bodyPr/>
+          <a:lstStyle/>
+          <a:p>
+            <a:endParaRPr lang="ko-KR" altLang="en-US"/>
+          </a:p>
+        </p:txBody>
+      </p:sp>
+      <p:sp>
+        <p:nvSpPr>
+          <p:cNvPr id="4" name="모서리가 둥근 직사각형 3"/>
+          <p:cNvSpPr/>
+          <p:nvPr/>
+        </p:nvSpPr>
+        <p:spPr>
+          <a:xfrm>
+            <a:off x="-8023" y="4365104"/>
+            <a:ext cx="5328592" cy="72008"/>
+          </a:xfrm>
+          <a:prstGeom prst="roundRect">
+            <a:avLst/>
+          </a:prstGeom>
+          <a:solidFill>
+            <a:srgbClr val="92D050"/>
+          </a:solidFill>
+          <a:ln>
+            <a:noFill/>
+          </a:ln>
+        </p:spPr>
+        <p:style>
+          <a:lnRef idx="2">
+            <a:schemeClr val="accent1">
+              <a:shade val="50000"/>
+            </a:schemeClr>
+          </a:lnRef>
+          <a:fillRef idx="1">
+            <a:schemeClr val="accent1"/>
+          </a:fillRef>
+          <a:effectRef idx="0">
+            <a:schemeClr val="accent1"/>
+          </a:effectRef>
+          <a:fontRef idx="minor">
+            <a:schemeClr val="lt1"/>
+          </a:fontRef>
+        </p:style>
+        <p:txBody>
+          <a:bodyPr rtlCol="0" anchor="ctr"/>
+          <a:lstStyle/>
+          <a:p>
+            <a:pPr algn="ctr"/>
+            <a:endParaRPr lang="ko-KR" altLang="en-US"/>
+          </a:p>
+        </p:txBody>
+      </p:sp>
+      <p:sp>
+        <p:nvSpPr>
+          <p:cNvPr id="5" name="슬라이드 번호 개체 틀 4"/>
+          <p:cNvSpPr>
+            <a:spLocks noGrp="1"/>
+          </p:cNvSpPr>
+          <p:nvPr>
+            <p:ph type="sldNum" sz="quarter" idx="12"/>
+          </p:nvPr>
+        </p:nvSpPr>
+        <p:spPr/>
+        <p:txBody>
+          <a:bodyPr/>
+          <a:lstStyle/>
+          <a:p>
+            <a:fld id="{B6F7932D-1EC4-4CA7-891C-0C84ADDFCFA9}" type="slidenum">
+              <a:rPr lang="ko-KR" altLang="en-US" smtClean="0"/>
+              <a:t>34</a:t>
+            </a:fld>
+            <a:endParaRPr lang="ko-KR" altLang="en-US"/>
+          </a:p>
+        </p:txBody>
+      </p:sp>
+    </p:spTree>
+    <p:extLst>
+      <p:ext uri="{BB962C8B-B14F-4D97-AF65-F5344CB8AC3E}">
+        <p14:creationId xmlns:p14="http://schemas.microsoft.com/office/powerpoint/2010/main" val="3925623542"/>
+      </p:ext>
+    </p:extLst>
+  </p:cSld>
+  <p:clrMapOvr>
+    <a:masterClrMapping/>
+  </p:clrMapOvr>
+</p:sld>
+</file>
+
+<file path=ppt/slides/slide35.xml><?xml version="1.0" encoding="utf-8"?>
+<p:sld xmlns:a="http://schemas.openxmlformats.org/drawingml/2006/main" xmlns:r="http://schemas.openxmlformats.org/officeDocument/2006/relationships" xmlns:p="http://schemas.openxmlformats.org/presentationml/2006/main">
+  <p:cSld>
+    <p:spTree>
+      <p:nvGrpSpPr>
+        <p:cNvPr id="1" name=""/>
+        <p:cNvGrpSpPr/>
+        <p:nvPr/>
+      </p:nvGrpSpPr>
+      <p:grpSpPr>
+        <a:xfrm>
+          <a:off x="0" y="0"/>
+          <a:ext cx="0" cy="0"/>
+          <a:chOff x="0" y="0"/>
+          <a:chExt cx="0" cy="0"/>
+        </a:xfrm>
+      </p:grpSpPr>
+      <p:sp>
+        <p:nvSpPr>
+          <p:cNvPr id="2" name="제목 1">
+            <a:extLst>
+              <a:ext uri="{FF2B5EF4-FFF2-40B4-BE49-F238E27FC236}">
+                <a16:creationId xmlns:a16="http://schemas.microsoft.com/office/drawing/2014/main" id="{CBD33509-F53D-4057-9884-527D75285AF5}"/>
+              </a:ext>
+            </a:extLst>
+          </p:cNvPr>
+          <p:cNvSpPr>
+            <a:spLocks noGrp="1"/>
+          </p:cNvSpPr>
+          <p:nvPr>
+            <p:ph type="title"/>
+          </p:nvPr>
+        </p:nvSpPr>
+        <p:spPr/>
+        <p:txBody>
+          <a:bodyPr/>
+          <a:lstStyle/>
+          <a:p>
+            <a:r>
+              <a:rPr lang="ko-KR" altLang="en-US"/>
+              <a:t>한 칼럼을 </a:t>
+            </a:r>
+            <a:r>
+              <a:rPr lang="en-US" altLang="ko-KR"/>
+              <a:t>index </a:t>
+            </a:r>
+            <a:r>
+              <a:rPr lang="ko-KR" altLang="en-US"/>
+              <a:t>로 보내기</a:t>
+            </a:r>
+          </a:p>
+        </p:txBody>
+      </p:sp>
+      <p:sp>
+        <p:nvSpPr>
+          <p:cNvPr id="3" name="슬라이드 번호 개체 틀 2">
+            <a:extLst>
+              <a:ext uri="{FF2B5EF4-FFF2-40B4-BE49-F238E27FC236}">
+                <a16:creationId xmlns:a16="http://schemas.microsoft.com/office/drawing/2014/main" id="{CE8B2D21-2539-46CE-B801-2654889B792F}"/>
+              </a:ext>
+            </a:extLst>
+          </p:cNvPr>
+          <p:cNvSpPr>
+            <a:spLocks noGrp="1"/>
+          </p:cNvSpPr>
+          <p:nvPr>
+            <p:ph type="sldNum" sz="quarter" idx="12"/>
+          </p:nvPr>
+        </p:nvSpPr>
+        <p:spPr/>
+        <p:txBody>
+          <a:bodyPr/>
+          <a:lstStyle/>
+          <a:p>
+            <a:fld id="{B6F7932D-1EC4-4CA7-891C-0C84ADDFCFA9}" type="slidenum">
+              <a:rPr lang="ko-KR" altLang="en-US" smtClean="0"/>
+              <a:t>35</a:t>
+            </a:fld>
+            <a:endParaRPr lang="ko-KR" altLang="en-US"/>
+          </a:p>
+        </p:txBody>
+      </p:sp>
+      <p:pic>
+        <p:nvPicPr>
+          <p:cNvPr id="5" name="그림 4">
+            <a:extLst>
+              <a:ext uri="{FF2B5EF4-FFF2-40B4-BE49-F238E27FC236}">
+                <a16:creationId xmlns:a16="http://schemas.microsoft.com/office/drawing/2014/main" id="{FECDAAB4-E6FC-4598-BF6E-A7E2970C7F36}"/>
+              </a:ext>
+            </a:extLst>
+          </p:cNvPr>
+          <p:cNvPicPr>
+            <a:picLocks noChangeAspect="1"/>
+          </p:cNvPicPr>
+          <p:nvPr/>
+        </p:nvPicPr>
+        <p:blipFill>
+          <a:blip r:embed="rId2"/>
+          <a:stretch>
+            <a:fillRect/>
+          </a:stretch>
+        </p:blipFill>
+        <p:spPr>
+          <a:xfrm>
+            <a:off x="899592" y="1459806"/>
+            <a:ext cx="3073170" cy="4896544"/>
+          </a:xfrm>
+          <a:prstGeom prst="rect">
+            <a:avLst/>
+          </a:prstGeom>
+        </p:spPr>
+      </p:pic>
+      <p:sp>
+        <p:nvSpPr>
+          <p:cNvPr id="6" name="TextBox 5">
+            <a:extLst>
+              <a:ext uri="{FF2B5EF4-FFF2-40B4-BE49-F238E27FC236}">
+                <a16:creationId xmlns:a16="http://schemas.microsoft.com/office/drawing/2014/main" id="{2F07026D-E832-42D5-B657-C562307061E1}"/>
+              </a:ext>
+            </a:extLst>
+          </p:cNvPr>
+          <p:cNvSpPr txBox="1"/>
+          <p:nvPr/>
+        </p:nvSpPr>
+        <p:spPr>
+          <a:xfrm>
+            <a:off x="4427984" y="2636912"/>
+            <a:ext cx="3538469" cy="830997"/>
+          </a:xfrm>
+          <a:prstGeom prst="rect">
+            <a:avLst/>
+          </a:prstGeom>
+          <a:noFill/>
+        </p:spPr>
+        <p:txBody>
+          <a:bodyPr wrap="none" rtlCol="0">
+            <a:spAutoFit/>
+          </a:bodyPr>
+          <a:lstStyle/>
+          <a:p>
+            <a:pPr marL="285750" indent="-285750">
+              <a:buFont typeface="Arial" panose="020B0604020202020204" pitchFamily="34" charset="0"/>
+              <a:buChar char="•"/>
+            </a:pPr>
+            <a:r>
+              <a:rPr lang="en-US" altLang="ko-KR" sz="1600">
+                <a:solidFill>
+                  <a:schemeClr val="accent1"/>
+                </a:solidFill>
+              </a:rPr>
+              <a:t>set_index()</a:t>
+            </a:r>
+            <a:r>
+              <a:rPr lang="ko-KR" altLang="en-US" sz="1600">
+                <a:solidFill>
+                  <a:schemeClr val="accent1"/>
+                </a:solidFill>
+              </a:rPr>
+              <a:t> </a:t>
+            </a:r>
+            <a:r>
+              <a:rPr lang="en-US" altLang="ko-KR" sz="1600">
+                <a:solidFill>
+                  <a:schemeClr val="accent1"/>
+                </a:solidFill>
+              </a:rPr>
+              <a:t>: </a:t>
+            </a:r>
+            <a:r>
+              <a:rPr lang="ko-KR" altLang="en-US" sz="1600">
+                <a:solidFill>
+                  <a:schemeClr val="accent1"/>
+                </a:solidFill>
+              </a:rPr>
+              <a:t>인덱스로 보내기</a:t>
+            </a:r>
+            <a:endParaRPr lang="en-US" altLang="ko-KR" sz="1600">
+              <a:solidFill>
+                <a:schemeClr val="accent1"/>
+              </a:solidFill>
+            </a:endParaRPr>
+          </a:p>
+          <a:p>
+            <a:pPr marL="285750" indent="-285750">
+              <a:buFont typeface="Arial" panose="020B0604020202020204" pitchFamily="34" charset="0"/>
+              <a:buChar char="•"/>
+            </a:pPr>
+            <a:r>
+              <a:rPr lang="en-US" altLang="ko-KR" sz="1600">
+                <a:solidFill>
+                  <a:schemeClr val="accent1"/>
+                </a:solidFill>
+              </a:rPr>
+              <a:t>reset_index() : </a:t>
+            </a:r>
+            <a:r>
+              <a:rPr lang="ko-KR" altLang="en-US" sz="1600">
+                <a:solidFill>
+                  <a:schemeClr val="accent1"/>
+                </a:solidFill>
+              </a:rPr>
+              <a:t>인덱스를 내보내기</a:t>
+            </a:r>
+            <a:br>
+              <a:rPr lang="en-US" altLang="ko-KR" sz="1600">
+                <a:solidFill>
+                  <a:schemeClr val="accent1"/>
+                </a:solidFill>
+              </a:rPr>
+            </a:br>
+            <a:r>
+              <a:rPr lang="en-US" altLang="ko-KR" sz="1600">
+                <a:solidFill>
+                  <a:schemeClr val="accent1"/>
+                </a:solidFill>
+              </a:rPr>
+              <a:t>(</a:t>
+            </a:r>
+            <a:r>
+              <a:rPr lang="ko-KR" altLang="en-US" sz="1600">
+                <a:solidFill>
+                  <a:schemeClr val="accent1"/>
+                </a:solidFill>
+              </a:rPr>
+              <a:t>새로운 인덱스는 </a:t>
+            </a:r>
+            <a:r>
+              <a:rPr lang="en-US" altLang="ko-KR" sz="1600">
+                <a:solidFill>
+                  <a:schemeClr val="accent1"/>
+                </a:solidFill>
+              </a:rPr>
+              <a:t>0</a:t>
+            </a:r>
+            <a:r>
+              <a:rPr lang="ko-KR" altLang="en-US" sz="1600">
+                <a:solidFill>
+                  <a:schemeClr val="accent1"/>
+                </a:solidFill>
+              </a:rPr>
+              <a:t>부터 붙임</a:t>
+            </a:r>
+            <a:r>
+              <a:rPr lang="en-US" altLang="ko-KR" sz="1600">
+                <a:solidFill>
+                  <a:schemeClr val="accent1"/>
+                </a:solidFill>
+              </a:rPr>
+              <a:t>)</a:t>
             </a:r>
             <a:endParaRPr lang="ko-KR" altLang="en-US" sz="1600">
               <a:solidFill>
@@ -8576,7 +9296,665 @@
     </p:spTree>
     <p:extLst>
       <p:ext uri="{BB962C8B-B14F-4D97-AF65-F5344CB8AC3E}">
-        <p14:creationId xmlns:p14="http://schemas.microsoft.com/office/powerpoint/2010/main" val="3870566204"/>
+        <p14:creationId xmlns:p14="http://schemas.microsoft.com/office/powerpoint/2010/main" val="1904395257"/>
+      </p:ext>
+    </p:extLst>
+  </p:cSld>
+  <p:clrMapOvr>
+    <a:masterClrMapping/>
+  </p:clrMapOvr>
+</p:sld>
+</file>
+
+<file path=ppt/slides/slide36.xml><?xml version="1.0" encoding="utf-8"?>
+<p:sld xmlns:a="http://schemas.openxmlformats.org/drawingml/2006/main" xmlns:r="http://schemas.openxmlformats.org/officeDocument/2006/relationships" xmlns:p="http://schemas.openxmlformats.org/presentationml/2006/main">
+  <p:cSld>
+    <p:spTree>
+      <p:nvGrpSpPr>
+        <p:cNvPr id="1" name=""/>
+        <p:cNvGrpSpPr/>
+        <p:nvPr/>
+      </p:nvGrpSpPr>
+      <p:grpSpPr>
+        <a:xfrm>
+          <a:off x="0" y="0"/>
+          <a:ext cx="0" cy="0"/>
+          <a:chOff x="0" y="0"/>
+          <a:chExt cx="0" cy="0"/>
+        </a:xfrm>
+      </p:grpSpPr>
+      <p:sp>
+        <p:nvSpPr>
+          <p:cNvPr id="2" name="제목 1">
+            <a:extLst>
+              <a:ext uri="{FF2B5EF4-FFF2-40B4-BE49-F238E27FC236}">
+                <a16:creationId xmlns:a16="http://schemas.microsoft.com/office/drawing/2014/main" id="{8D27E021-4906-4C71-B0A0-3816F34C82C7}"/>
+              </a:ext>
+            </a:extLst>
+          </p:cNvPr>
+          <p:cNvSpPr>
+            <a:spLocks noGrp="1"/>
+          </p:cNvSpPr>
+          <p:nvPr>
+            <p:ph type="title"/>
+          </p:nvPr>
+        </p:nvSpPr>
+        <p:spPr/>
+        <p:txBody>
+          <a:bodyPr/>
+          <a:lstStyle/>
+          <a:p>
+            <a:r>
+              <a:rPr lang="ko-KR" altLang="en-US"/>
+              <a:t>테이블 합치기</a:t>
+            </a:r>
+          </a:p>
+        </p:txBody>
+      </p:sp>
+      <p:sp>
+        <p:nvSpPr>
+          <p:cNvPr id="3" name="슬라이드 번호 개체 틀 2">
+            <a:extLst>
+              <a:ext uri="{FF2B5EF4-FFF2-40B4-BE49-F238E27FC236}">
+                <a16:creationId xmlns:a16="http://schemas.microsoft.com/office/drawing/2014/main" id="{0F4D4D73-24B8-4A19-9A36-62BEE64BC6F4}"/>
+              </a:ext>
+            </a:extLst>
+          </p:cNvPr>
+          <p:cNvSpPr>
+            <a:spLocks noGrp="1"/>
+          </p:cNvSpPr>
+          <p:nvPr>
+            <p:ph type="sldNum" sz="quarter" idx="12"/>
+          </p:nvPr>
+        </p:nvSpPr>
+        <p:spPr/>
+        <p:txBody>
+          <a:bodyPr/>
+          <a:lstStyle/>
+          <a:p>
+            <a:fld id="{B6F7932D-1EC4-4CA7-891C-0C84ADDFCFA9}" type="slidenum">
+              <a:rPr lang="ko-KR" altLang="en-US" smtClean="0"/>
+              <a:t>36</a:t>
+            </a:fld>
+            <a:endParaRPr lang="ko-KR" altLang="en-US"/>
+          </a:p>
+        </p:txBody>
+      </p:sp>
+      <p:pic>
+        <p:nvPicPr>
+          <p:cNvPr id="5" name="그림 4">
+            <a:extLst>
+              <a:ext uri="{FF2B5EF4-FFF2-40B4-BE49-F238E27FC236}">
+                <a16:creationId xmlns:a16="http://schemas.microsoft.com/office/drawing/2014/main" id="{215A1A11-EA68-4E0F-9AC4-6F899114DD00}"/>
+              </a:ext>
+            </a:extLst>
+          </p:cNvPr>
+          <p:cNvPicPr>
+            <a:picLocks noChangeAspect="1"/>
+          </p:cNvPicPr>
+          <p:nvPr/>
+        </p:nvPicPr>
+        <p:blipFill>
+          <a:blip r:embed="rId2"/>
+          <a:stretch>
+            <a:fillRect/>
+          </a:stretch>
+        </p:blipFill>
+        <p:spPr>
+          <a:xfrm>
+            <a:off x="470270" y="1493808"/>
+            <a:ext cx="3139768" cy="4896544"/>
+          </a:xfrm>
+          <a:prstGeom prst="rect">
+            <a:avLst/>
+          </a:prstGeom>
+        </p:spPr>
+      </p:pic>
+      <p:pic>
+        <p:nvPicPr>
+          <p:cNvPr id="7" name="그림 6">
+            <a:extLst>
+              <a:ext uri="{FF2B5EF4-FFF2-40B4-BE49-F238E27FC236}">
+                <a16:creationId xmlns:a16="http://schemas.microsoft.com/office/drawing/2014/main" id="{E0C83817-0DA8-4A34-8F90-9A26D47C8FE0}"/>
+              </a:ext>
+            </a:extLst>
+          </p:cNvPr>
+          <p:cNvPicPr>
+            <a:picLocks noChangeAspect="1"/>
+          </p:cNvPicPr>
+          <p:nvPr/>
+        </p:nvPicPr>
+        <p:blipFill>
+          <a:blip r:embed="rId3"/>
+          <a:stretch>
+            <a:fillRect/>
+          </a:stretch>
+        </p:blipFill>
+        <p:spPr>
+          <a:xfrm>
+            <a:off x="3877779" y="1493808"/>
+            <a:ext cx="3312370" cy="4994636"/>
+          </a:xfrm>
+          <a:prstGeom prst="rect">
+            <a:avLst/>
+          </a:prstGeom>
+        </p:spPr>
+      </p:pic>
+    </p:spTree>
+    <p:extLst>
+      <p:ext uri="{BB962C8B-B14F-4D97-AF65-F5344CB8AC3E}">
+        <p14:creationId xmlns:p14="http://schemas.microsoft.com/office/powerpoint/2010/main" val="1501417189"/>
+      </p:ext>
+    </p:extLst>
+  </p:cSld>
+  <p:clrMapOvr>
+    <a:masterClrMapping/>
+  </p:clrMapOvr>
+</p:sld>
+</file>
+
+<file path=ppt/slides/slide37.xml><?xml version="1.0" encoding="utf-8"?>
+<p:sld xmlns:a="http://schemas.openxmlformats.org/drawingml/2006/main" xmlns:r="http://schemas.openxmlformats.org/officeDocument/2006/relationships" xmlns:p="http://schemas.openxmlformats.org/presentationml/2006/main">
+  <p:cSld>
+    <p:spTree>
+      <p:nvGrpSpPr>
+        <p:cNvPr id="1" name=""/>
+        <p:cNvGrpSpPr/>
+        <p:nvPr/>
+      </p:nvGrpSpPr>
+      <p:grpSpPr>
+        <a:xfrm>
+          <a:off x="0" y="0"/>
+          <a:ext cx="0" cy="0"/>
+          <a:chOff x="0" y="0"/>
+          <a:chExt cx="0" cy="0"/>
+        </a:xfrm>
+      </p:grpSpPr>
+      <p:sp>
+        <p:nvSpPr>
+          <p:cNvPr id="2" name="제목 1">
+            <a:extLst>
+              <a:ext uri="{FF2B5EF4-FFF2-40B4-BE49-F238E27FC236}">
+                <a16:creationId xmlns:a16="http://schemas.microsoft.com/office/drawing/2014/main" id="{9FEF0CD6-D1C6-4046-B4A4-60CA98C76FF0}"/>
+              </a:ext>
+            </a:extLst>
+          </p:cNvPr>
+          <p:cNvSpPr>
+            <a:spLocks noGrp="1"/>
+          </p:cNvSpPr>
+          <p:nvPr>
+            <p:ph type="title"/>
+          </p:nvPr>
+        </p:nvSpPr>
+        <p:spPr/>
+        <p:txBody>
+          <a:bodyPr/>
+          <a:lstStyle/>
+          <a:p>
+            <a:r>
+              <a:rPr lang="ko-KR" altLang="en-US"/>
+              <a:t>테이블 조인</a:t>
+            </a:r>
+          </a:p>
+        </p:txBody>
+      </p:sp>
+      <p:sp>
+        <p:nvSpPr>
+          <p:cNvPr id="3" name="슬라이드 번호 개체 틀 2">
+            <a:extLst>
+              <a:ext uri="{FF2B5EF4-FFF2-40B4-BE49-F238E27FC236}">
+                <a16:creationId xmlns:a16="http://schemas.microsoft.com/office/drawing/2014/main" id="{273E6C13-C3F8-4C66-91BB-6E3CCC3F6BB1}"/>
+              </a:ext>
+            </a:extLst>
+          </p:cNvPr>
+          <p:cNvSpPr>
+            <a:spLocks noGrp="1"/>
+          </p:cNvSpPr>
+          <p:nvPr>
+            <p:ph type="sldNum" sz="quarter" idx="12"/>
+          </p:nvPr>
+        </p:nvSpPr>
+        <p:spPr/>
+        <p:txBody>
+          <a:bodyPr/>
+          <a:lstStyle/>
+          <a:p>
+            <a:fld id="{B6F7932D-1EC4-4CA7-891C-0C84ADDFCFA9}" type="slidenum">
+              <a:rPr lang="ko-KR" altLang="en-US" smtClean="0"/>
+              <a:t>37</a:t>
+            </a:fld>
+            <a:endParaRPr lang="ko-KR" altLang="en-US"/>
+          </a:p>
+        </p:txBody>
+      </p:sp>
+      <p:pic>
+        <p:nvPicPr>
+          <p:cNvPr id="4" name="그림 3">
+            <a:extLst>
+              <a:ext uri="{FF2B5EF4-FFF2-40B4-BE49-F238E27FC236}">
+                <a16:creationId xmlns:a16="http://schemas.microsoft.com/office/drawing/2014/main" id="{A75F7674-3B2A-4E32-95F8-EA99C9E884B2}"/>
+              </a:ext>
+            </a:extLst>
+          </p:cNvPr>
+          <p:cNvPicPr>
+            <a:picLocks noChangeAspect="1"/>
+          </p:cNvPicPr>
+          <p:nvPr/>
+        </p:nvPicPr>
+        <p:blipFill>
+          <a:blip r:embed="rId2"/>
+          <a:stretch>
+            <a:fillRect/>
+          </a:stretch>
+        </p:blipFill>
+        <p:spPr>
+          <a:xfrm>
+            <a:off x="1805970" y="2384809"/>
+            <a:ext cx="5244028" cy="3842540"/>
+          </a:xfrm>
+          <a:prstGeom prst="rect">
+            <a:avLst/>
+          </a:prstGeom>
+        </p:spPr>
+      </p:pic>
+      <p:sp>
+        <p:nvSpPr>
+          <p:cNvPr id="5" name="TextBox 4">
+            <a:extLst>
+              <a:ext uri="{FF2B5EF4-FFF2-40B4-BE49-F238E27FC236}">
+                <a16:creationId xmlns:a16="http://schemas.microsoft.com/office/drawing/2014/main" id="{32ADF08B-F180-44FE-AD33-6537FCD6AC30}"/>
+              </a:ext>
+            </a:extLst>
+          </p:cNvPr>
+          <p:cNvSpPr txBox="1"/>
+          <p:nvPr/>
+        </p:nvSpPr>
+        <p:spPr>
+          <a:xfrm>
+            <a:off x="836135" y="1377362"/>
+            <a:ext cx="7183698" cy="584775"/>
+          </a:xfrm>
+          <a:prstGeom prst="rect">
+            <a:avLst/>
+          </a:prstGeom>
+          <a:noFill/>
+        </p:spPr>
+        <p:txBody>
+          <a:bodyPr wrap="none" rtlCol="0">
+            <a:spAutoFit/>
+          </a:bodyPr>
+          <a:lstStyle/>
+          <a:p>
+            <a:pPr marL="285750" indent="-285750">
+              <a:buFont typeface="Arial" panose="020B0604020202020204" pitchFamily="34" charset="0"/>
+              <a:buChar char="•"/>
+            </a:pPr>
+            <a:r>
+              <a:rPr lang="en-US" altLang="ko-KR" sz="1600">
+                <a:solidFill>
+                  <a:schemeClr val="accent1"/>
+                </a:solidFill>
+              </a:rPr>
+              <a:t>pandas</a:t>
+            </a:r>
+            <a:r>
+              <a:rPr lang="ko-KR" altLang="en-US" sz="1600">
+                <a:solidFill>
+                  <a:schemeClr val="accent1"/>
+                </a:solidFill>
+              </a:rPr>
+              <a:t>는 데이터베이스의 복잡한 테이블 조인 기능들을 대부분 지원한다</a:t>
+            </a:r>
+            <a:endParaRPr lang="en-US" altLang="ko-KR" sz="1600">
+              <a:solidFill>
+                <a:schemeClr val="accent1"/>
+              </a:solidFill>
+            </a:endParaRPr>
+          </a:p>
+          <a:p>
+            <a:pPr marL="285750" indent="-285750">
+              <a:buFont typeface="Arial" panose="020B0604020202020204" pitchFamily="34" charset="0"/>
+              <a:buChar char="•"/>
+            </a:pPr>
+            <a:r>
+              <a:rPr lang="ko-KR" altLang="en-US" sz="1600">
+                <a:solidFill>
+                  <a:schemeClr val="accent1"/>
+                </a:solidFill>
+              </a:rPr>
+              <a:t>아래는 간단한 예제만 보였음</a:t>
+            </a:r>
+          </a:p>
+        </p:txBody>
+      </p:sp>
+    </p:spTree>
+    <p:extLst>
+      <p:ext uri="{BB962C8B-B14F-4D97-AF65-F5344CB8AC3E}">
+        <p14:creationId xmlns:p14="http://schemas.microsoft.com/office/powerpoint/2010/main" val="1183621579"/>
+      </p:ext>
+    </p:extLst>
+  </p:cSld>
+  <p:clrMapOvr>
+    <a:masterClrMapping/>
+  </p:clrMapOvr>
+</p:sld>
+</file>
+
+<file path=ppt/slides/slide38.xml><?xml version="1.0" encoding="utf-8"?>
+<p:sld xmlns:a="http://schemas.openxmlformats.org/drawingml/2006/main" xmlns:r="http://schemas.openxmlformats.org/officeDocument/2006/relationships" xmlns:p="http://schemas.openxmlformats.org/presentationml/2006/main">
+  <p:cSld>
+    <p:spTree>
+      <p:nvGrpSpPr>
+        <p:cNvPr id="1" name=""/>
+        <p:cNvGrpSpPr/>
+        <p:nvPr/>
+      </p:nvGrpSpPr>
+      <p:grpSpPr>
+        <a:xfrm>
+          <a:off x="0" y="0"/>
+          <a:ext cx="0" cy="0"/>
+          <a:chOff x="0" y="0"/>
+          <a:chExt cx="0" cy="0"/>
+        </a:xfrm>
+      </p:grpSpPr>
+      <p:sp>
+        <p:nvSpPr>
+          <p:cNvPr id="2" name="제목 1">
+            <a:extLst>
+              <a:ext uri="{FF2B5EF4-FFF2-40B4-BE49-F238E27FC236}">
+                <a16:creationId xmlns:a16="http://schemas.microsoft.com/office/drawing/2014/main" id="{191A08AA-7546-4D85-81DA-02625EC640FC}"/>
+              </a:ext>
+            </a:extLst>
+          </p:cNvPr>
+          <p:cNvSpPr>
+            <a:spLocks noGrp="1"/>
+          </p:cNvSpPr>
+          <p:nvPr>
+            <p:ph type="title"/>
+          </p:nvPr>
+        </p:nvSpPr>
+        <p:spPr/>
+        <p:txBody>
+          <a:bodyPr/>
+          <a:lstStyle/>
+          <a:p>
+            <a:r>
+              <a:rPr lang="ko-KR" altLang="en-US"/>
+              <a:t>원핫인코딩 </a:t>
+            </a:r>
+            <a:r>
+              <a:rPr lang="en-US" altLang="ko-KR"/>
+              <a:t>- get_dummies()</a:t>
+            </a:r>
+            <a:endParaRPr lang="ko-KR" altLang="en-US"/>
+          </a:p>
+        </p:txBody>
+      </p:sp>
+      <p:sp>
+        <p:nvSpPr>
+          <p:cNvPr id="3" name="슬라이드 번호 개체 틀 2">
+            <a:extLst>
+              <a:ext uri="{FF2B5EF4-FFF2-40B4-BE49-F238E27FC236}">
+                <a16:creationId xmlns:a16="http://schemas.microsoft.com/office/drawing/2014/main" id="{BBD48216-D914-4B3B-853D-7A583732C401}"/>
+              </a:ext>
+            </a:extLst>
+          </p:cNvPr>
+          <p:cNvSpPr>
+            <a:spLocks noGrp="1"/>
+          </p:cNvSpPr>
+          <p:nvPr>
+            <p:ph type="sldNum" sz="quarter" idx="12"/>
+          </p:nvPr>
+        </p:nvSpPr>
+        <p:spPr/>
+        <p:txBody>
+          <a:bodyPr/>
+          <a:lstStyle/>
+          <a:p>
+            <a:fld id="{B6F7932D-1EC4-4CA7-891C-0C84ADDFCFA9}" type="slidenum">
+              <a:rPr lang="ko-KR" altLang="en-US" smtClean="0"/>
+              <a:t>38</a:t>
+            </a:fld>
+            <a:endParaRPr lang="ko-KR" altLang="en-US"/>
+          </a:p>
+        </p:txBody>
+      </p:sp>
+      <p:pic>
+        <p:nvPicPr>
+          <p:cNvPr id="5" name="그림 4">
+            <a:extLst>
+              <a:ext uri="{FF2B5EF4-FFF2-40B4-BE49-F238E27FC236}">
+                <a16:creationId xmlns:a16="http://schemas.microsoft.com/office/drawing/2014/main" id="{2BD9A617-8340-4414-9F63-B116CB2687A8}"/>
+              </a:ext>
+            </a:extLst>
+          </p:cNvPr>
+          <p:cNvPicPr>
+            <a:picLocks noChangeAspect="1"/>
+          </p:cNvPicPr>
+          <p:nvPr/>
+        </p:nvPicPr>
+        <p:blipFill>
+          <a:blip r:embed="rId2"/>
+          <a:stretch>
+            <a:fillRect/>
+          </a:stretch>
+        </p:blipFill>
+        <p:spPr>
+          <a:xfrm>
+            <a:off x="1115616" y="1400443"/>
+            <a:ext cx="3600400" cy="5171372"/>
+          </a:xfrm>
+          <a:prstGeom prst="rect">
+            <a:avLst/>
+          </a:prstGeom>
+        </p:spPr>
+      </p:pic>
+      <p:sp>
+        <p:nvSpPr>
+          <p:cNvPr id="6" name="TextBox 5">
+            <a:extLst>
+              <a:ext uri="{FF2B5EF4-FFF2-40B4-BE49-F238E27FC236}">
+                <a16:creationId xmlns:a16="http://schemas.microsoft.com/office/drawing/2014/main" id="{283B3333-5DF3-4494-B6D8-30D47795C93A}"/>
+              </a:ext>
+            </a:extLst>
+          </p:cNvPr>
+          <p:cNvSpPr txBox="1"/>
+          <p:nvPr/>
+        </p:nvSpPr>
+        <p:spPr>
+          <a:xfrm>
+            <a:off x="4944923" y="2640498"/>
+            <a:ext cx="3900427" cy="830997"/>
+          </a:xfrm>
+          <a:prstGeom prst="rect">
+            <a:avLst/>
+          </a:prstGeom>
+          <a:noFill/>
+        </p:spPr>
+        <p:txBody>
+          <a:bodyPr wrap="none" rtlCol="0">
+            <a:spAutoFit/>
+          </a:bodyPr>
+          <a:lstStyle/>
+          <a:p>
+            <a:pPr marL="285750" indent="-285750">
+              <a:buFont typeface="Arial" panose="020B0604020202020204" pitchFamily="34" charset="0"/>
+              <a:buChar char="•"/>
+            </a:pPr>
+            <a:r>
+              <a:rPr lang="ko-KR" altLang="en-US" sz="1600">
+                <a:solidFill>
+                  <a:schemeClr val="accent1"/>
+                </a:solidFill>
+              </a:rPr>
+              <a:t>원핫인코딩은 머신러닝에서 중요하게</a:t>
+            </a:r>
+            <a:br>
+              <a:rPr lang="en-US" altLang="ko-KR" sz="1600">
+                <a:solidFill>
+                  <a:schemeClr val="accent1"/>
+                </a:solidFill>
+              </a:rPr>
+            </a:br>
+            <a:r>
+              <a:rPr lang="ko-KR" altLang="en-US" sz="1600">
+                <a:solidFill>
+                  <a:schemeClr val="accent1"/>
+                </a:solidFill>
+              </a:rPr>
+              <a:t>사용하는 기능임</a:t>
+            </a:r>
+            <a:endParaRPr lang="en-US" altLang="ko-KR" sz="1600">
+              <a:solidFill>
+                <a:schemeClr val="accent1"/>
+              </a:solidFill>
+            </a:endParaRPr>
+          </a:p>
+          <a:p>
+            <a:pPr marL="285750" indent="-285750">
+              <a:buFont typeface="Arial" panose="020B0604020202020204" pitchFamily="34" charset="0"/>
+              <a:buChar char="•"/>
+            </a:pPr>
+            <a:r>
+              <a:rPr lang="en-US" altLang="ko-KR" sz="1600">
+                <a:solidFill>
+                  <a:schemeClr val="accent1"/>
+                </a:solidFill>
+              </a:rPr>
+              <a:t>np.eye() </a:t>
+            </a:r>
+            <a:r>
+              <a:rPr lang="ko-KR" altLang="en-US" sz="1600">
+                <a:solidFill>
+                  <a:schemeClr val="accent1"/>
+                </a:solidFill>
+              </a:rPr>
+              <a:t>기능을 이용해도 구현 가능</a:t>
+            </a:r>
+          </a:p>
+        </p:txBody>
+      </p:sp>
+    </p:spTree>
+    <p:extLst>
+      <p:ext uri="{BB962C8B-B14F-4D97-AF65-F5344CB8AC3E}">
+        <p14:creationId xmlns:p14="http://schemas.microsoft.com/office/powerpoint/2010/main" val="492148880"/>
+      </p:ext>
+    </p:extLst>
+  </p:cSld>
+  <p:clrMapOvr>
+    <a:masterClrMapping/>
+  </p:clrMapOvr>
+</p:sld>
+</file>
+
+<file path=ppt/slides/slide39.xml><?xml version="1.0" encoding="utf-8"?>
+<p:sld xmlns:a="http://schemas.openxmlformats.org/drawingml/2006/main" xmlns:r="http://schemas.openxmlformats.org/officeDocument/2006/relationships" xmlns:p="http://schemas.openxmlformats.org/presentationml/2006/main">
+  <p:cSld>
+    <p:spTree>
+      <p:nvGrpSpPr>
+        <p:cNvPr id="1" name=""/>
+        <p:cNvGrpSpPr/>
+        <p:nvPr/>
+      </p:nvGrpSpPr>
+      <p:grpSpPr>
+        <a:xfrm>
+          <a:off x="0" y="0"/>
+          <a:ext cx="0" cy="0"/>
+          <a:chOff x="0" y="0"/>
+          <a:chExt cx="0" cy="0"/>
+        </a:xfrm>
+      </p:grpSpPr>
+      <p:sp>
+        <p:nvSpPr>
+          <p:cNvPr id="2" name="제목 1">
+            <a:extLst>
+              <a:ext uri="{FF2B5EF4-FFF2-40B4-BE49-F238E27FC236}">
+                <a16:creationId xmlns:a16="http://schemas.microsoft.com/office/drawing/2014/main" id="{36801917-EAF8-483C-967A-E0EEAB04E195}"/>
+              </a:ext>
+            </a:extLst>
+          </p:cNvPr>
+          <p:cNvSpPr>
+            <a:spLocks noGrp="1"/>
+          </p:cNvSpPr>
+          <p:nvPr>
+            <p:ph type="title"/>
+          </p:nvPr>
+        </p:nvSpPr>
+        <p:spPr/>
+        <p:txBody>
+          <a:bodyPr/>
+          <a:lstStyle/>
+          <a:p>
+            <a:r>
+              <a:rPr lang="ko-KR" altLang="en-US"/>
+              <a:t>피벗 테이블</a:t>
+            </a:r>
+          </a:p>
+        </p:txBody>
+      </p:sp>
+      <p:sp>
+        <p:nvSpPr>
+          <p:cNvPr id="3" name="슬라이드 번호 개체 틀 2">
+            <a:extLst>
+              <a:ext uri="{FF2B5EF4-FFF2-40B4-BE49-F238E27FC236}">
+                <a16:creationId xmlns:a16="http://schemas.microsoft.com/office/drawing/2014/main" id="{0EBFA0EA-7720-4E94-9DB8-1EB464247A77}"/>
+              </a:ext>
+            </a:extLst>
+          </p:cNvPr>
+          <p:cNvSpPr>
+            <a:spLocks noGrp="1"/>
+          </p:cNvSpPr>
+          <p:nvPr>
+            <p:ph type="sldNum" sz="quarter" idx="12"/>
+          </p:nvPr>
+        </p:nvSpPr>
+        <p:spPr/>
+        <p:txBody>
+          <a:bodyPr/>
+          <a:lstStyle/>
+          <a:p>
+            <a:fld id="{B6F7932D-1EC4-4CA7-891C-0C84ADDFCFA9}" type="slidenum">
+              <a:rPr lang="ko-KR" altLang="en-US" smtClean="0"/>
+              <a:t>39</a:t>
+            </a:fld>
+            <a:endParaRPr lang="ko-KR" altLang="en-US"/>
+          </a:p>
+        </p:txBody>
+      </p:sp>
+      <p:pic>
+        <p:nvPicPr>
+          <p:cNvPr id="5" name="그림 4">
+            <a:extLst>
+              <a:ext uri="{FF2B5EF4-FFF2-40B4-BE49-F238E27FC236}">
+                <a16:creationId xmlns:a16="http://schemas.microsoft.com/office/drawing/2014/main" id="{C44BE8BF-AB0C-401E-8411-9B69CFCF002C}"/>
+              </a:ext>
+            </a:extLst>
+          </p:cNvPr>
+          <p:cNvPicPr>
+            <a:picLocks noChangeAspect="1"/>
+          </p:cNvPicPr>
+          <p:nvPr/>
+        </p:nvPicPr>
+        <p:blipFill>
+          <a:blip r:embed="rId2"/>
+          <a:stretch>
+            <a:fillRect/>
+          </a:stretch>
+        </p:blipFill>
+        <p:spPr>
+          <a:xfrm>
+            <a:off x="539552" y="1582960"/>
+            <a:ext cx="8064896" cy="4798368"/>
+          </a:xfrm>
+          <a:prstGeom prst="rect">
+            <a:avLst/>
+          </a:prstGeom>
+        </p:spPr>
+      </p:pic>
+    </p:spTree>
+    <p:extLst>
+      <p:ext uri="{BB962C8B-B14F-4D97-AF65-F5344CB8AC3E}">
+        <p14:creationId xmlns:p14="http://schemas.microsoft.com/office/powerpoint/2010/main" val="2698588864"/>
       </p:ext>
     </p:extLst>
   </p:cSld>
@@ -8619,14 +9997,13 @@
           <a:lstStyle/>
           <a:p>
             <a:r>
-              <a:rPr lang="en-US" altLang="ko-KR" smtClean="0"/>
+              <a:rPr lang="en-US" altLang="ko-KR"/>
               <a:t>pandas </a:t>
             </a:r>
             <a:r>
-              <a:rPr lang="ko-KR" altLang="en-US" smtClean="0"/>
+              <a:rPr lang="ko-KR" altLang="en-US"/>
               <a:t>의 특징</a:t>
             </a:r>
-            <a:endParaRPr lang="ko-KR" altLang="en-US"/>
           </a:p>
         </p:txBody>
       </p:sp>
@@ -8648,59 +10025,55 @@
           <a:lstStyle/>
           <a:p>
             <a:r>
-              <a:rPr lang="ko-KR" altLang="en-US" sz="2400" err="1" smtClean="0"/>
+              <a:rPr lang="ko-KR" altLang="en-US" sz="2400" err="1"/>
               <a:t>칼럼명과</a:t>
             </a:r>
             <a:r>
-              <a:rPr lang="ko-KR" altLang="en-US" sz="2400" smtClean="0"/>
+              <a:rPr lang="ko-KR" altLang="en-US" sz="2400"/>
               <a:t> 인덱스를 명시적으로 지정</a:t>
             </a:r>
-            <a:endParaRPr lang="en-US" altLang="ko-KR" sz="2400" smtClean="0"/>
-          </a:p>
-          <a:p>
-            <a:r>
-              <a:rPr lang="ko-KR" altLang="en-US" sz="2400" smtClean="0"/>
+            <a:endParaRPr lang="en-US" altLang="ko-KR" sz="2400"/>
+          </a:p>
+          <a:p>
+            <a:r>
+              <a:rPr lang="ko-KR" altLang="en-US" sz="2400"/>
               <a:t>칼럼별 다른 자료형 지정 가능</a:t>
             </a:r>
-            <a:endParaRPr lang="en-US" altLang="ko-KR" sz="2400" smtClean="0"/>
-          </a:p>
-          <a:p>
-            <a:r>
-              <a:rPr lang="ko-KR" altLang="en-US" sz="2400" smtClean="0"/>
+            <a:endParaRPr lang="en-US" altLang="ko-KR" sz="2400"/>
+          </a:p>
+          <a:p>
+            <a:r>
+              <a:rPr lang="ko-KR" altLang="en-US" sz="2400"/>
               <a:t>값변경</a:t>
             </a:r>
             <a:r>
-              <a:rPr lang="en-US" altLang="ko-KR" sz="2400" smtClean="0"/>
+              <a:rPr lang="en-US" altLang="ko-KR" sz="2400"/>
               <a:t>(map) </a:t>
             </a:r>
             <a:r>
-              <a:rPr lang="ko-KR" altLang="en-US" sz="2400" smtClean="0"/>
+              <a:rPr lang="ko-KR" altLang="en-US" sz="2400"/>
               <a:t>과 코드화 용이</a:t>
             </a:r>
-            <a:endParaRPr lang="en-US" altLang="ko-KR" sz="2400" smtClean="0"/>
-          </a:p>
-          <a:p>
-            <a:r>
-              <a:rPr lang="ko-KR" altLang="en-US" sz="2400" smtClean="0"/>
+            <a:endParaRPr lang="en-US" altLang="ko-KR" sz="2400"/>
+          </a:p>
+          <a:p>
+            <a:r>
+              <a:rPr lang="ko-KR" altLang="en-US" sz="2400"/>
               <a:t>그룹 연산</a:t>
             </a:r>
-            <a:endParaRPr lang="en-US" altLang="ko-KR" sz="2400" smtClean="0"/>
-          </a:p>
-          <a:p>
-            <a:r>
-              <a:rPr lang="ko-KR" altLang="en-US" sz="2400" smtClean="0"/>
+            <a:endParaRPr lang="en-US" altLang="ko-KR" sz="2400"/>
+          </a:p>
+          <a:p>
+            <a:r>
+              <a:rPr lang="ko-KR" altLang="en-US" sz="2400"/>
               <a:t>데이터파일을 읽어오기가 편함</a:t>
             </a:r>
             <a:endParaRPr lang="en-US" altLang="ko-KR" sz="2400"/>
           </a:p>
           <a:p>
             <a:r>
-              <a:rPr lang="ko-KR" altLang="en-US" sz="2400" smtClean="0"/>
-              <a:t>직관적이고 예쁜 </a:t>
-            </a:r>
-            <a:r>
               <a:rPr lang="ko-KR" altLang="en-US" sz="2400"/>
-              <a:t>출력</a:t>
+              <a:t>직관적이고 예쁜 출력</a:t>
             </a:r>
           </a:p>
         </p:txBody>
@@ -8787,13 +10160,292 @@
   <p:clrMapOvr>
     <a:masterClrMapping/>
   </p:clrMapOvr>
-  <p:timing>
-    <p:tnLst>
-      <p:par>
-        <p:cTn id="1" dur="indefinite" restart="never" nodeType="tmRoot"/>
-      </p:par>
-    </p:tnLst>
-  </p:timing>
+</p:sld>
+</file>
+
+<file path=ppt/slides/slide40.xml><?xml version="1.0" encoding="utf-8"?>
+<p:sld xmlns:a="http://schemas.openxmlformats.org/drawingml/2006/main" xmlns:r="http://schemas.openxmlformats.org/officeDocument/2006/relationships" xmlns:p="http://schemas.openxmlformats.org/presentationml/2006/main">
+  <p:cSld>
+    <p:spTree>
+      <p:nvGrpSpPr>
+        <p:cNvPr id="1" name=""/>
+        <p:cNvGrpSpPr/>
+        <p:nvPr/>
+      </p:nvGrpSpPr>
+      <p:grpSpPr>
+        <a:xfrm>
+          <a:off x="0" y="0"/>
+          <a:ext cx="0" cy="0"/>
+          <a:chOff x="0" y="0"/>
+          <a:chExt cx="0" cy="0"/>
+        </a:xfrm>
+      </p:grpSpPr>
+      <p:sp>
+        <p:nvSpPr>
+          <p:cNvPr id="2" name="제목 1">
+            <a:extLst>
+              <a:ext uri="{FF2B5EF4-FFF2-40B4-BE49-F238E27FC236}">
+                <a16:creationId xmlns:a16="http://schemas.microsoft.com/office/drawing/2014/main" id="{35D15141-E51D-4D43-999A-46233AC450B9}"/>
+              </a:ext>
+            </a:extLst>
+          </p:cNvPr>
+          <p:cNvSpPr>
+            <a:spLocks noGrp="1"/>
+          </p:cNvSpPr>
+          <p:nvPr>
+            <p:ph type="title"/>
+          </p:nvPr>
+        </p:nvSpPr>
+        <p:spPr/>
+        <p:txBody>
+          <a:bodyPr/>
+          <a:lstStyle/>
+          <a:p>
+            <a:r>
+              <a:rPr lang="ko-KR" altLang="en-US"/>
+              <a:t>그룹연산 </a:t>
+            </a:r>
+            <a:r>
+              <a:rPr lang="en-US" altLang="ko-KR"/>
+              <a:t>- groupby()</a:t>
+            </a:r>
+            <a:endParaRPr lang="ko-KR" altLang="en-US"/>
+          </a:p>
+        </p:txBody>
+      </p:sp>
+      <p:sp>
+        <p:nvSpPr>
+          <p:cNvPr id="3" name="슬라이드 번호 개체 틀 2">
+            <a:extLst>
+              <a:ext uri="{FF2B5EF4-FFF2-40B4-BE49-F238E27FC236}">
+                <a16:creationId xmlns:a16="http://schemas.microsoft.com/office/drawing/2014/main" id="{54B5F8C9-040F-403A-A4F9-A3C3D2727934}"/>
+              </a:ext>
+            </a:extLst>
+          </p:cNvPr>
+          <p:cNvSpPr>
+            <a:spLocks noGrp="1"/>
+          </p:cNvSpPr>
+          <p:nvPr>
+            <p:ph type="sldNum" sz="quarter" idx="12"/>
+          </p:nvPr>
+        </p:nvSpPr>
+        <p:spPr/>
+        <p:txBody>
+          <a:bodyPr/>
+          <a:lstStyle/>
+          <a:p>
+            <a:fld id="{B6F7932D-1EC4-4CA7-891C-0C84ADDFCFA9}" type="slidenum">
+              <a:rPr lang="ko-KR" altLang="en-US" smtClean="0"/>
+              <a:t>40</a:t>
+            </a:fld>
+            <a:endParaRPr lang="ko-KR" altLang="en-US"/>
+          </a:p>
+        </p:txBody>
+      </p:sp>
+      <p:pic>
+        <p:nvPicPr>
+          <p:cNvPr id="1026" name="Picture 2" descr="Data Handling] Pandas :: (8) Groupby">
+            <a:extLst>
+              <a:ext uri="{FF2B5EF4-FFF2-40B4-BE49-F238E27FC236}">
+                <a16:creationId xmlns:a16="http://schemas.microsoft.com/office/drawing/2014/main" id="{3D76D4A7-5B23-4746-BC34-A0B30AE502FA}"/>
+              </a:ext>
+            </a:extLst>
+          </p:cNvPr>
+          <p:cNvPicPr>
+            <a:picLocks noChangeAspect="1" noChangeArrowheads="1"/>
+          </p:cNvPicPr>
+          <p:nvPr/>
+        </p:nvPicPr>
+        <p:blipFill>
+          <a:blip r:embed="rId2">
+            <a:extLst>
+              <a:ext uri="{28A0092B-C50C-407E-A947-70E740481C1C}">
+                <a14:useLocalDpi xmlns:a14="http://schemas.microsoft.com/office/drawing/2010/main" val="0"/>
+              </a:ext>
+            </a:extLst>
+          </a:blip>
+          <a:srcRect/>
+          <a:stretch>
+            <a:fillRect/>
+          </a:stretch>
+        </p:blipFill>
+        <p:spPr bwMode="auto">
+          <a:xfrm>
+            <a:off x="2388786" y="1844824"/>
+            <a:ext cx="4366428" cy="4214112"/>
+          </a:xfrm>
+          <a:prstGeom prst="rect">
+            <a:avLst/>
+          </a:prstGeom>
+          <a:noFill/>
+          <a:extLst>
+            <a:ext uri="{909E8E84-426E-40DD-AFC4-6F175D3DCCD1}">
+              <a14:hiddenFill xmlns:a14="http://schemas.microsoft.com/office/drawing/2010/main">
+                <a:solidFill>
+                  <a:srgbClr val="FFFFFF"/>
+                </a:solidFill>
+              </a14:hiddenFill>
+            </a:ext>
+          </a:extLst>
+        </p:spPr>
+      </p:pic>
+    </p:spTree>
+    <p:extLst>
+      <p:ext uri="{BB962C8B-B14F-4D97-AF65-F5344CB8AC3E}">
+        <p14:creationId xmlns:p14="http://schemas.microsoft.com/office/powerpoint/2010/main" val="2836523049"/>
+      </p:ext>
+    </p:extLst>
+  </p:cSld>
+  <p:clrMapOvr>
+    <a:masterClrMapping/>
+  </p:clrMapOvr>
+</p:sld>
+</file>
+
+<file path=ppt/slides/slide41.xml><?xml version="1.0" encoding="utf-8"?>
+<p:sld xmlns:a="http://schemas.openxmlformats.org/drawingml/2006/main" xmlns:r="http://schemas.openxmlformats.org/officeDocument/2006/relationships" xmlns:p="http://schemas.openxmlformats.org/presentationml/2006/main">
+  <p:cSld>
+    <p:spTree>
+      <p:nvGrpSpPr>
+        <p:cNvPr id="1" name=""/>
+        <p:cNvGrpSpPr/>
+        <p:nvPr/>
+      </p:nvGrpSpPr>
+      <p:grpSpPr>
+        <a:xfrm>
+          <a:off x="0" y="0"/>
+          <a:ext cx="0" cy="0"/>
+          <a:chOff x="0" y="0"/>
+          <a:chExt cx="0" cy="0"/>
+        </a:xfrm>
+      </p:grpSpPr>
+      <p:sp>
+        <p:nvSpPr>
+          <p:cNvPr id="2" name="제목 1">
+            <a:extLst>
+              <a:ext uri="{FF2B5EF4-FFF2-40B4-BE49-F238E27FC236}">
+                <a16:creationId xmlns:a16="http://schemas.microsoft.com/office/drawing/2014/main" id="{2159D243-5390-4689-BFC8-57E7EB0F389D}"/>
+              </a:ext>
+            </a:extLst>
+          </p:cNvPr>
+          <p:cNvSpPr>
+            <a:spLocks noGrp="1"/>
+          </p:cNvSpPr>
+          <p:nvPr>
+            <p:ph type="title"/>
+          </p:nvPr>
+        </p:nvSpPr>
+        <p:spPr/>
+        <p:txBody>
+          <a:bodyPr/>
+          <a:lstStyle/>
+          <a:p>
+            <a:r>
+              <a:rPr lang="ko-KR" altLang="en-US"/>
+              <a:t>그룹연산 예시</a:t>
+            </a:r>
+          </a:p>
+        </p:txBody>
+      </p:sp>
+      <p:sp>
+        <p:nvSpPr>
+          <p:cNvPr id="3" name="슬라이드 번호 개체 틀 2">
+            <a:extLst>
+              <a:ext uri="{FF2B5EF4-FFF2-40B4-BE49-F238E27FC236}">
+                <a16:creationId xmlns:a16="http://schemas.microsoft.com/office/drawing/2014/main" id="{6CB9EFB4-B46E-4024-820E-8BDA8A52714E}"/>
+              </a:ext>
+            </a:extLst>
+          </p:cNvPr>
+          <p:cNvSpPr>
+            <a:spLocks noGrp="1"/>
+          </p:cNvSpPr>
+          <p:nvPr>
+            <p:ph type="sldNum" sz="quarter" idx="12"/>
+          </p:nvPr>
+        </p:nvSpPr>
+        <p:spPr/>
+        <p:txBody>
+          <a:bodyPr/>
+          <a:lstStyle/>
+          <a:p>
+            <a:fld id="{B6F7932D-1EC4-4CA7-891C-0C84ADDFCFA9}" type="slidenum">
+              <a:rPr lang="ko-KR" altLang="en-US" smtClean="0"/>
+              <a:t>41</a:t>
+            </a:fld>
+            <a:endParaRPr lang="ko-KR" altLang="en-US"/>
+          </a:p>
+        </p:txBody>
+      </p:sp>
+      <p:pic>
+        <p:nvPicPr>
+          <p:cNvPr id="4" name="그림 3">
+            <a:extLst>
+              <a:ext uri="{FF2B5EF4-FFF2-40B4-BE49-F238E27FC236}">
+                <a16:creationId xmlns:a16="http://schemas.microsoft.com/office/drawing/2014/main" id="{44E66D1C-2692-4AC7-AB6C-29B4E03E2B4A}"/>
+              </a:ext>
+            </a:extLst>
+          </p:cNvPr>
+          <p:cNvPicPr>
+            <a:picLocks noChangeAspect="1"/>
+          </p:cNvPicPr>
+          <p:nvPr/>
+        </p:nvPicPr>
+        <p:blipFill>
+          <a:blip r:embed="rId2"/>
+          <a:stretch>
+            <a:fillRect/>
+          </a:stretch>
+        </p:blipFill>
+        <p:spPr>
+          <a:xfrm>
+            <a:off x="251520" y="1628800"/>
+            <a:ext cx="3888434" cy="2261174"/>
+          </a:xfrm>
+          <a:prstGeom prst="rect">
+            <a:avLst/>
+          </a:prstGeom>
+        </p:spPr>
+      </p:pic>
+      <p:pic>
+        <p:nvPicPr>
+          <p:cNvPr id="5" name="그림 4">
+            <a:extLst>
+              <a:ext uri="{FF2B5EF4-FFF2-40B4-BE49-F238E27FC236}">
+                <a16:creationId xmlns:a16="http://schemas.microsoft.com/office/drawing/2014/main" id="{9DF5CD90-85ED-404D-808B-733C46E55E25}"/>
+              </a:ext>
+            </a:extLst>
+          </p:cNvPr>
+          <p:cNvPicPr>
+            <a:picLocks noChangeAspect="1"/>
+          </p:cNvPicPr>
+          <p:nvPr/>
+        </p:nvPicPr>
+        <p:blipFill>
+          <a:blip r:embed="rId3"/>
+          <a:stretch>
+            <a:fillRect/>
+          </a:stretch>
+        </p:blipFill>
+        <p:spPr>
+          <a:xfrm>
+            <a:off x="3871974" y="2204864"/>
+            <a:ext cx="4764026" cy="3855196"/>
+          </a:xfrm>
+          <a:prstGeom prst="rect">
+            <a:avLst/>
+          </a:prstGeom>
+        </p:spPr>
+      </p:pic>
+    </p:spTree>
+    <p:extLst>
+      <p:ext uri="{BB962C8B-B14F-4D97-AF65-F5344CB8AC3E}">
+        <p14:creationId xmlns:p14="http://schemas.microsoft.com/office/powerpoint/2010/main" val="2774534827"/>
+      </p:ext>
+    </p:extLst>
+  </p:cSld>
+  <p:clrMapOvr>
+    <a:masterClrMapping/>
+  </p:clrMapOvr>
 </p:sld>
 </file>
 
@@ -8854,14 +10506,13 @@
           <a:lstStyle/>
           <a:p>
             <a:r>
-              <a:rPr lang="en-US" altLang="ko-KR" smtClean="0"/>
+              <a:rPr lang="en-US" altLang="ko-KR"/>
               <a:t>pandas </a:t>
             </a:r>
             <a:r>
-              <a:rPr lang="ko-KR" altLang="en-US" smtClean="0"/>
+              <a:rPr lang="ko-KR" altLang="en-US"/>
               <a:t>는 표모양이 근본</a:t>
             </a:r>
-            <a:endParaRPr lang="ko-KR" altLang="en-US"/>
           </a:p>
         </p:txBody>
       </p:sp>
@@ -8961,7 +10612,7 @@
           <a:p>
             <a:pPr algn="ctr"/>
             <a:r>
-              <a:rPr lang="en-US" altLang="ko-KR" sz="1600" smtClean="0">
+              <a:rPr lang="en-US" altLang="ko-KR" sz="1600">
                 <a:solidFill>
                   <a:srgbClr val="FF0000"/>
                 </a:solidFill>
@@ -8969,7 +10620,7 @@
               <a:t>&lt;</a:t>
             </a:r>
             <a:r>
-              <a:rPr lang="ko-KR" altLang="en-US" sz="1600" smtClean="0">
+              <a:rPr lang="ko-KR" altLang="en-US" sz="1600">
                 <a:solidFill>
                   <a:srgbClr val="FF0000"/>
                 </a:solidFill>
@@ -8977,7 +10628,7 @@
               <a:t>칼럼명</a:t>
             </a:r>
             <a:r>
-              <a:rPr lang="en-US" altLang="ko-KR" sz="1600" smtClean="0">
+              <a:rPr lang="en-US" altLang="ko-KR" sz="1600">
                 <a:solidFill>
                   <a:srgbClr val="FF0000"/>
                 </a:solidFill>
@@ -9016,7 +10667,7 @@
           <a:p>
             <a:pPr algn="ctr"/>
             <a:r>
-              <a:rPr lang="en-US" altLang="ko-KR" sz="1600" smtClean="0">
+              <a:rPr lang="en-US" altLang="ko-KR" sz="1600">
                 <a:solidFill>
                   <a:srgbClr val="FF0000"/>
                 </a:solidFill>
@@ -9024,7 +10675,7 @@
               <a:t>&lt;</a:t>
             </a:r>
             <a:r>
-              <a:rPr lang="ko-KR" altLang="en-US" sz="1600" smtClean="0">
+              <a:rPr lang="ko-KR" altLang="en-US" sz="1600">
                 <a:solidFill>
                   <a:srgbClr val="FF0000"/>
                 </a:solidFill>
@@ -9032,7 +10683,7 @@
               <a:t>인덱스</a:t>
             </a:r>
             <a:r>
-              <a:rPr lang="en-US" altLang="ko-KR" sz="1600" smtClean="0">
+              <a:rPr lang="en-US" altLang="ko-KR" sz="1600">
                 <a:solidFill>
                   <a:srgbClr val="FF0000"/>
                 </a:solidFill>
@@ -9071,7 +10722,7 @@
           <a:p>
             <a:pPr algn="ctr"/>
             <a:r>
-              <a:rPr lang="en-US" altLang="ko-KR" sz="1600" smtClean="0">
+              <a:rPr lang="en-US" altLang="ko-KR" sz="1600">
                 <a:solidFill>
                   <a:srgbClr val="FF0000"/>
                 </a:solidFill>
@@ -9079,7 +10730,7 @@
               <a:t>* </a:t>
             </a:r>
             <a:r>
-              <a:rPr lang="ko-KR" altLang="en-US" sz="1600" smtClean="0">
+              <a:rPr lang="ko-KR" altLang="en-US" sz="1600">
                 <a:solidFill>
                   <a:srgbClr val="FF0000"/>
                 </a:solidFill>
@@ -9087,7 +10738,7 @@
               <a:t>데이터 전체 </a:t>
             </a:r>
             <a:r>
-              <a:rPr lang="en-US" altLang="ko-KR" sz="1600" smtClean="0">
+              <a:rPr lang="en-US" altLang="ko-KR" sz="1600">
                 <a:solidFill>
                   <a:srgbClr val="FF0000"/>
                 </a:solidFill>
@@ -9096,7 +10747,7 @@
               <a:t></a:t>
             </a:r>
             <a:r>
-              <a:rPr lang="en-US" altLang="ko-KR" sz="1600" smtClean="0">
+              <a:rPr lang="en-US" altLang="ko-KR" sz="1600">
                 <a:solidFill>
                   <a:srgbClr val="FF0000"/>
                 </a:solidFill>
@@ -9121,13 +10772,6 @@
   <p:clrMapOvr>
     <a:masterClrMapping/>
   </p:clrMapOvr>
-  <p:timing>
-    <p:tnLst>
-      <p:par>
-        <p:cTn id="1" dur="indefinite" restart="never" nodeType="tmRoot"/>
-      </p:par>
-    </p:tnLst>
-  </p:timing>
 </p:sld>
 </file>
 
@@ -9150,7 +10794,13 @@
       </p:grpSpPr>
       <p:sp>
         <p:nvSpPr>
-          <p:cNvPr id="2" name="제목 1"/>
+          <p:cNvPr id="2" name="제목 1">
+            <a:extLst>
+              <a:ext uri="{FF2B5EF4-FFF2-40B4-BE49-F238E27FC236}">
+                <a16:creationId xmlns:a16="http://schemas.microsoft.com/office/drawing/2014/main" id="{B8F9D1D2-2E6A-4C8C-8F6C-B14E2ED482D8}"/>
+              </a:ext>
+            </a:extLst>
+          </p:cNvPr>
           <p:cNvSpPr>
             <a:spLocks noGrp="1"/>
           </p:cNvSpPr>
@@ -9164,85 +10814,21 @@
           <a:lstStyle/>
           <a:p>
             <a:r>
-              <a:rPr lang="en-US" altLang="ko-KR" smtClean="0"/>
-              <a:t>pandas </a:t>
-            </a:r>
-            <a:r>
-              <a:rPr lang="ko-KR" altLang="en-US" smtClean="0"/>
-              <a:t>기본</a:t>
-            </a:r>
-            <a:endParaRPr lang="ko-KR" altLang="en-US"/>
-          </a:p>
-        </p:txBody>
-      </p:sp>
-      <p:sp>
-        <p:nvSpPr>
-          <p:cNvPr id="3" name="텍스트 개체 틀 2"/>
-          <p:cNvSpPr>
-            <a:spLocks noGrp="1"/>
-          </p:cNvSpPr>
-          <p:nvPr>
-            <p:ph type="body" idx="1"/>
-          </p:nvPr>
-        </p:nvSpPr>
-        <p:spPr/>
-        <p:txBody>
-          <a:bodyPr/>
-          <a:lstStyle/>
-          <a:p>
-            <a:endParaRPr lang="ko-KR" altLang="en-US"/>
-          </a:p>
-        </p:txBody>
-      </p:sp>
-      <p:sp>
-        <p:nvSpPr>
-          <p:cNvPr id="4" name="모서리가 둥근 직사각형 3"/>
-          <p:cNvSpPr/>
-          <p:nvPr/>
-        </p:nvSpPr>
-        <p:spPr>
-          <a:xfrm>
-            <a:off x="-8023" y="4365104"/>
-            <a:ext cx="5328592" cy="72008"/>
-          </a:xfrm>
-          <a:prstGeom prst="roundRect">
-            <a:avLst/>
-          </a:prstGeom>
-          <a:solidFill>
-            <a:srgbClr val="92D050"/>
-          </a:solidFill>
-          <a:ln>
-            <a:noFill/>
-          </a:ln>
-        </p:spPr>
-        <p:style>
-          <a:lnRef idx="2">
-            <a:schemeClr val="accent1">
-              <a:shade val="50000"/>
-            </a:schemeClr>
-          </a:lnRef>
-          <a:fillRef idx="1">
-            <a:schemeClr val="accent1"/>
-          </a:fillRef>
-          <a:effectRef idx="0">
-            <a:schemeClr val="accent1"/>
-          </a:effectRef>
-          <a:fontRef idx="minor">
-            <a:schemeClr val="lt1"/>
-          </a:fontRef>
-        </p:style>
-        <p:txBody>
-          <a:bodyPr rtlCol="0" anchor="ctr"/>
-          <a:lstStyle/>
-          <a:p>
-            <a:pPr algn="ctr"/>
-            <a:endParaRPr lang="ko-KR" altLang="en-US"/>
-          </a:p>
-        </p:txBody>
-      </p:sp>
-      <p:sp>
-        <p:nvSpPr>
-          <p:cNvPr id="5" name="슬라이드 번호 개체 틀 4"/>
+              <a:rPr lang="ko-KR" altLang="en-US"/>
+              <a:t>추천 교재</a:t>
+            </a:r>
+          </a:p>
+        </p:txBody>
+      </p:sp>
+      <p:sp>
+        <p:nvSpPr>
+          <p:cNvPr id="3" name="슬라이드 번호 개체 틀 2">
+            <a:extLst>
+              <a:ext uri="{FF2B5EF4-FFF2-40B4-BE49-F238E27FC236}">
+                <a16:creationId xmlns:a16="http://schemas.microsoft.com/office/drawing/2014/main" id="{410018B5-D97B-4756-A48E-D4390BFECE51}"/>
+              </a:ext>
+            </a:extLst>
+          </p:cNvPr>
           <p:cNvSpPr>
             <a:spLocks noGrp="1"/>
           </p:cNvSpPr>
@@ -9263,23 +10849,46 @@
           </a:p>
         </p:txBody>
       </p:sp>
+      <p:pic>
+        <p:nvPicPr>
+          <p:cNvPr id="5" name="그림 4">
+            <a:extLst>
+              <a:ext uri="{FF2B5EF4-FFF2-40B4-BE49-F238E27FC236}">
+                <a16:creationId xmlns:a16="http://schemas.microsoft.com/office/drawing/2014/main" id="{AF1BDDDB-5C1C-4B93-818E-ED3A96937A62}"/>
+              </a:ext>
+            </a:extLst>
+          </p:cNvPr>
+          <p:cNvPicPr>
+            <a:picLocks noChangeAspect="1"/>
+          </p:cNvPicPr>
+          <p:nvPr/>
+        </p:nvPicPr>
+        <p:blipFill>
+          <a:blip r:embed="rId2"/>
+          <a:stretch>
+            <a:fillRect/>
+          </a:stretch>
+        </p:blipFill>
+        <p:spPr>
+          <a:xfrm>
+            <a:off x="2987824" y="2060848"/>
+            <a:ext cx="3031140" cy="3888432"/>
+          </a:xfrm>
+          <a:prstGeom prst="rect">
+            <a:avLst/>
+          </a:prstGeom>
+        </p:spPr>
+      </p:pic>
     </p:spTree>
     <p:extLst>
       <p:ext uri="{BB962C8B-B14F-4D97-AF65-F5344CB8AC3E}">
-        <p14:creationId xmlns:p14="http://schemas.microsoft.com/office/powerpoint/2010/main" val="3002694811"/>
+        <p14:creationId xmlns:p14="http://schemas.microsoft.com/office/powerpoint/2010/main" val="2241181320"/>
       </p:ext>
     </p:extLst>
   </p:cSld>
   <p:clrMapOvr>
     <a:masterClrMapping/>
   </p:clrMapOvr>
-  <p:timing>
-    <p:tnLst>
-      <p:par>
-        <p:cTn id="1" dur="indefinite" restart="never" nodeType="tmRoot"/>
-      </p:par>
-    </p:tnLst>
-  </p:timing>
 </p:sld>
 </file>
 
@@ -9316,111 +10925,32 @@
           <a:lstStyle/>
           <a:p>
             <a:r>
-              <a:rPr lang="en-US" altLang="ko-KR" smtClean="0"/>
+              <a:rPr lang="en-US" altLang="ko-KR"/>
               <a:t>pandas </a:t>
             </a:r>
             <a:r>
-              <a:rPr lang="ko-KR" altLang="en-US" smtClean="0"/>
-              <a:t>자료형</a:t>
-            </a:r>
-            <a:endParaRPr lang="ko-KR" altLang="en-US"/>
-          </a:p>
-        </p:txBody>
-      </p:sp>
-      <p:sp>
-        <p:nvSpPr>
-          <p:cNvPr id="3" name="내용 개체 틀 2"/>
-          <p:cNvSpPr>
-            <a:spLocks noGrp="1"/>
-          </p:cNvSpPr>
-          <p:nvPr>
-            <p:ph idx="1"/>
-          </p:nvPr>
-        </p:nvSpPr>
-        <p:spPr/>
-        <p:txBody>
-          <a:bodyPr>
-            <a:normAutofit/>
-          </a:bodyPr>
-          <a:lstStyle/>
-          <a:p>
-            <a:r>
-              <a:rPr lang="en-US" altLang="ko-KR" sz="2400" smtClean="0"/>
-              <a:t>pd.DataFrame</a:t>
-            </a:r>
-          </a:p>
-          <a:p>
-            <a:pPr lvl="1"/>
-            <a:r>
-              <a:rPr lang="ko-KR" altLang="en-US" sz="2000" smtClean="0"/>
-              <a:t>표형태</a:t>
-            </a:r>
-            <a:r>
-              <a:rPr lang="en-US" altLang="ko-KR" sz="2000" smtClean="0"/>
-              <a:t>(2</a:t>
-            </a:r>
-            <a:r>
-              <a:rPr lang="ko-KR" altLang="en-US" sz="2000" smtClean="0"/>
-              <a:t>차원</a:t>
-            </a:r>
-            <a:r>
-              <a:rPr lang="en-US" altLang="ko-KR" sz="2000" smtClean="0"/>
-              <a:t>)</a:t>
-            </a:r>
-            <a:r>
-              <a:rPr lang="ko-KR" altLang="en-US" sz="2000" smtClean="0"/>
-              <a:t> 데이터</a:t>
-            </a:r>
-            <a:endParaRPr lang="en-US" altLang="ko-KR" sz="2000" smtClean="0"/>
-          </a:p>
-          <a:p>
-            <a:pPr lvl="1"/>
-            <a:r>
-              <a:rPr lang="ko-KR" altLang="en-US" sz="2000" smtClean="0"/>
-              <a:t>칼럼명과 인덱스를 가짐</a:t>
-            </a:r>
-            <a:endParaRPr lang="en-US" altLang="ko-KR" sz="2000" smtClean="0"/>
-          </a:p>
-          <a:p>
-            <a:endParaRPr lang="en-US" altLang="ko-KR" sz="2400"/>
-          </a:p>
-          <a:p>
-            <a:r>
-              <a:rPr lang="en-US" altLang="ko-KR" sz="2400" smtClean="0"/>
-              <a:t>pd.Series</a:t>
-            </a:r>
-          </a:p>
-          <a:p>
-            <a:pPr lvl="1"/>
-            <a:r>
-              <a:rPr lang="en-US" altLang="ko-KR" sz="2000" smtClean="0"/>
-              <a:t>1</a:t>
-            </a:r>
-            <a:r>
-              <a:rPr lang="ko-KR" altLang="en-US" sz="2000" smtClean="0"/>
-              <a:t>차원 데이터</a:t>
-            </a:r>
-            <a:endParaRPr lang="en-US" altLang="ko-KR" sz="2000" smtClean="0"/>
-          </a:p>
-          <a:p>
-            <a:pPr lvl="1"/>
-            <a:r>
-              <a:rPr lang="ko-KR" altLang="en-US" sz="2000" smtClean="0"/>
-              <a:t>인덱스를 가짐</a:t>
-            </a:r>
-            <a:endParaRPr lang="en-US" altLang="ko-KR" sz="2000" smtClean="0"/>
-          </a:p>
-          <a:p>
-            <a:pPr lvl="1"/>
-            <a:r>
-              <a:rPr lang="en-US" altLang="ko-KR" sz="2000" smtClean="0"/>
-              <a:t>DataFrame </a:t>
-            </a:r>
-            <a:r>
-              <a:rPr lang="ko-KR" altLang="en-US" sz="2000" smtClean="0"/>
-              <a:t>의 한 행 또는 열로 볼 수 있음</a:t>
-            </a:r>
-            <a:endParaRPr lang="ko-KR" altLang="en-US" sz="2000"/>
+              <a:rPr lang="ko-KR" altLang="en-US"/>
+              <a:t>기본</a:t>
+            </a:r>
+          </a:p>
+        </p:txBody>
+      </p:sp>
+      <p:sp>
+        <p:nvSpPr>
+          <p:cNvPr id="3" name="텍스트 개체 틀 2"/>
+          <p:cNvSpPr>
+            <a:spLocks noGrp="1"/>
+          </p:cNvSpPr>
+          <p:nvPr>
+            <p:ph type="body" idx="1"/>
+          </p:nvPr>
+        </p:nvSpPr>
+        <p:spPr/>
+        <p:txBody>
+          <a:bodyPr/>
+          <a:lstStyle/>
+          <a:p>
+            <a:endParaRPr lang="ko-KR" altLang="en-US"/>
           </a:p>
         </p:txBody>
       </p:sp>
@@ -9432,17 +10962,14 @@
         </p:nvSpPr>
         <p:spPr>
           <a:xfrm>
-            <a:off x="35496" y="1340768"/>
-            <a:ext cx="3528392" cy="72008"/>
+            <a:off x="-8023" y="4365104"/>
+            <a:ext cx="5328592" cy="72008"/>
           </a:xfrm>
           <a:prstGeom prst="roundRect">
             <a:avLst/>
           </a:prstGeom>
           <a:solidFill>
-            <a:schemeClr val="tx2">
-              <a:lumMod val="40000"/>
-              <a:lumOff val="60000"/>
-            </a:schemeClr>
+            <a:srgbClr val="92D050"/>
           </a:solidFill>
           <a:ln>
             <a:noFill/>
@@ -9499,20 +11026,13 @@
     </p:spTree>
     <p:extLst>
       <p:ext uri="{BB962C8B-B14F-4D97-AF65-F5344CB8AC3E}">
-        <p14:creationId xmlns:p14="http://schemas.microsoft.com/office/powerpoint/2010/main" val="400826986"/>
+        <p14:creationId xmlns:p14="http://schemas.microsoft.com/office/powerpoint/2010/main" val="3002694811"/>
       </p:ext>
     </p:extLst>
   </p:cSld>
   <p:clrMapOvr>
     <a:masterClrMapping/>
   </p:clrMapOvr>
-  <p:timing>
-    <p:tnLst>
-      <p:par>
-        <p:cTn id="1" dur="indefinite" restart="never" nodeType="tmRoot"/>
-      </p:par>
-    </p:tnLst>
-  </p:timing>
 </p:sld>
 </file>
 
@@ -9545,49 +11065,119 @@
         </p:nvSpPr>
         <p:spPr/>
         <p:txBody>
+          <a:bodyPr/>
+          <a:lstStyle/>
+          <a:p>
+            <a:r>
+              <a:rPr lang="en-US" altLang="ko-KR"/>
+              <a:t>pandas </a:t>
+            </a:r>
+            <a:r>
+              <a:rPr lang="ko-KR" altLang="en-US"/>
+              <a:t>자료형</a:t>
+            </a:r>
+          </a:p>
+        </p:txBody>
+      </p:sp>
+      <p:sp>
+        <p:nvSpPr>
+          <p:cNvPr id="3" name="내용 개체 틀 2"/>
+          <p:cNvSpPr>
+            <a:spLocks noGrp="1"/>
+          </p:cNvSpPr>
+          <p:nvPr>
+            <p:ph idx="1"/>
+          </p:nvPr>
+        </p:nvSpPr>
+        <p:spPr/>
+        <p:txBody>
           <a:bodyPr>
             <a:normAutofit/>
           </a:bodyPr>
           <a:lstStyle/>
           <a:p>
             <a:r>
-              <a:rPr lang="en-US" altLang="ko-KR" smtClean="0"/>
+              <a:rPr lang="en-US" altLang="ko-KR" sz="2400"/>
+              <a:t>pd.DataFrame</a:t>
+            </a:r>
+          </a:p>
+          <a:p>
+            <a:pPr lvl="1"/>
+            <a:r>
+              <a:rPr lang="ko-KR" altLang="en-US" sz="2000"/>
+              <a:t>표형태</a:t>
+            </a:r>
+            <a:r>
+              <a:rPr lang="en-US" altLang="ko-KR" sz="2000"/>
+              <a:t>(2</a:t>
+            </a:r>
+            <a:r>
+              <a:rPr lang="ko-KR" altLang="en-US" sz="2000"/>
+              <a:t>차원</a:t>
+            </a:r>
+            <a:r>
+              <a:rPr lang="en-US" altLang="ko-KR" sz="2000"/>
+              <a:t>)</a:t>
+            </a:r>
+            <a:r>
+              <a:rPr lang="ko-KR" altLang="en-US" sz="2000"/>
+              <a:t> 데이터</a:t>
+            </a:r>
+            <a:endParaRPr lang="en-US" altLang="ko-KR" sz="2000"/>
+          </a:p>
+          <a:p>
+            <a:pPr lvl="1"/>
+            <a:r>
+              <a:rPr lang="ko-KR" altLang="en-US" sz="2000"/>
+              <a:t>칼럼명과 인덱스를 가짐</a:t>
+            </a:r>
+            <a:endParaRPr lang="en-US" altLang="ko-KR" sz="2000"/>
+          </a:p>
+          <a:p>
+            <a:endParaRPr lang="en-US" altLang="ko-KR" sz="2400"/>
+          </a:p>
+          <a:p>
+            <a:r>
+              <a:rPr lang="en-US" altLang="ko-KR" sz="2400"/>
+              <a:t>pd.Series</a:t>
+            </a:r>
+          </a:p>
+          <a:p>
+            <a:pPr lvl="1"/>
+            <a:r>
+              <a:rPr lang="en-US" altLang="ko-KR" sz="2000"/>
+              <a:t>1</a:t>
+            </a:r>
+            <a:r>
+              <a:rPr lang="ko-KR" altLang="en-US" sz="2000"/>
+              <a:t>차원 데이터</a:t>
+            </a:r>
+            <a:endParaRPr lang="en-US" altLang="ko-KR" sz="2000"/>
+          </a:p>
+          <a:p>
+            <a:pPr lvl="1"/>
+            <a:r>
+              <a:rPr lang="ko-KR" altLang="en-US" sz="2000"/>
+              <a:t>인덱스를 가짐</a:t>
+            </a:r>
+            <a:endParaRPr lang="en-US" altLang="ko-KR" sz="2000"/>
+          </a:p>
+          <a:p>
+            <a:pPr lvl="1"/>
+            <a:r>
+              <a:rPr lang="en-US" altLang="ko-KR" sz="2000"/>
               <a:t>DataFrame </a:t>
             </a:r>
             <a:r>
-              <a:rPr lang="ko-KR" altLang="en-US" smtClean="0"/>
-              <a:t>만들어 보기</a:t>
-            </a:r>
-            <a:endParaRPr lang="ko-KR" altLang="en-US"/>
-          </a:p>
-        </p:txBody>
-      </p:sp>
-      <p:sp>
-        <p:nvSpPr>
-          <p:cNvPr id="4" name="슬라이드 번호 개체 틀 3"/>
-          <p:cNvSpPr>
-            <a:spLocks noGrp="1"/>
-          </p:cNvSpPr>
-          <p:nvPr>
-            <p:ph type="sldNum" sz="quarter" idx="12"/>
-          </p:nvPr>
-        </p:nvSpPr>
-        <p:spPr/>
-        <p:txBody>
-          <a:bodyPr/>
-          <a:lstStyle/>
-          <a:p>
-            <a:fld id="{B6F7932D-1EC4-4CA7-891C-0C84ADDFCFA9}" type="slidenum">
-              <a:rPr lang="ko-KR" altLang="en-US" smtClean="0"/>
-              <a:t>8</a:t>
-            </a:fld>
-            <a:endParaRPr lang="ko-KR" altLang="en-US"/>
-          </a:p>
-        </p:txBody>
-      </p:sp>
-      <p:sp>
-        <p:nvSpPr>
-          <p:cNvPr id="5" name="모서리가 둥근 직사각형 4"/>
+              <a:rPr lang="ko-KR" altLang="en-US" sz="2000"/>
+              <a:t>의 한 행 또는 열로 볼 수 있음</a:t>
+            </a:r>
+          </a:p>
+        </p:txBody>
+      </p:sp>
+      <p:sp>
+        <p:nvSpPr>
+          <p:cNvPr id="4" name="모서리가 둥근 직사각형 3"/>
           <p:cNvSpPr/>
           <p:nvPr/>
         </p:nvSpPr>
@@ -9634,47 +11224,39 @@
           </a:p>
         </p:txBody>
       </p:sp>
-      <p:pic>
-        <p:nvPicPr>
-          <p:cNvPr id="8" name="그림 7"/>
-          <p:cNvPicPr>
-            <a:picLocks noChangeAspect="1"/>
-          </p:cNvPicPr>
-          <p:nvPr/>
-        </p:nvPicPr>
-        <p:blipFill>
-          <a:blip r:embed="rId2"/>
-          <a:stretch>
-            <a:fillRect/>
-          </a:stretch>
-        </p:blipFill>
-        <p:spPr>
-          <a:xfrm>
-            <a:off x="330730" y="2204864"/>
-            <a:ext cx="8482539" cy="3809524"/>
-          </a:xfrm>
-          <a:prstGeom prst="rect">
-            <a:avLst/>
-          </a:prstGeom>
-        </p:spPr>
-      </p:pic>
+      <p:sp>
+        <p:nvSpPr>
+          <p:cNvPr id="5" name="슬라이드 번호 개체 틀 4"/>
+          <p:cNvSpPr>
+            <a:spLocks noGrp="1"/>
+          </p:cNvSpPr>
+          <p:nvPr>
+            <p:ph type="sldNum" sz="quarter" idx="12"/>
+          </p:nvPr>
+        </p:nvSpPr>
+        <p:spPr/>
+        <p:txBody>
+          <a:bodyPr/>
+          <a:lstStyle/>
+          <a:p>
+            <a:fld id="{B6F7932D-1EC4-4CA7-891C-0C84ADDFCFA9}" type="slidenum">
+              <a:rPr lang="ko-KR" altLang="en-US" smtClean="0"/>
+              <a:t>8</a:t>
+            </a:fld>
+            <a:endParaRPr lang="ko-KR" altLang="en-US"/>
+          </a:p>
+        </p:txBody>
+      </p:sp>
     </p:spTree>
     <p:extLst>
       <p:ext uri="{BB962C8B-B14F-4D97-AF65-F5344CB8AC3E}">
-        <p14:creationId xmlns:p14="http://schemas.microsoft.com/office/powerpoint/2010/main" val="4136524484"/>
+        <p14:creationId xmlns:p14="http://schemas.microsoft.com/office/powerpoint/2010/main" val="400826986"/>
       </p:ext>
     </p:extLst>
   </p:cSld>
   <p:clrMapOvr>
     <a:masterClrMapping/>
   </p:clrMapOvr>
-  <p:timing>
-    <p:tnLst>
-      <p:par>
-        <p:cTn id="1" dur="indefinite" restart="never" nodeType="tmRoot"/>
-      </p:par>
-    </p:tnLst>
-  </p:timing>
 </p:sld>
 </file>
 
@@ -9713,18 +11295,13 @@
           <a:lstStyle/>
           <a:p>
             <a:r>
-              <a:rPr lang="en-US" altLang="ko-KR" smtClean="0"/>
-              <a:t>info() </a:t>
-            </a:r>
-            <a:r>
-              <a:rPr lang="ko-KR" altLang="en-US" smtClean="0"/>
-              <a:t>와 </a:t>
-            </a:r>
-            <a:r>
-              <a:rPr lang="en-US" altLang="ko-KR" smtClean="0"/>
-              <a:t>describe()</a:t>
-            </a:r>
-            <a:endParaRPr lang="ko-KR" altLang="en-US"/>
+              <a:rPr lang="en-US" altLang="ko-KR"/>
+              <a:t>DataFrame </a:t>
+            </a:r>
+            <a:r>
+              <a:rPr lang="ko-KR" altLang="en-US"/>
+              <a:t>만들어 보기</a:t>
+            </a:r>
           </a:p>
         </p:txBody>
       </p:sp>
@@ -9802,7 +11379,7 @@
       </p:sp>
       <p:pic>
         <p:nvPicPr>
-          <p:cNvPr id="6" name="그림 5"/>
+          <p:cNvPr id="8" name="그림 7"/>
           <p:cNvPicPr>
             <a:picLocks noChangeAspect="1"/>
           </p:cNvPicPr>
@@ -9816,276 +11393,24 @@
         </p:blipFill>
         <p:spPr>
           <a:xfrm>
-            <a:off x="107504" y="2132856"/>
-            <a:ext cx="4010676" cy="2269456"/>
+            <a:off x="330730" y="2204864"/>
+            <a:ext cx="8482539" cy="3809524"/>
           </a:xfrm>
           <a:prstGeom prst="rect">
             <a:avLst/>
           </a:prstGeom>
         </p:spPr>
       </p:pic>
-      <p:pic>
-        <p:nvPicPr>
-          <p:cNvPr id="7" name="그림 6"/>
-          <p:cNvPicPr>
-            <a:picLocks noChangeAspect="1"/>
-          </p:cNvPicPr>
-          <p:nvPr/>
-        </p:nvPicPr>
-        <p:blipFill>
-          <a:blip r:embed="rId3"/>
-          <a:stretch>
-            <a:fillRect/>
-          </a:stretch>
-        </p:blipFill>
-        <p:spPr>
-          <a:xfrm>
-            <a:off x="5076056" y="2023446"/>
-            <a:ext cx="3263492" cy="3987301"/>
-          </a:xfrm>
-          <a:prstGeom prst="rect">
-            <a:avLst/>
-          </a:prstGeom>
-        </p:spPr>
-      </p:pic>
-      <p:sp>
-        <p:nvSpPr>
-          <p:cNvPr id="8" name="타원 7"/>
-          <p:cNvSpPr/>
-          <p:nvPr/>
-        </p:nvSpPr>
-        <p:spPr>
-          <a:xfrm>
-            <a:off x="3131840" y="2924944"/>
-            <a:ext cx="864096" cy="1549376"/>
-          </a:xfrm>
-          <a:prstGeom prst="ellipse">
-            <a:avLst/>
-          </a:prstGeom>
-          <a:noFill/>
-          <a:ln>
-            <a:solidFill>
-              <a:srgbClr val="FF0000"/>
-            </a:solidFill>
-            <a:prstDash val="sysDash"/>
-          </a:ln>
-        </p:spPr>
-        <p:style>
-          <a:lnRef idx="2">
-            <a:schemeClr val="accent1">
-              <a:shade val="50000"/>
-            </a:schemeClr>
-          </a:lnRef>
-          <a:fillRef idx="1">
-            <a:schemeClr val="accent1"/>
-          </a:fillRef>
-          <a:effectRef idx="0">
-            <a:schemeClr val="accent1"/>
-          </a:effectRef>
-          <a:fontRef idx="minor">
-            <a:schemeClr val="lt1"/>
-          </a:fontRef>
-        </p:style>
-        <p:txBody>
-          <a:bodyPr rtlCol="0" anchor="ctr"/>
-          <a:lstStyle/>
-          <a:p>
-            <a:pPr algn="ctr"/>
-            <a:endParaRPr lang="ko-KR" altLang="en-US"/>
-          </a:p>
-        </p:txBody>
-      </p:sp>
-      <p:sp>
-        <p:nvSpPr>
-          <p:cNvPr id="9" name="TextBox 8"/>
-          <p:cNvSpPr txBox="1"/>
-          <p:nvPr/>
-        </p:nvSpPr>
-        <p:spPr>
-          <a:xfrm>
-            <a:off x="1259632" y="5085184"/>
-            <a:ext cx="2472152" cy="338554"/>
-          </a:xfrm>
-          <a:prstGeom prst="rect">
-            <a:avLst/>
-          </a:prstGeom>
-          <a:noFill/>
-        </p:spPr>
-        <p:txBody>
-          <a:bodyPr wrap="none" rtlCol="0">
-            <a:spAutoFit/>
-          </a:bodyPr>
-          <a:lstStyle/>
-          <a:p>
-            <a:r>
-              <a:rPr lang="ko-KR" altLang="en-US" sz="1600" smtClean="0">
-                <a:solidFill>
-                  <a:schemeClr val="accent1"/>
-                </a:solidFill>
-              </a:rPr>
-              <a:t>문자열</a:t>
-            </a:r>
-            <a:r>
-              <a:rPr lang="en-US" altLang="ko-KR" sz="1600" smtClean="0">
-                <a:solidFill>
-                  <a:schemeClr val="accent1"/>
-                </a:solidFill>
-              </a:rPr>
-              <a:t>/</a:t>
-            </a:r>
-            <a:r>
-              <a:rPr lang="ko-KR" altLang="en-US" sz="1600" smtClean="0">
-                <a:solidFill>
-                  <a:schemeClr val="accent1"/>
-                </a:solidFill>
-              </a:rPr>
-              <a:t>정수</a:t>
-            </a:r>
-            <a:r>
-              <a:rPr lang="en-US" altLang="ko-KR" sz="1600" smtClean="0">
-                <a:solidFill>
-                  <a:schemeClr val="accent1"/>
-                </a:solidFill>
-              </a:rPr>
-              <a:t>/</a:t>
-            </a:r>
-            <a:r>
-              <a:rPr lang="ko-KR" altLang="en-US" sz="1600" smtClean="0">
-                <a:solidFill>
-                  <a:schemeClr val="accent1"/>
-                </a:solidFill>
-              </a:rPr>
-              <a:t>문자열 타입</a:t>
-            </a:r>
-            <a:endParaRPr lang="ko-KR" altLang="en-US" sz="1600">
-              <a:solidFill>
-                <a:schemeClr val="accent1"/>
-              </a:solidFill>
-            </a:endParaRPr>
-          </a:p>
-        </p:txBody>
-      </p:sp>
-      <p:cxnSp>
-        <p:nvCxnSpPr>
-          <p:cNvPr id="11" name="직선 화살표 연결선 10"/>
-          <p:cNvCxnSpPr/>
-          <p:nvPr/>
-        </p:nvCxnSpPr>
-        <p:spPr>
-          <a:xfrm flipH="1">
-            <a:off x="3059832" y="4365104"/>
-            <a:ext cx="288032" cy="720080"/>
-          </a:xfrm>
-          <a:prstGeom prst="straightConnector1">
-            <a:avLst/>
-          </a:prstGeom>
-          <a:ln>
-            <a:tailEnd type="triangle"/>
-          </a:ln>
-        </p:spPr>
-        <p:style>
-          <a:lnRef idx="1">
-            <a:schemeClr val="accent1"/>
-          </a:lnRef>
-          <a:fillRef idx="0">
-            <a:schemeClr val="accent1"/>
-          </a:fillRef>
-          <a:effectRef idx="0">
-            <a:schemeClr val="accent1"/>
-          </a:effectRef>
-          <a:fontRef idx="minor">
-            <a:schemeClr val="tx1"/>
-          </a:fontRef>
-        </p:style>
-      </p:cxnSp>
-      <p:sp>
-        <p:nvSpPr>
-          <p:cNvPr id="14" name="TextBox 13"/>
-          <p:cNvSpPr txBox="1"/>
-          <p:nvPr/>
-        </p:nvSpPr>
-        <p:spPr>
-          <a:xfrm>
-            <a:off x="4499992" y="6093296"/>
-            <a:ext cx="2658100" cy="338554"/>
-          </a:xfrm>
-          <a:prstGeom prst="rect">
-            <a:avLst/>
-          </a:prstGeom>
-          <a:noFill/>
-        </p:spPr>
-        <p:txBody>
-          <a:bodyPr wrap="none" rtlCol="0">
-            <a:spAutoFit/>
-          </a:bodyPr>
-          <a:lstStyle/>
-          <a:p>
-            <a:r>
-              <a:rPr lang="ko-KR" altLang="en-US" sz="1600" smtClean="0">
-                <a:solidFill>
-                  <a:schemeClr val="accent1"/>
-                </a:solidFill>
-              </a:rPr>
-              <a:t>숫자형 속성의 통계치 출력</a:t>
-            </a:r>
-            <a:endParaRPr lang="ko-KR" altLang="en-US" sz="1600">
-              <a:solidFill>
-                <a:schemeClr val="accent1"/>
-              </a:solidFill>
-            </a:endParaRPr>
-          </a:p>
-        </p:txBody>
-      </p:sp>
-      <p:cxnSp>
-        <p:nvCxnSpPr>
-          <p:cNvPr id="15" name="직선 화살표 연결선 14"/>
-          <p:cNvCxnSpPr/>
-          <p:nvPr/>
-        </p:nvCxnSpPr>
-        <p:spPr>
-          <a:xfrm flipH="1">
-            <a:off x="5940152" y="5664145"/>
-            <a:ext cx="432048" cy="402276"/>
-          </a:xfrm>
-          <a:prstGeom prst="straightConnector1">
-            <a:avLst/>
-          </a:prstGeom>
-          <a:ln>
-            <a:tailEnd type="triangle"/>
-          </a:ln>
-        </p:spPr>
-        <p:style>
-          <a:lnRef idx="1">
-            <a:schemeClr val="accent1"/>
-          </a:lnRef>
-          <a:fillRef idx="0">
-            <a:schemeClr val="accent1"/>
-          </a:fillRef>
-          <a:effectRef idx="0">
-            <a:schemeClr val="accent1"/>
-          </a:effectRef>
-          <a:fontRef idx="minor">
-            <a:schemeClr val="tx1"/>
-          </a:fontRef>
-        </p:style>
-      </p:cxnSp>
     </p:spTree>
     <p:extLst>
       <p:ext uri="{BB962C8B-B14F-4D97-AF65-F5344CB8AC3E}">
-        <p14:creationId xmlns:p14="http://schemas.microsoft.com/office/powerpoint/2010/main" val="436191871"/>
+        <p14:creationId xmlns:p14="http://schemas.microsoft.com/office/powerpoint/2010/main" val="4136524484"/>
       </p:ext>
     </p:extLst>
   </p:cSld>
   <p:clrMapOvr>
     <a:masterClrMapping/>
   </p:clrMapOvr>
-  <p:timing>
-    <p:tnLst>
-      <p:par>
-        <p:cTn id="1" dur="indefinite" restart="never" nodeType="tmRoot"/>
-      </p:par>
-    </p:tnLst>
-  </p:timing>
 </p:sld>
 </file>
 
